--- a/Presentation.pptx
+++ b/Presentation.pptx
@@ -2,15 +2,22 @@
 <file path=ppt/presentation.xml><?xml version="1.0" encoding="utf-8"?>
 <p:presentation xmlns:a="http://schemas.openxmlformats.org/drawingml/2006/main" xmlns:r="http://schemas.openxmlformats.org/officeDocument/2006/relationships" xmlns:p="http://schemas.openxmlformats.org/presentationml/2006/main" saveSubsetFonts="1">
   <p:sldMasterIdLst>
-    <p:sldMasterId id="2147483648" r:id="rId1"/>
+    <p:sldMasterId id="2147483910" r:id="rId1"/>
   </p:sldMasterIdLst>
   <p:sldIdLst>
-    <p:sldId id="256" r:id="rId2"/>
-    <p:sldId id="257" r:id="rId3"/>
-    <p:sldId id="258" r:id="rId4"/>
-    <p:sldId id="259" r:id="rId5"/>
-    <p:sldId id="260" r:id="rId6"/>
-    <p:sldId id="261" r:id="rId7"/>
+    <p:sldId id="268" r:id="rId2"/>
+    <p:sldId id="256" r:id="rId3"/>
+    <p:sldId id="257" r:id="rId4"/>
+    <p:sldId id="258" r:id="rId5"/>
+    <p:sldId id="265" r:id="rId6"/>
+    <p:sldId id="264" r:id="rId7"/>
+    <p:sldId id="259" r:id="rId8"/>
+    <p:sldId id="260" r:id="rId9"/>
+    <p:sldId id="261" r:id="rId10"/>
+    <p:sldId id="262" r:id="rId11"/>
+    <p:sldId id="266" r:id="rId12"/>
+    <p:sldId id="263" r:id="rId13"/>
+    <p:sldId id="267" r:id="rId14"/>
   </p:sldIdLst>
   <p:sldSz cx="12192000" cy="6858000"/>
   <p:notesSz cx="6858000" cy="9144000"/>
@@ -18,7 +25,7 @@
     <a:defPPr>
       <a:defRPr lang="en-US"/>
     </a:defPPr>
-    <a:lvl1pPr marL="0" algn="l" defTabSz="914400" rtl="0" eaLnBrk="1" latinLnBrk="0" hangingPunct="1">
+    <a:lvl1pPr marL="0" algn="l" defTabSz="457200" rtl="0" eaLnBrk="1" latinLnBrk="0" hangingPunct="1">
       <a:defRPr sz="1800" kern="1200">
         <a:solidFill>
           <a:schemeClr val="tx1"/>
@@ -28,7 +35,7 @@
         <a:cs typeface="+mn-cs"/>
       </a:defRPr>
     </a:lvl1pPr>
-    <a:lvl2pPr marL="457200" algn="l" defTabSz="914400" rtl="0" eaLnBrk="1" latinLnBrk="0" hangingPunct="1">
+    <a:lvl2pPr marL="457200" algn="l" defTabSz="457200" rtl="0" eaLnBrk="1" latinLnBrk="0" hangingPunct="1">
       <a:defRPr sz="1800" kern="1200">
         <a:solidFill>
           <a:schemeClr val="tx1"/>
@@ -38,7 +45,7 @@
         <a:cs typeface="+mn-cs"/>
       </a:defRPr>
     </a:lvl2pPr>
-    <a:lvl3pPr marL="914400" algn="l" defTabSz="914400" rtl="0" eaLnBrk="1" latinLnBrk="0" hangingPunct="1">
+    <a:lvl3pPr marL="914400" algn="l" defTabSz="457200" rtl="0" eaLnBrk="1" latinLnBrk="0" hangingPunct="1">
       <a:defRPr sz="1800" kern="1200">
         <a:solidFill>
           <a:schemeClr val="tx1"/>
@@ -48,7 +55,7 @@
         <a:cs typeface="+mn-cs"/>
       </a:defRPr>
     </a:lvl3pPr>
-    <a:lvl4pPr marL="1371600" algn="l" defTabSz="914400" rtl="0" eaLnBrk="1" latinLnBrk="0" hangingPunct="1">
+    <a:lvl4pPr marL="1371600" algn="l" defTabSz="457200" rtl="0" eaLnBrk="1" latinLnBrk="0" hangingPunct="1">
       <a:defRPr sz="1800" kern="1200">
         <a:solidFill>
           <a:schemeClr val="tx1"/>
@@ -58,7 +65,7 @@
         <a:cs typeface="+mn-cs"/>
       </a:defRPr>
     </a:lvl4pPr>
-    <a:lvl5pPr marL="1828800" algn="l" defTabSz="914400" rtl="0" eaLnBrk="1" latinLnBrk="0" hangingPunct="1">
+    <a:lvl5pPr marL="1828800" algn="l" defTabSz="457200" rtl="0" eaLnBrk="1" latinLnBrk="0" hangingPunct="1">
       <a:defRPr sz="1800" kern="1200">
         <a:solidFill>
           <a:schemeClr val="tx1"/>
@@ -68,7 +75,7 @@
         <a:cs typeface="+mn-cs"/>
       </a:defRPr>
     </a:lvl5pPr>
-    <a:lvl6pPr marL="2286000" algn="l" defTabSz="914400" rtl="0" eaLnBrk="1" latinLnBrk="0" hangingPunct="1">
+    <a:lvl6pPr marL="2286000" algn="l" defTabSz="457200" rtl="0" eaLnBrk="1" latinLnBrk="0" hangingPunct="1">
       <a:defRPr sz="1800" kern="1200">
         <a:solidFill>
           <a:schemeClr val="tx1"/>
@@ -78,7 +85,7 @@
         <a:cs typeface="+mn-cs"/>
       </a:defRPr>
     </a:lvl6pPr>
-    <a:lvl7pPr marL="2743200" algn="l" defTabSz="914400" rtl="0" eaLnBrk="1" latinLnBrk="0" hangingPunct="1">
+    <a:lvl7pPr marL="2743200" algn="l" defTabSz="457200" rtl="0" eaLnBrk="1" latinLnBrk="0" hangingPunct="1">
       <a:defRPr sz="1800" kern="1200">
         <a:solidFill>
           <a:schemeClr val="tx1"/>
@@ -88,7 +95,7 @@
         <a:cs typeface="+mn-cs"/>
       </a:defRPr>
     </a:lvl7pPr>
-    <a:lvl8pPr marL="3200400" algn="l" defTabSz="914400" rtl="0" eaLnBrk="1" latinLnBrk="0" hangingPunct="1">
+    <a:lvl8pPr marL="3200400" algn="l" defTabSz="457200" rtl="0" eaLnBrk="1" latinLnBrk="0" hangingPunct="1">
       <a:defRPr sz="1800" kern="1200">
         <a:solidFill>
           <a:schemeClr val="tx1"/>
@@ -98,7 +105,7 @@
         <a:cs typeface="+mn-cs"/>
       </a:defRPr>
     </a:lvl8pPr>
-    <a:lvl9pPr marL="3657600" algn="l" defTabSz="914400" rtl="0" eaLnBrk="1" latinLnBrk="0" hangingPunct="1">
+    <a:lvl9pPr marL="3657600" algn="l" defTabSz="457200" rtl="0" eaLnBrk="1" latinLnBrk="0" hangingPunct="1">
       <a:defRPr sz="1800" kern="1200">
         <a:solidFill>
           <a:schemeClr val="tx1"/>
@@ -109,12 +116,25 @@
       </a:defRPr>
     </a:lvl9pPr>
   </p:defaultTextStyle>
+  <p:extLst>
+    <p:ext uri="{EFAFB233-063F-42B5-8137-9DF3F51BA10A}">
+      <p15:sldGuideLst xmlns:p15="http://schemas.microsoft.com/office/powerpoint/2012/main"/>
+    </p:ext>
+  </p:extLst>
 </p:presentation>
 </file>
 
 <file path=ppt/slideLayouts/slideLayout1.xml><?xml version="1.0" encoding="utf-8"?>
 <p:sldLayout xmlns:a="http://schemas.openxmlformats.org/drawingml/2006/main" xmlns:r="http://schemas.openxmlformats.org/officeDocument/2006/relationships" xmlns:p="http://schemas.openxmlformats.org/presentationml/2006/main" type="title" preserve="1">
   <p:cSld name="Title Slide">
+    <p:bg>
+      <p:bgPr>
+        <a:solidFill>
+          <a:schemeClr val="accent1"/>
+        </a:solidFill>
+        <a:effectLst/>
+      </p:bgPr>
+    </p:bg>
     <p:spTree>
       <p:nvGrpSpPr>
         <p:cNvPr id="1" name=""/>
@@ -131,31 +151,69 @@
       </p:grpSpPr>
       <p:sp>
         <p:nvSpPr>
-          <p:cNvPr id="2" name="Title 1">
-            <a:extLst>
-              <a:ext uri="{FF2B5EF4-FFF2-40B4-BE49-F238E27FC236}">
-                <a16:creationId xmlns:a16="http://schemas.microsoft.com/office/drawing/2014/main" id="{38F0DF06-5FD8-8845-3DD4-A594304C36B0}"/>
-              </a:ext>
-            </a:extLst>
-          </p:cNvPr>
-          <p:cNvSpPr>
-            <a:spLocks noGrp="1"/>
-          </p:cNvSpPr>
-          <p:nvPr>
-            <p:ph type="ctrTitle"/>
-          </p:nvPr>
+          <p:cNvPr id="4" name="Rectangle 3"/>
+          <p:cNvSpPr/>
+          <p:nvPr/>
         </p:nvSpPr>
         <p:spPr>
           <a:xfrm>
-            <a:off x="1524000" y="1122363"/>
-            <a:ext cx="9144000" cy="2387600"/>
+            <a:off x="0" y="0"/>
+            <a:ext cx="12192000" cy="6858000"/>
+          </a:xfrm>
+          <a:prstGeom prst="rect">
+            <a:avLst/>
+          </a:prstGeom>
+          <a:ln>
+            <a:noFill/>
+          </a:ln>
+        </p:spPr>
+        <p:style>
+          <a:lnRef idx="2">
+            <a:schemeClr val="accent1">
+              <a:shade val="50000"/>
+            </a:schemeClr>
+          </a:lnRef>
+          <a:fillRef idx="1">
+            <a:schemeClr val="accent1"/>
+          </a:fillRef>
+          <a:effectRef idx="0">
+            <a:schemeClr val="accent1"/>
+          </a:effectRef>
+          <a:fontRef idx="minor">
+            <a:schemeClr val="lt1"/>
+          </a:fontRef>
+        </p:style>
+      </p:sp>
+      <p:sp>
+        <p:nvSpPr>
+          <p:cNvPr id="2" name="Title 1"/>
+          <p:cNvSpPr>
+            <a:spLocks noGrp="1"/>
+          </p:cNvSpPr>
+          <p:nvPr>
+            <p:ph type="ctrTitle"/>
+          </p:nvPr>
+        </p:nvSpPr>
+        <p:spPr>
+          <a:xfrm>
+            <a:off x="603504" y="770467"/>
+            <a:ext cx="10782300" cy="3352800"/>
           </a:xfrm>
         </p:spPr>
         <p:txBody>
-          <a:bodyPr anchor="b"/>
+          <a:bodyPr anchor="b">
+            <a:noAutofit/>
+          </a:bodyPr>
           <a:lstStyle>
-            <a:lvl1pPr algn="ctr">
-              <a:defRPr sz="6000"/>
+            <a:lvl1pPr algn="l">
+              <a:lnSpc>
+                <a:spcPct val="80000"/>
+              </a:lnSpc>
+              <a:defRPr sz="8800" spc="-120" baseline="0">
+                <a:solidFill>
+                  <a:srgbClr val="FFFFFF"/>
+                </a:solidFill>
+              </a:defRPr>
             </a:lvl1pPr>
           </a:lstStyle>
           <a:p>
@@ -163,18 +221,13 @@
               <a:rPr lang="en-US"/>
               <a:t>Click to edit Master title style</a:t>
             </a:r>
-          </a:p>
-        </p:txBody>
-      </p:sp>
-      <p:sp>
-        <p:nvSpPr>
-          <p:cNvPr id="3" name="Subtitle 2">
-            <a:extLst>
-              <a:ext uri="{FF2B5EF4-FFF2-40B4-BE49-F238E27FC236}">
-                <a16:creationId xmlns:a16="http://schemas.microsoft.com/office/drawing/2014/main" id="{F962E4FD-91AB-56F9-6230-0274F8B0EBE3}"/>
-              </a:ext>
-            </a:extLst>
-          </p:cNvPr>
+            <a:endParaRPr lang="en-US" dirty="0"/>
+          </a:p>
+        </p:txBody>
+      </p:sp>
+      <p:sp>
+        <p:nvSpPr>
+          <p:cNvPr id="3" name="Subtitle 2"/>
           <p:cNvSpPr>
             <a:spLocks noGrp="1"/>
           </p:cNvSpPr>
@@ -184,78 +237,90 @@
         </p:nvSpPr>
         <p:spPr>
           <a:xfrm>
-            <a:off x="1524000" y="3602038"/>
-            <a:ext cx="9144000" cy="1655762"/>
+            <a:off x="667512" y="4206876"/>
+            <a:ext cx="9228201" cy="1645920"/>
           </a:xfrm>
         </p:spPr>
         <p:txBody>
+          <a:bodyPr>
+            <a:normAutofit/>
+          </a:bodyPr>
+          <a:lstStyle>
+            <a:lvl1pPr marL="0" indent="0" algn="l">
+              <a:buNone/>
+              <a:defRPr sz="3200">
+                <a:solidFill>
+                  <a:srgbClr val="262626"/>
+                </a:solidFill>
+                <a:latin typeface="+mj-lt"/>
+              </a:defRPr>
+            </a:lvl1pPr>
+            <a:lvl2pPr marL="457200" indent="0" algn="ctr">
+              <a:buNone/>
+              <a:defRPr sz="2800"/>
+            </a:lvl2pPr>
+            <a:lvl3pPr marL="914400" indent="0" algn="ctr">
+              <a:buNone/>
+              <a:defRPr sz="2400"/>
+            </a:lvl3pPr>
+            <a:lvl4pPr marL="1371600" indent="0" algn="ctr">
+              <a:buNone/>
+              <a:defRPr sz="2000"/>
+            </a:lvl4pPr>
+            <a:lvl5pPr marL="1828800" indent="0" algn="ctr">
+              <a:buNone/>
+              <a:defRPr sz="2000"/>
+            </a:lvl5pPr>
+            <a:lvl6pPr marL="2286000" indent="0" algn="ctr">
+              <a:buNone/>
+              <a:defRPr sz="2000"/>
+            </a:lvl6pPr>
+            <a:lvl7pPr marL="2743200" indent="0" algn="ctr">
+              <a:buNone/>
+              <a:defRPr sz="2000"/>
+            </a:lvl7pPr>
+            <a:lvl8pPr marL="3200400" indent="0" algn="ctr">
+              <a:buNone/>
+              <a:defRPr sz="2000"/>
+            </a:lvl8pPr>
+            <a:lvl9pPr marL="3657600" indent="0" algn="ctr">
+              <a:buNone/>
+              <a:defRPr sz="2000"/>
+            </a:lvl9pPr>
+          </a:lstStyle>
+          <a:p>
+            <a:r>
+              <a:rPr lang="en-US"/>
+              <a:t>Click to edit Master subtitle style</a:t>
+            </a:r>
+            <a:endParaRPr lang="en-US" dirty="0"/>
+          </a:p>
+        </p:txBody>
+      </p:sp>
+      <p:sp>
+        <p:nvSpPr>
+          <p:cNvPr id="7" name="Date Placeholder 6"/>
+          <p:cNvSpPr>
+            <a:spLocks noGrp="1"/>
+          </p:cNvSpPr>
+          <p:nvPr>
+            <p:ph type="dt" sz="half" idx="10"/>
+          </p:nvPr>
+        </p:nvSpPr>
+        <p:spPr/>
+        <p:txBody>
           <a:bodyPr/>
           <a:lstStyle>
-            <a:lvl1pPr marL="0" indent="0" algn="ctr">
-              <a:buNone/>
-              <a:defRPr sz="2400"/>
+            <a:lvl1pPr>
+              <a:defRPr>
+                <a:solidFill>
+                  <a:srgbClr val="FFFFFF">
+                    <a:alpha val="80000"/>
+                  </a:srgbClr>
+                </a:solidFill>
+              </a:defRPr>
             </a:lvl1pPr>
-            <a:lvl2pPr marL="457200" indent="0" algn="ctr">
-              <a:buNone/>
-              <a:defRPr sz="2000"/>
-            </a:lvl2pPr>
-            <a:lvl3pPr marL="914400" indent="0" algn="ctr">
-              <a:buNone/>
-              <a:defRPr sz="1800"/>
-            </a:lvl3pPr>
-            <a:lvl4pPr marL="1371600" indent="0" algn="ctr">
-              <a:buNone/>
-              <a:defRPr sz="1600"/>
-            </a:lvl4pPr>
-            <a:lvl5pPr marL="1828800" indent="0" algn="ctr">
-              <a:buNone/>
-              <a:defRPr sz="1600"/>
-            </a:lvl5pPr>
-            <a:lvl6pPr marL="2286000" indent="0" algn="ctr">
-              <a:buNone/>
-              <a:defRPr sz="1600"/>
-            </a:lvl6pPr>
-            <a:lvl7pPr marL="2743200" indent="0" algn="ctr">
-              <a:buNone/>
-              <a:defRPr sz="1600"/>
-            </a:lvl7pPr>
-            <a:lvl8pPr marL="3200400" indent="0" algn="ctr">
-              <a:buNone/>
-              <a:defRPr sz="1600"/>
-            </a:lvl8pPr>
-            <a:lvl9pPr marL="3657600" indent="0" algn="ctr">
-              <a:buNone/>
-              <a:defRPr sz="1600"/>
-            </a:lvl9pPr>
           </a:lstStyle>
-          <a:p>
-            <a:r>
-              <a:rPr lang="en-US"/>
-              <a:t>Click to edit Master subtitle style</a:t>
-            </a:r>
-          </a:p>
-        </p:txBody>
-      </p:sp>
-      <p:sp>
-        <p:nvSpPr>
-          <p:cNvPr id="4" name="Date Placeholder 3">
-            <a:extLst>
-              <a:ext uri="{FF2B5EF4-FFF2-40B4-BE49-F238E27FC236}">
-                <a16:creationId xmlns:a16="http://schemas.microsoft.com/office/drawing/2014/main" id="{B4C38A9F-3A25-D8CC-DD47-AFCC01198899}"/>
-              </a:ext>
-            </a:extLst>
-          </p:cNvPr>
-          <p:cNvSpPr>
-            <a:spLocks noGrp="1"/>
-          </p:cNvSpPr>
-          <p:nvPr>
-            <p:ph type="dt" sz="half" idx="10"/>
-          </p:nvPr>
-        </p:nvSpPr>
-        <p:spPr/>
-        <p:txBody>
-          <a:bodyPr/>
-          <a:lstStyle/>
           <a:p>
             <a:fld id="{A38B8067-2507-4D51-B3E4-3075824564BF}" type="datetimeFigureOut">
               <a:rPr lang="en-US" smtClean="0"/>
@@ -267,13 +332,7 @@
       </p:sp>
       <p:sp>
         <p:nvSpPr>
-          <p:cNvPr id="5" name="Footer Placeholder 4">
-            <a:extLst>
-              <a:ext uri="{FF2B5EF4-FFF2-40B4-BE49-F238E27FC236}">
-                <a16:creationId xmlns:a16="http://schemas.microsoft.com/office/drawing/2014/main" id="{BF8467A6-D0FB-C5EC-2103-AC25DCBEEF32}"/>
-              </a:ext>
-            </a:extLst>
-          </p:cNvPr>
+          <p:cNvPr id="8" name="Footer Placeholder 7"/>
           <p:cNvSpPr>
             <a:spLocks noGrp="1"/>
           </p:cNvSpPr>
@@ -284,7 +343,17 @@
         <p:spPr/>
         <p:txBody>
           <a:bodyPr/>
-          <a:lstStyle/>
+          <a:lstStyle>
+            <a:lvl1pPr>
+              <a:defRPr>
+                <a:solidFill>
+                  <a:srgbClr val="FFFFFF">
+                    <a:alpha val="80000"/>
+                  </a:srgbClr>
+                </a:solidFill>
+              </a:defRPr>
+            </a:lvl1pPr>
+          </a:lstStyle>
           <a:p>
             <a:endParaRPr lang="en-US"/>
           </a:p>
@@ -292,13 +361,7 @@
       </p:sp>
       <p:sp>
         <p:nvSpPr>
-          <p:cNvPr id="6" name="Slide Number Placeholder 5">
-            <a:extLst>
-              <a:ext uri="{FF2B5EF4-FFF2-40B4-BE49-F238E27FC236}">
-                <a16:creationId xmlns:a16="http://schemas.microsoft.com/office/drawing/2014/main" id="{D88FB972-13EA-555F-8F98-57C832A24A6D}"/>
-              </a:ext>
-            </a:extLst>
-          </p:cNvPr>
+          <p:cNvPr id="9" name="Slide Number Placeholder 8"/>
           <p:cNvSpPr>
             <a:spLocks noGrp="1"/>
           </p:cNvSpPr>
@@ -309,7 +372,17 @@
         <p:spPr/>
         <p:txBody>
           <a:bodyPr/>
-          <a:lstStyle/>
+          <a:lstStyle>
+            <a:lvl1pPr>
+              <a:defRPr>
+                <a:solidFill>
+                  <a:srgbClr val="FFFFFF">
+                    <a:alpha val="25000"/>
+                  </a:srgbClr>
+                </a:solidFill>
+              </a:defRPr>
+            </a:lvl1pPr>
+          </a:lstStyle>
           <a:p>
             <a:fld id="{DB9C368E-87AE-4D7F-8683-F6614C0BECD7}" type="slidenum">
               <a:rPr lang="en-US" smtClean="0"/>
@@ -322,7 +395,7 @@
     </p:spTree>
     <p:extLst>
       <p:ext uri="{BB962C8B-B14F-4D97-AF65-F5344CB8AC3E}">
-        <p14:creationId xmlns:p14="http://schemas.microsoft.com/office/powerpoint/2010/main" val="801157027"/>
+        <p14:creationId xmlns:p14="http://schemas.microsoft.com/office/powerpoint/2010/main" val="2071842712"/>
       </p:ext>
     </p:extLst>
   </p:cSld>
@@ -351,13 +424,7 @@
       </p:grpSpPr>
       <p:sp>
         <p:nvSpPr>
-          <p:cNvPr id="2" name="Title 1">
-            <a:extLst>
-              <a:ext uri="{FF2B5EF4-FFF2-40B4-BE49-F238E27FC236}">
-                <a16:creationId xmlns:a16="http://schemas.microsoft.com/office/drawing/2014/main" id="{847D13D9-493B-6712-4263-461C6DDD04B6}"/>
-              </a:ext>
-            </a:extLst>
-          </p:cNvPr>
+          <p:cNvPr id="2" name="Title 1"/>
           <p:cNvSpPr>
             <a:spLocks noGrp="1"/>
           </p:cNvSpPr>
@@ -374,18 +441,13 @@
               <a:rPr lang="en-US"/>
               <a:t>Click to edit Master title style</a:t>
             </a:r>
-          </a:p>
-        </p:txBody>
-      </p:sp>
-      <p:sp>
-        <p:nvSpPr>
-          <p:cNvPr id="3" name="Vertical Text Placeholder 2">
-            <a:extLst>
-              <a:ext uri="{FF2B5EF4-FFF2-40B4-BE49-F238E27FC236}">
-                <a16:creationId xmlns:a16="http://schemas.microsoft.com/office/drawing/2014/main" id="{4B1943A5-5298-D2C3-12D7-DB5440CD5B86}"/>
-              </a:ext>
-            </a:extLst>
-          </p:cNvPr>
+            <a:endParaRPr lang="en-US" dirty="0"/>
+          </a:p>
+        </p:txBody>
+      </p:sp>
+      <p:sp>
+        <p:nvSpPr>
+          <p:cNvPr id="3" name="Vertical Text Placeholder 2"/>
           <p:cNvSpPr>
             <a:spLocks noGrp="1"/>
           </p:cNvSpPr>
@@ -431,18 +493,13 @@
               <a:rPr lang="en-US"/>
               <a:t>Fifth level</a:t>
             </a:r>
-          </a:p>
-        </p:txBody>
-      </p:sp>
-      <p:sp>
-        <p:nvSpPr>
-          <p:cNvPr id="4" name="Date Placeholder 3">
-            <a:extLst>
-              <a:ext uri="{FF2B5EF4-FFF2-40B4-BE49-F238E27FC236}">
-                <a16:creationId xmlns:a16="http://schemas.microsoft.com/office/drawing/2014/main" id="{B10309CF-CC10-928A-800D-3CD4BB234307}"/>
-              </a:ext>
-            </a:extLst>
-          </p:cNvPr>
+            <a:endParaRPr lang="en-US" dirty="0"/>
+          </a:p>
+        </p:txBody>
+      </p:sp>
+      <p:sp>
+        <p:nvSpPr>
+          <p:cNvPr id="4" name="Date Placeholder 3"/>
           <p:cNvSpPr>
             <a:spLocks noGrp="1"/>
           </p:cNvSpPr>
@@ -465,13 +522,7 @@
       </p:sp>
       <p:sp>
         <p:nvSpPr>
-          <p:cNvPr id="5" name="Footer Placeholder 4">
-            <a:extLst>
-              <a:ext uri="{FF2B5EF4-FFF2-40B4-BE49-F238E27FC236}">
-                <a16:creationId xmlns:a16="http://schemas.microsoft.com/office/drawing/2014/main" id="{AB2E5646-228F-513A-7D92-BABE9A30D6CB}"/>
-              </a:ext>
-            </a:extLst>
-          </p:cNvPr>
+          <p:cNvPr id="5" name="Footer Placeholder 4"/>
           <p:cNvSpPr>
             <a:spLocks noGrp="1"/>
           </p:cNvSpPr>
@@ -490,13 +541,7 @@
       </p:sp>
       <p:sp>
         <p:nvSpPr>
-          <p:cNvPr id="6" name="Slide Number Placeholder 5">
-            <a:extLst>
-              <a:ext uri="{FF2B5EF4-FFF2-40B4-BE49-F238E27FC236}">
-                <a16:creationId xmlns:a16="http://schemas.microsoft.com/office/drawing/2014/main" id="{1D2E3575-B9CE-3683-0F2A-836D8A436907}"/>
-              </a:ext>
-            </a:extLst>
-          </p:cNvPr>
+          <p:cNvPr id="6" name="Slide Number Placeholder 5"/>
           <p:cNvSpPr>
             <a:spLocks noGrp="1"/>
           </p:cNvSpPr>
@@ -520,7 +565,7 @@
     </p:spTree>
     <p:extLst>
       <p:ext uri="{BB962C8B-B14F-4D97-AF65-F5344CB8AC3E}">
-        <p14:creationId xmlns:p14="http://schemas.microsoft.com/office/powerpoint/2010/main" val="1594022722"/>
+        <p14:creationId xmlns:p14="http://schemas.microsoft.com/office/powerpoint/2010/main" val="283324564"/>
       </p:ext>
     </p:extLst>
   </p:cSld>
@@ -549,13 +594,7 @@
       </p:grpSpPr>
       <p:sp>
         <p:nvSpPr>
-          <p:cNvPr id="2" name="Vertical Title 1">
-            <a:extLst>
-              <a:ext uri="{FF2B5EF4-FFF2-40B4-BE49-F238E27FC236}">
-                <a16:creationId xmlns:a16="http://schemas.microsoft.com/office/drawing/2014/main" id="{B5D6837C-A7BE-83C5-F664-B164D1D9D24B}"/>
-              </a:ext>
-            </a:extLst>
-          </p:cNvPr>
+          <p:cNvPr id="2" name="Vertical Title 1"/>
           <p:cNvSpPr>
             <a:spLocks noGrp="1"/>
           </p:cNvSpPr>
@@ -565,8 +604,8 @@
         </p:nvSpPr>
         <p:spPr>
           <a:xfrm>
-            <a:off x="8724900" y="365125"/>
-            <a:ext cx="2628900" cy="5811838"/>
+            <a:off x="8743950" y="695325"/>
+            <a:ext cx="2628900" cy="4800600"/>
           </a:xfrm>
         </p:spPr>
         <p:txBody>
@@ -577,18 +616,13 @@
               <a:rPr lang="en-US"/>
               <a:t>Click to edit Master title style</a:t>
             </a:r>
-          </a:p>
-        </p:txBody>
-      </p:sp>
-      <p:sp>
-        <p:nvSpPr>
-          <p:cNvPr id="3" name="Vertical Text Placeholder 2">
-            <a:extLst>
-              <a:ext uri="{FF2B5EF4-FFF2-40B4-BE49-F238E27FC236}">
-                <a16:creationId xmlns:a16="http://schemas.microsoft.com/office/drawing/2014/main" id="{A2B4DF1B-64DD-3E58-B1C0-7FF62988BC58}"/>
-              </a:ext>
-            </a:extLst>
-          </p:cNvPr>
+            <a:endParaRPr lang="en-US" dirty="0"/>
+          </a:p>
+        </p:txBody>
+      </p:sp>
+      <p:sp>
+        <p:nvSpPr>
+          <p:cNvPr id="3" name="Vertical Text Placeholder 2"/>
           <p:cNvSpPr>
             <a:spLocks noGrp="1"/>
           </p:cNvSpPr>
@@ -598,8 +632,8 @@
         </p:nvSpPr>
         <p:spPr>
           <a:xfrm>
-            <a:off x="838200" y="365125"/>
-            <a:ext cx="7734300" cy="5811838"/>
+            <a:off x="771525" y="714375"/>
+            <a:ext cx="7734300" cy="5400675"/>
           </a:xfrm>
         </p:spPr>
         <p:txBody>
@@ -639,18 +673,13 @@
               <a:rPr lang="en-US"/>
               <a:t>Fifth level</a:t>
             </a:r>
-          </a:p>
-        </p:txBody>
-      </p:sp>
-      <p:sp>
-        <p:nvSpPr>
-          <p:cNvPr id="4" name="Date Placeholder 3">
-            <a:extLst>
-              <a:ext uri="{FF2B5EF4-FFF2-40B4-BE49-F238E27FC236}">
-                <a16:creationId xmlns:a16="http://schemas.microsoft.com/office/drawing/2014/main" id="{A92A1360-63EB-5946-6DBD-22AEB1A6484C}"/>
-              </a:ext>
-            </a:extLst>
-          </p:cNvPr>
+            <a:endParaRPr lang="en-US" dirty="0"/>
+          </a:p>
+        </p:txBody>
+      </p:sp>
+      <p:sp>
+        <p:nvSpPr>
+          <p:cNvPr id="4" name="Date Placeholder 3"/>
           <p:cNvSpPr>
             <a:spLocks noGrp="1"/>
           </p:cNvSpPr>
@@ -673,13 +702,7 @@
       </p:sp>
       <p:sp>
         <p:nvSpPr>
-          <p:cNvPr id="5" name="Footer Placeholder 4">
-            <a:extLst>
-              <a:ext uri="{FF2B5EF4-FFF2-40B4-BE49-F238E27FC236}">
-                <a16:creationId xmlns:a16="http://schemas.microsoft.com/office/drawing/2014/main" id="{AC2FE969-386D-7FAF-3DC2-1CA2FDEB55E8}"/>
-              </a:ext>
-            </a:extLst>
-          </p:cNvPr>
+          <p:cNvPr id="5" name="Footer Placeholder 4"/>
           <p:cNvSpPr>
             <a:spLocks noGrp="1"/>
           </p:cNvSpPr>
@@ -698,13 +721,7 @@
       </p:sp>
       <p:sp>
         <p:nvSpPr>
-          <p:cNvPr id="6" name="Slide Number Placeholder 5">
-            <a:extLst>
-              <a:ext uri="{FF2B5EF4-FFF2-40B4-BE49-F238E27FC236}">
-                <a16:creationId xmlns:a16="http://schemas.microsoft.com/office/drawing/2014/main" id="{888068F4-D325-F5C9-E5D6-ECF00B9B2275}"/>
-              </a:ext>
-            </a:extLst>
-          </p:cNvPr>
+          <p:cNvPr id="6" name="Slide Number Placeholder 5"/>
           <p:cNvSpPr>
             <a:spLocks noGrp="1"/>
           </p:cNvSpPr>
@@ -728,7 +745,7 @@
     </p:spTree>
     <p:extLst>
       <p:ext uri="{BB962C8B-B14F-4D97-AF65-F5344CB8AC3E}">
-        <p14:creationId xmlns:p14="http://schemas.microsoft.com/office/powerpoint/2010/main" val="2177978804"/>
+        <p14:creationId xmlns:p14="http://schemas.microsoft.com/office/powerpoint/2010/main" val="4060467466"/>
       </p:ext>
     </p:extLst>
   </p:cSld>
@@ -757,13 +774,7 @@
       </p:grpSpPr>
       <p:sp>
         <p:nvSpPr>
-          <p:cNvPr id="2" name="Title 1">
-            <a:extLst>
-              <a:ext uri="{FF2B5EF4-FFF2-40B4-BE49-F238E27FC236}">
-                <a16:creationId xmlns:a16="http://schemas.microsoft.com/office/drawing/2014/main" id="{3BE328AA-B326-BAC0-1A21-9BB8A57541FE}"/>
-              </a:ext>
-            </a:extLst>
-          </p:cNvPr>
+          <p:cNvPr id="2" name="Title 1"/>
           <p:cNvSpPr>
             <a:spLocks noGrp="1"/>
           </p:cNvSpPr>
@@ -780,18 +791,13 @@
               <a:rPr lang="en-US"/>
               <a:t>Click to edit Master title style</a:t>
             </a:r>
-          </a:p>
-        </p:txBody>
-      </p:sp>
-      <p:sp>
-        <p:nvSpPr>
-          <p:cNvPr id="3" name="Content Placeholder 2">
-            <a:extLst>
-              <a:ext uri="{FF2B5EF4-FFF2-40B4-BE49-F238E27FC236}">
-                <a16:creationId xmlns:a16="http://schemas.microsoft.com/office/drawing/2014/main" id="{FC0B5F8C-A50C-D658-90EF-71D656793C2A}"/>
-              </a:ext>
-            </a:extLst>
-          </p:cNvPr>
+            <a:endParaRPr lang="en-US" dirty="0"/>
+          </a:p>
+        </p:txBody>
+      </p:sp>
+      <p:sp>
+        <p:nvSpPr>
+          <p:cNvPr id="3" name="Content Placeholder 2"/>
           <p:cNvSpPr>
             <a:spLocks noGrp="1"/>
           </p:cNvSpPr>
@@ -837,18 +843,13 @@
               <a:rPr lang="en-US"/>
               <a:t>Fifth level</a:t>
             </a:r>
-          </a:p>
-        </p:txBody>
-      </p:sp>
-      <p:sp>
-        <p:nvSpPr>
-          <p:cNvPr id="4" name="Date Placeholder 3">
-            <a:extLst>
-              <a:ext uri="{FF2B5EF4-FFF2-40B4-BE49-F238E27FC236}">
-                <a16:creationId xmlns:a16="http://schemas.microsoft.com/office/drawing/2014/main" id="{B4D02EB3-1904-D6F5-DAB4-230FC69A908B}"/>
-              </a:ext>
-            </a:extLst>
-          </p:cNvPr>
+            <a:endParaRPr lang="en-US" dirty="0"/>
+          </a:p>
+        </p:txBody>
+      </p:sp>
+      <p:sp>
+        <p:nvSpPr>
+          <p:cNvPr id="4" name="Date Placeholder 3"/>
           <p:cNvSpPr>
             <a:spLocks noGrp="1"/>
           </p:cNvSpPr>
@@ -871,13 +872,7 @@
       </p:sp>
       <p:sp>
         <p:nvSpPr>
-          <p:cNvPr id="5" name="Footer Placeholder 4">
-            <a:extLst>
-              <a:ext uri="{FF2B5EF4-FFF2-40B4-BE49-F238E27FC236}">
-                <a16:creationId xmlns:a16="http://schemas.microsoft.com/office/drawing/2014/main" id="{133EFD13-4AA4-E6A3-357D-781FB8D5D0C9}"/>
-              </a:ext>
-            </a:extLst>
-          </p:cNvPr>
+          <p:cNvPr id="5" name="Footer Placeholder 4"/>
           <p:cNvSpPr>
             <a:spLocks noGrp="1"/>
           </p:cNvSpPr>
@@ -896,13 +891,7 @@
       </p:sp>
       <p:sp>
         <p:nvSpPr>
-          <p:cNvPr id="6" name="Slide Number Placeholder 5">
-            <a:extLst>
-              <a:ext uri="{FF2B5EF4-FFF2-40B4-BE49-F238E27FC236}">
-                <a16:creationId xmlns:a16="http://schemas.microsoft.com/office/drawing/2014/main" id="{E735A375-5B7F-16A2-875F-0A8BDE2DD715}"/>
-              </a:ext>
-            </a:extLst>
-          </p:cNvPr>
+          <p:cNvPr id="6" name="Slide Number Placeholder 5"/>
           <p:cNvSpPr>
             <a:spLocks noGrp="1"/>
           </p:cNvSpPr>
@@ -926,7 +915,7 @@
     </p:spTree>
     <p:extLst>
       <p:ext uri="{BB962C8B-B14F-4D97-AF65-F5344CB8AC3E}">
-        <p14:creationId xmlns:p14="http://schemas.microsoft.com/office/powerpoint/2010/main" val="2318149101"/>
+        <p14:creationId xmlns:p14="http://schemas.microsoft.com/office/powerpoint/2010/main" val="2804402750"/>
       </p:ext>
     </p:extLst>
   </p:cSld>
@@ -955,13 +944,7 @@
       </p:grpSpPr>
       <p:sp>
         <p:nvSpPr>
-          <p:cNvPr id="2" name="Title 1">
-            <a:extLst>
-              <a:ext uri="{FF2B5EF4-FFF2-40B4-BE49-F238E27FC236}">
-                <a16:creationId xmlns:a16="http://schemas.microsoft.com/office/drawing/2014/main" id="{E27359BA-E57A-800C-F49F-E70CF5849F79}"/>
-              </a:ext>
-            </a:extLst>
-          </p:cNvPr>
+          <p:cNvPr id="2" name="Title 1"/>
           <p:cNvSpPr>
             <a:spLocks noGrp="1"/>
           </p:cNvSpPr>
@@ -971,63 +954,68 @@
         </p:nvSpPr>
         <p:spPr>
           <a:xfrm>
-            <a:off x="831850" y="1709738"/>
-            <a:ext cx="10515600" cy="2852737"/>
+            <a:off x="603504" y="767419"/>
+            <a:ext cx="10780776" cy="3355848"/>
           </a:xfrm>
         </p:spPr>
         <p:txBody>
-          <a:bodyPr anchor="b"/>
+          <a:bodyPr anchor="b">
+            <a:normAutofit/>
+          </a:bodyPr>
           <a:lstStyle>
             <a:lvl1pPr>
-              <a:defRPr sz="6000"/>
-            </a:lvl1pPr>
-          </a:lstStyle>
-          <a:p>
-            <a:r>
-              <a:rPr lang="en-US"/>
-              <a:t>Click to edit Master title style</a:t>
-            </a:r>
-          </a:p>
-        </p:txBody>
-      </p:sp>
-      <p:sp>
-        <p:nvSpPr>
-          <p:cNvPr id="3" name="Text Placeholder 2">
-            <a:extLst>
-              <a:ext uri="{FF2B5EF4-FFF2-40B4-BE49-F238E27FC236}">
-                <a16:creationId xmlns:a16="http://schemas.microsoft.com/office/drawing/2014/main" id="{99A4F6DF-915B-780D-3E59-C040CF726BB0}"/>
-              </a:ext>
-            </a:extLst>
-          </p:cNvPr>
-          <p:cNvSpPr>
-            <a:spLocks noGrp="1"/>
-          </p:cNvSpPr>
-          <p:nvPr>
-            <p:ph type="body" idx="1"/>
-          </p:nvPr>
-        </p:nvSpPr>
-        <p:spPr>
-          <a:xfrm>
-            <a:off x="831850" y="4589463"/>
-            <a:ext cx="10515600" cy="1500187"/>
-          </a:xfrm>
-        </p:spPr>
-        <p:txBody>
-          <a:bodyPr/>
-          <a:lstStyle>
-            <a:lvl1pPr marL="0" indent="0">
-              <a:buNone/>
-              <a:defRPr sz="2400">
+              <a:lnSpc>
+                <a:spcPct val="80000"/>
+              </a:lnSpc>
+              <a:defRPr sz="8800" b="0" baseline="0">
                 <a:solidFill>
-                  <a:schemeClr val="tx1">
-                    <a:tint val="75000"/>
-                  </a:schemeClr>
+                  <a:schemeClr val="accent1"/>
                 </a:solidFill>
               </a:defRPr>
             </a:lvl1pPr>
+          </a:lstStyle>
+          <a:p>
+            <a:r>
+              <a:rPr lang="en-US"/>
+              <a:t>Click to edit Master title style</a:t>
+            </a:r>
+            <a:endParaRPr lang="en-US" dirty="0"/>
+          </a:p>
+        </p:txBody>
+      </p:sp>
+      <p:sp>
+        <p:nvSpPr>
+          <p:cNvPr id="3" name="Text Placeholder 2"/>
+          <p:cNvSpPr>
+            <a:spLocks noGrp="1"/>
+          </p:cNvSpPr>
+          <p:nvPr>
+            <p:ph type="body" idx="1"/>
+          </p:nvPr>
+        </p:nvSpPr>
+        <p:spPr>
+          <a:xfrm>
+            <a:off x="667512" y="4204209"/>
+            <a:ext cx="9226296" cy="1645920"/>
+          </a:xfrm>
+        </p:spPr>
+        <p:txBody>
+          <a:bodyPr anchor="t">
+            <a:normAutofit/>
+          </a:bodyPr>
+          <a:lstStyle>
+            <a:lvl1pPr marL="0" indent="0">
+              <a:buNone/>
+              <a:defRPr sz="3200">
+                <a:solidFill>
+                  <a:schemeClr val="tx1"/>
+                </a:solidFill>
+                <a:latin typeface="+mj-lt"/>
+              </a:defRPr>
+            </a:lvl1pPr>
             <a:lvl2pPr marL="457200" indent="0">
               <a:buNone/>
-              <a:defRPr sz="2000">
+              <a:defRPr sz="1800">
                 <a:solidFill>
                   <a:schemeClr val="tx1">
                     <a:tint val="75000"/>
@@ -1037,7 +1025,7 @@
             </a:lvl2pPr>
             <a:lvl3pPr marL="914400" indent="0">
               <a:buNone/>
-              <a:defRPr sz="1800">
+              <a:defRPr sz="1600">
                 <a:solidFill>
                   <a:schemeClr val="tx1">
                     <a:tint val="75000"/>
@@ -1047,7 +1035,7 @@
             </a:lvl3pPr>
             <a:lvl4pPr marL="1371600" indent="0">
               <a:buNone/>
-              <a:defRPr sz="1600">
+              <a:defRPr sz="1400">
                 <a:solidFill>
                   <a:schemeClr val="tx1">
                     <a:tint val="75000"/>
@@ -1057,7 +1045,7 @@
             </a:lvl4pPr>
             <a:lvl5pPr marL="1828800" indent="0">
               <a:buNone/>
-              <a:defRPr sz="1600">
+              <a:defRPr sz="1400">
                 <a:solidFill>
                   <a:schemeClr val="tx1">
                     <a:tint val="75000"/>
@@ -1067,7 +1055,7 @@
             </a:lvl5pPr>
             <a:lvl6pPr marL="2286000" indent="0">
               <a:buNone/>
-              <a:defRPr sz="1600">
+              <a:defRPr sz="1400">
                 <a:solidFill>
                   <a:schemeClr val="tx1">
                     <a:tint val="75000"/>
@@ -1077,7 +1065,7 @@
             </a:lvl6pPr>
             <a:lvl7pPr marL="2743200" indent="0">
               <a:buNone/>
-              <a:defRPr sz="1600">
+              <a:defRPr sz="1400">
                 <a:solidFill>
                   <a:schemeClr val="tx1">
                     <a:tint val="75000"/>
@@ -1087,7 +1075,7 @@
             </a:lvl7pPr>
             <a:lvl8pPr marL="3200400" indent="0">
               <a:buNone/>
-              <a:defRPr sz="1600">
+              <a:defRPr sz="1400">
                 <a:solidFill>
                   <a:schemeClr val="tx1">
                     <a:tint val="75000"/>
@@ -1097,7 +1085,7 @@
             </a:lvl8pPr>
             <a:lvl9pPr marL="3657600" indent="0">
               <a:buNone/>
-              <a:defRPr sz="1600">
+              <a:defRPr sz="1400">
                 <a:solidFill>
                   <a:schemeClr val="tx1">
                     <a:tint val="75000"/>
@@ -1117,13 +1105,7 @@
       </p:sp>
       <p:sp>
         <p:nvSpPr>
-          <p:cNvPr id="4" name="Date Placeholder 3">
-            <a:extLst>
-              <a:ext uri="{FF2B5EF4-FFF2-40B4-BE49-F238E27FC236}">
-                <a16:creationId xmlns:a16="http://schemas.microsoft.com/office/drawing/2014/main" id="{A0DCB8F6-7CFC-B93D-C1FF-0CC7A48DDBE6}"/>
-              </a:ext>
-            </a:extLst>
-          </p:cNvPr>
+          <p:cNvPr id="4" name="Date Placeholder 3"/>
           <p:cNvSpPr>
             <a:spLocks noGrp="1"/>
           </p:cNvSpPr>
@@ -1146,13 +1128,7 @@
       </p:sp>
       <p:sp>
         <p:nvSpPr>
-          <p:cNvPr id="5" name="Footer Placeholder 4">
-            <a:extLst>
-              <a:ext uri="{FF2B5EF4-FFF2-40B4-BE49-F238E27FC236}">
-                <a16:creationId xmlns:a16="http://schemas.microsoft.com/office/drawing/2014/main" id="{CAB6A572-3233-2520-94CC-7E2D92B70B1E}"/>
-              </a:ext>
-            </a:extLst>
-          </p:cNvPr>
+          <p:cNvPr id="5" name="Footer Placeholder 4"/>
           <p:cNvSpPr>
             <a:spLocks noGrp="1"/>
           </p:cNvSpPr>
@@ -1171,13 +1147,7 @@
       </p:sp>
       <p:sp>
         <p:nvSpPr>
-          <p:cNvPr id="6" name="Slide Number Placeholder 5">
-            <a:extLst>
-              <a:ext uri="{FF2B5EF4-FFF2-40B4-BE49-F238E27FC236}">
-                <a16:creationId xmlns:a16="http://schemas.microsoft.com/office/drawing/2014/main" id="{5D279AAE-A357-8B60-B11D-E4A95BA600EE}"/>
-              </a:ext>
-            </a:extLst>
-          </p:cNvPr>
+          <p:cNvPr id="6" name="Slide Number Placeholder 5"/>
           <p:cNvSpPr>
             <a:spLocks noGrp="1"/>
           </p:cNvSpPr>
@@ -1201,7 +1171,7 @@
     </p:spTree>
     <p:extLst>
       <p:ext uri="{BB962C8B-B14F-4D97-AF65-F5344CB8AC3E}">
-        <p14:creationId xmlns:p14="http://schemas.microsoft.com/office/powerpoint/2010/main" val="612309069"/>
+        <p14:creationId xmlns:p14="http://schemas.microsoft.com/office/powerpoint/2010/main" val="1040692993"/>
       </p:ext>
     </p:extLst>
   </p:cSld>
@@ -1230,13 +1200,7 @@
       </p:grpSpPr>
       <p:sp>
         <p:nvSpPr>
-          <p:cNvPr id="2" name="Title 1">
-            <a:extLst>
-              <a:ext uri="{FF2B5EF4-FFF2-40B4-BE49-F238E27FC236}">
-                <a16:creationId xmlns:a16="http://schemas.microsoft.com/office/drawing/2014/main" id="{506649A0-C633-237B-F9FA-5D1C988ADEFD}"/>
-              </a:ext>
-            </a:extLst>
-          </p:cNvPr>
+          <p:cNvPr id="2" name="Title 1"/>
           <p:cNvSpPr>
             <a:spLocks noGrp="1"/>
           </p:cNvSpPr>
@@ -1253,18 +1217,13 @@
               <a:rPr lang="en-US"/>
               <a:t>Click to edit Master title style</a:t>
             </a:r>
-          </a:p>
-        </p:txBody>
-      </p:sp>
-      <p:sp>
-        <p:nvSpPr>
-          <p:cNvPr id="3" name="Content Placeholder 2">
-            <a:extLst>
-              <a:ext uri="{FF2B5EF4-FFF2-40B4-BE49-F238E27FC236}">
-                <a16:creationId xmlns:a16="http://schemas.microsoft.com/office/drawing/2014/main" id="{1D23B4D9-B333-096B-B77A-D41FC8CD6E24}"/>
-              </a:ext>
-            </a:extLst>
-          </p:cNvPr>
+            <a:endParaRPr lang="en-US" dirty="0"/>
+          </a:p>
+        </p:txBody>
+      </p:sp>
+      <p:sp>
+        <p:nvSpPr>
+          <p:cNvPr id="3" name="Content Placeholder 2"/>
           <p:cNvSpPr>
             <a:spLocks noGrp="1"/>
           </p:cNvSpPr>
@@ -1274,13 +1233,41 @@
         </p:nvSpPr>
         <p:spPr>
           <a:xfrm>
-            <a:off x="838200" y="1825625"/>
-            <a:ext cx="5181600" cy="4351338"/>
+            <a:off x="676656" y="1998134"/>
+            <a:ext cx="4663440" cy="3767328"/>
           </a:xfrm>
         </p:spPr>
         <p:txBody>
           <a:bodyPr/>
-          <a:lstStyle/>
+          <a:lstStyle>
+            <a:lvl1pPr>
+              <a:defRPr sz="2400"/>
+            </a:lvl1pPr>
+            <a:lvl2pPr>
+              <a:defRPr sz="2000"/>
+            </a:lvl2pPr>
+            <a:lvl3pPr>
+              <a:defRPr sz="1800"/>
+            </a:lvl3pPr>
+            <a:lvl4pPr>
+              <a:defRPr sz="1600"/>
+            </a:lvl4pPr>
+            <a:lvl5pPr>
+              <a:defRPr sz="1600"/>
+            </a:lvl5pPr>
+            <a:lvl6pPr>
+              <a:defRPr sz="1600"/>
+            </a:lvl6pPr>
+            <a:lvl7pPr>
+              <a:defRPr sz="1600"/>
+            </a:lvl7pPr>
+            <a:lvl8pPr>
+              <a:defRPr sz="1600"/>
+            </a:lvl8pPr>
+            <a:lvl9pPr>
+              <a:defRPr sz="1600"/>
+            </a:lvl9pPr>
+          </a:lstStyle>
           <a:p>
             <a:pPr lvl="0"/>
             <a:r>
@@ -1315,18 +1302,13 @@
               <a:rPr lang="en-US"/>
               <a:t>Fifth level</a:t>
             </a:r>
-          </a:p>
-        </p:txBody>
-      </p:sp>
-      <p:sp>
-        <p:nvSpPr>
-          <p:cNvPr id="4" name="Content Placeholder 3">
-            <a:extLst>
-              <a:ext uri="{FF2B5EF4-FFF2-40B4-BE49-F238E27FC236}">
-                <a16:creationId xmlns:a16="http://schemas.microsoft.com/office/drawing/2014/main" id="{DF5E9AA8-928B-6F67-BD4E-A9B4EB1DE671}"/>
-              </a:ext>
-            </a:extLst>
-          </p:cNvPr>
+            <a:endParaRPr lang="en-US" dirty="0"/>
+          </a:p>
+        </p:txBody>
+      </p:sp>
+      <p:sp>
+        <p:nvSpPr>
+          <p:cNvPr id="4" name="Content Placeholder 3"/>
           <p:cNvSpPr>
             <a:spLocks noGrp="1"/>
           </p:cNvSpPr>
@@ -1336,13 +1318,41 @@
         </p:nvSpPr>
         <p:spPr>
           <a:xfrm>
-            <a:off x="6172200" y="1825625"/>
-            <a:ext cx="5181600" cy="4351338"/>
+            <a:off x="6011330" y="1998134"/>
+            <a:ext cx="4663440" cy="3767328"/>
           </a:xfrm>
         </p:spPr>
         <p:txBody>
           <a:bodyPr/>
-          <a:lstStyle/>
+          <a:lstStyle>
+            <a:lvl1pPr>
+              <a:defRPr sz="2400"/>
+            </a:lvl1pPr>
+            <a:lvl2pPr>
+              <a:defRPr sz="2000"/>
+            </a:lvl2pPr>
+            <a:lvl3pPr>
+              <a:defRPr sz="1800"/>
+            </a:lvl3pPr>
+            <a:lvl4pPr>
+              <a:defRPr sz="1600"/>
+            </a:lvl4pPr>
+            <a:lvl5pPr>
+              <a:defRPr sz="1600"/>
+            </a:lvl5pPr>
+            <a:lvl6pPr>
+              <a:defRPr sz="1600"/>
+            </a:lvl6pPr>
+            <a:lvl7pPr>
+              <a:defRPr sz="1600"/>
+            </a:lvl7pPr>
+            <a:lvl8pPr>
+              <a:defRPr sz="1600"/>
+            </a:lvl8pPr>
+            <a:lvl9pPr>
+              <a:defRPr sz="1600"/>
+            </a:lvl9pPr>
+          </a:lstStyle>
           <a:p>
             <a:pPr lvl="0"/>
             <a:r>
@@ -1377,18 +1387,13 @@
               <a:rPr lang="en-US"/>
               <a:t>Fifth level</a:t>
             </a:r>
-          </a:p>
-        </p:txBody>
-      </p:sp>
-      <p:sp>
-        <p:nvSpPr>
-          <p:cNvPr id="5" name="Date Placeholder 4">
-            <a:extLst>
-              <a:ext uri="{FF2B5EF4-FFF2-40B4-BE49-F238E27FC236}">
-                <a16:creationId xmlns:a16="http://schemas.microsoft.com/office/drawing/2014/main" id="{5C5A8DEB-57A1-DCA1-A293-7E92541CD0F9}"/>
-              </a:ext>
-            </a:extLst>
-          </p:cNvPr>
+            <a:endParaRPr lang="en-US" dirty="0"/>
+          </a:p>
+        </p:txBody>
+      </p:sp>
+      <p:sp>
+        <p:nvSpPr>
+          <p:cNvPr id="5" name="Date Placeholder 4"/>
           <p:cNvSpPr>
             <a:spLocks noGrp="1"/>
           </p:cNvSpPr>
@@ -1411,13 +1416,7 @@
       </p:sp>
       <p:sp>
         <p:nvSpPr>
-          <p:cNvPr id="6" name="Footer Placeholder 5">
-            <a:extLst>
-              <a:ext uri="{FF2B5EF4-FFF2-40B4-BE49-F238E27FC236}">
-                <a16:creationId xmlns:a16="http://schemas.microsoft.com/office/drawing/2014/main" id="{66EF8541-D540-1F83-000C-0785607198DD}"/>
-              </a:ext>
-            </a:extLst>
-          </p:cNvPr>
+          <p:cNvPr id="6" name="Footer Placeholder 5"/>
           <p:cNvSpPr>
             <a:spLocks noGrp="1"/>
           </p:cNvSpPr>
@@ -1436,13 +1435,7 @@
       </p:sp>
       <p:sp>
         <p:nvSpPr>
-          <p:cNvPr id="7" name="Slide Number Placeholder 6">
-            <a:extLst>
-              <a:ext uri="{FF2B5EF4-FFF2-40B4-BE49-F238E27FC236}">
-                <a16:creationId xmlns:a16="http://schemas.microsoft.com/office/drawing/2014/main" id="{04B3B814-BADD-914F-C245-3AA5A74F4C3C}"/>
-              </a:ext>
-            </a:extLst>
-          </p:cNvPr>
+          <p:cNvPr id="7" name="Slide Number Placeholder 6"/>
           <p:cNvSpPr>
             <a:spLocks noGrp="1"/>
           </p:cNvSpPr>
@@ -1466,7 +1459,7 @@
     </p:spTree>
     <p:extLst>
       <p:ext uri="{BB962C8B-B14F-4D97-AF65-F5344CB8AC3E}">
-        <p14:creationId xmlns:p14="http://schemas.microsoft.com/office/powerpoint/2010/main" val="1973005563"/>
+        <p14:creationId xmlns:p14="http://schemas.microsoft.com/office/powerpoint/2010/main" val="213443911"/>
       </p:ext>
     </p:extLst>
   </p:cSld>
@@ -1495,65 +1488,59 @@
       </p:grpSpPr>
       <p:sp>
         <p:nvSpPr>
-          <p:cNvPr id="2" name="Title 1">
-            <a:extLst>
-              <a:ext uri="{FF2B5EF4-FFF2-40B4-BE49-F238E27FC236}">
-                <a16:creationId xmlns:a16="http://schemas.microsoft.com/office/drawing/2014/main" id="{09DBE61C-60EE-DDC4-6869-3D2C25391287}"/>
-              </a:ext>
-            </a:extLst>
-          </p:cNvPr>
+          <p:cNvPr id="10" name="Title 9"/>
           <p:cNvSpPr>
             <a:spLocks noGrp="1"/>
           </p:cNvSpPr>
           <p:nvPr>
             <p:ph type="title"/>
+          </p:nvPr>
+        </p:nvSpPr>
+        <p:spPr/>
+        <p:txBody>
+          <a:bodyPr/>
+          <a:lstStyle/>
+          <a:p>
+            <a:r>
+              <a:rPr lang="en-US"/>
+              <a:t>Click to edit Master title style</a:t>
+            </a:r>
+            <a:endParaRPr lang="en-US" dirty="0"/>
+          </a:p>
+        </p:txBody>
+      </p:sp>
+      <p:sp>
+        <p:nvSpPr>
+          <p:cNvPr id="3" name="Text Placeholder 2"/>
+          <p:cNvSpPr>
+            <a:spLocks noGrp="1"/>
+          </p:cNvSpPr>
+          <p:nvPr>
+            <p:ph type="body" idx="1"/>
           </p:nvPr>
         </p:nvSpPr>
         <p:spPr>
           <a:xfrm>
-            <a:off x="839788" y="365125"/>
-            <a:ext cx="10515600" cy="1325563"/>
+            <a:off x="676656" y="2040467"/>
+            <a:ext cx="4663440" cy="723400"/>
           </a:xfrm>
         </p:spPr>
         <p:txBody>
-          <a:bodyPr/>
-          <a:lstStyle/>
-          <a:p>
-            <a:r>
-              <a:rPr lang="en-US"/>
-              <a:t>Click to edit Master title style</a:t>
-            </a:r>
-          </a:p>
-        </p:txBody>
-      </p:sp>
-      <p:sp>
-        <p:nvSpPr>
-          <p:cNvPr id="3" name="Text Placeholder 2">
-            <a:extLst>
-              <a:ext uri="{FF2B5EF4-FFF2-40B4-BE49-F238E27FC236}">
-                <a16:creationId xmlns:a16="http://schemas.microsoft.com/office/drawing/2014/main" id="{6DE84547-5DCC-A845-91CB-6B035DA9FB80}"/>
-              </a:ext>
-            </a:extLst>
-          </p:cNvPr>
-          <p:cNvSpPr>
-            <a:spLocks noGrp="1"/>
-          </p:cNvSpPr>
-          <p:nvPr>
-            <p:ph type="body" idx="1"/>
-          </p:nvPr>
-        </p:nvSpPr>
-        <p:spPr>
-          <a:xfrm>
-            <a:off x="839788" y="1681163"/>
-            <a:ext cx="5157787" cy="823912"/>
-          </a:xfrm>
-        </p:spPr>
-        <p:txBody>
-          <a:bodyPr anchor="b"/>
+          <a:bodyPr anchor="ctr">
+            <a:normAutofit/>
+          </a:bodyPr>
           <a:lstStyle>
             <a:lvl1pPr marL="0" indent="0">
               <a:buNone/>
-              <a:defRPr sz="2400" b="1"/>
+              <a:defRPr sz="2200" b="0" cap="all" baseline="0">
+                <a:solidFill>
+                  <a:schemeClr val="tx1">
+                    <a:lumMod val="85000"/>
+                    <a:lumOff val="15000"/>
+                  </a:schemeClr>
+                </a:solidFill>
+                <a:latin typeface="+mj-lt"/>
+              </a:defRPr>
             </a:lvl1pPr>
             <a:lvl2pPr marL="457200" indent="0">
               <a:buNone/>
@@ -1599,13 +1586,7 @@
       </p:sp>
       <p:sp>
         <p:nvSpPr>
-          <p:cNvPr id="4" name="Content Placeholder 3">
-            <a:extLst>
-              <a:ext uri="{FF2B5EF4-FFF2-40B4-BE49-F238E27FC236}">
-                <a16:creationId xmlns:a16="http://schemas.microsoft.com/office/drawing/2014/main" id="{59D078E2-629E-8C23-84DE-97834B33400B}"/>
-              </a:ext>
-            </a:extLst>
-          </p:cNvPr>
+          <p:cNvPr id="4" name="Content Placeholder 3"/>
           <p:cNvSpPr>
             <a:spLocks noGrp="1"/>
           </p:cNvSpPr>
@@ -1615,13 +1596,41 @@
         </p:nvSpPr>
         <p:spPr>
           <a:xfrm>
-            <a:off x="839788" y="2505075"/>
-            <a:ext cx="5157787" cy="3684588"/>
+            <a:off x="676656" y="2753084"/>
+            <a:ext cx="4663440" cy="3200400"/>
           </a:xfrm>
         </p:spPr>
         <p:txBody>
           <a:bodyPr/>
-          <a:lstStyle/>
+          <a:lstStyle>
+            <a:lvl1pPr>
+              <a:defRPr sz="2400"/>
+            </a:lvl1pPr>
+            <a:lvl2pPr>
+              <a:defRPr sz="2000"/>
+            </a:lvl2pPr>
+            <a:lvl3pPr>
+              <a:defRPr sz="1800"/>
+            </a:lvl3pPr>
+            <a:lvl4pPr>
+              <a:defRPr sz="1600"/>
+            </a:lvl4pPr>
+            <a:lvl5pPr>
+              <a:defRPr sz="1600"/>
+            </a:lvl5pPr>
+            <a:lvl6pPr>
+              <a:defRPr sz="1600"/>
+            </a:lvl6pPr>
+            <a:lvl7pPr>
+              <a:defRPr sz="1600"/>
+            </a:lvl7pPr>
+            <a:lvl8pPr>
+              <a:defRPr sz="1600"/>
+            </a:lvl8pPr>
+            <a:lvl9pPr>
+              <a:defRPr sz="1600"/>
+            </a:lvl9pPr>
+          </a:lstStyle>
           <a:p>
             <a:pPr lvl="0"/>
             <a:r>
@@ -1656,18 +1665,13 @@
               <a:rPr lang="en-US"/>
               <a:t>Fifth level</a:t>
             </a:r>
-          </a:p>
-        </p:txBody>
-      </p:sp>
-      <p:sp>
-        <p:nvSpPr>
-          <p:cNvPr id="5" name="Text Placeholder 4">
-            <a:extLst>
-              <a:ext uri="{FF2B5EF4-FFF2-40B4-BE49-F238E27FC236}">
-                <a16:creationId xmlns:a16="http://schemas.microsoft.com/office/drawing/2014/main" id="{F4D73F69-CE6C-4FAD-C588-680F058D90D0}"/>
-              </a:ext>
-            </a:extLst>
-          </p:cNvPr>
+            <a:endParaRPr lang="en-US" dirty="0"/>
+          </a:p>
+        </p:txBody>
+      </p:sp>
+      <p:sp>
+        <p:nvSpPr>
+          <p:cNvPr id="5" name="Text Placeholder 4"/>
           <p:cNvSpPr>
             <a:spLocks noGrp="1"/>
           </p:cNvSpPr>
@@ -1677,16 +1681,26 @@
         </p:nvSpPr>
         <p:spPr>
           <a:xfrm>
-            <a:off x="6172200" y="1681163"/>
-            <a:ext cx="5183188" cy="823912"/>
+            <a:off x="6007608" y="2038435"/>
+            <a:ext cx="4663440" cy="722376"/>
           </a:xfrm>
         </p:spPr>
         <p:txBody>
-          <a:bodyPr anchor="b"/>
+          <a:bodyPr anchor="ctr">
+            <a:normAutofit/>
+          </a:bodyPr>
           <a:lstStyle>
             <a:lvl1pPr marL="0" indent="0">
               <a:buNone/>
-              <a:defRPr sz="2400" b="1"/>
+              <a:defRPr sz="2200" b="0" cap="all" baseline="0">
+                <a:solidFill>
+                  <a:schemeClr val="tx1">
+                    <a:lumMod val="85000"/>
+                    <a:lumOff val="15000"/>
+                  </a:schemeClr>
+                </a:solidFill>
+                <a:latin typeface="+mj-lt"/>
+              </a:defRPr>
             </a:lvl1pPr>
             <a:lvl2pPr marL="457200" indent="0">
               <a:buNone/>
@@ -1732,13 +1746,7 @@
       </p:sp>
       <p:sp>
         <p:nvSpPr>
-          <p:cNvPr id="6" name="Content Placeholder 5">
-            <a:extLst>
-              <a:ext uri="{FF2B5EF4-FFF2-40B4-BE49-F238E27FC236}">
-                <a16:creationId xmlns:a16="http://schemas.microsoft.com/office/drawing/2014/main" id="{F7C343E8-73F3-8F02-2AEF-6B246B690E03}"/>
-              </a:ext>
-            </a:extLst>
-          </p:cNvPr>
+          <p:cNvPr id="6" name="Content Placeholder 5"/>
           <p:cNvSpPr>
             <a:spLocks noGrp="1"/>
           </p:cNvSpPr>
@@ -1748,13 +1756,41 @@
         </p:nvSpPr>
         <p:spPr>
           <a:xfrm>
-            <a:off x="6172200" y="2505075"/>
-            <a:ext cx="5183188" cy="3684588"/>
+            <a:off x="6007608" y="2750990"/>
+            <a:ext cx="4663440" cy="3200400"/>
           </a:xfrm>
         </p:spPr>
         <p:txBody>
           <a:bodyPr/>
-          <a:lstStyle/>
+          <a:lstStyle>
+            <a:lvl1pPr>
+              <a:defRPr sz="2400"/>
+            </a:lvl1pPr>
+            <a:lvl2pPr>
+              <a:defRPr sz="2000"/>
+            </a:lvl2pPr>
+            <a:lvl3pPr>
+              <a:defRPr sz="1800"/>
+            </a:lvl3pPr>
+            <a:lvl4pPr>
+              <a:defRPr sz="1600"/>
+            </a:lvl4pPr>
+            <a:lvl5pPr>
+              <a:defRPr sz="1600"/>
+            </a:lvl5pPr>
+            <a:lvl6pPr>
+              <a:defRPr sz="1600"/>
+            </a:lvl6pPr>
+            <a:lvl7pPr>
+              <a:defRPr sz="1600"/>
+            </a:lvl7pPr>
+            <a:lvl8pPr>
+              <a:defRPr sz="1600"/>
+            </a:lvl8pPr>
+            <a:lvl9pPr>
+              <a:defRPr sz="1600"/>
+            </a:lvl9pPr>
+          </a:lstStyle>
           <a:p>
             <a:pPr lvl="0"/>
             <a:r>
@@ -1789,18 +1825,13 @@
               <a:rPr lang="en-US"/>
               <a:t>Fifth level</a:t>
             </a:r>
-          </a:p>
-        </p:txBody>
-      </p:sp>
-      <p:sp>
-        <p:nvSpPr>
-          <p:cNvPr id="7" name="Date Placeholder 6">
-            <a:extLst>
-              <a:ext uri="{FF2B5EF4-FFF2-40B4-BE49-F238E27FC236}">
-                <a16:creationId xmlns:a16="http://schemas.microsoft.com/office/drawing/2014/main" id="{A8636444-A722-36FB-89C8-694985AD34A8}"/>
-              </a:ext>
-            </a:extLst>
-          </p:cNvPr>
+            <a:endParaRPr lang="en-US" dirty="0"/>
+          </a:p>
+        </p:txBody>
+      </p:sp>
+      <p:sp>
+        <p:nvSpPr>
+          <p:cNvPr id="7" name="Date Placeholder 6"/>
           <p:cNvSpPr>
             <a:spLocks noGrp="1"/>
           </p:cNvSpPr>
@@ -1823,13 +1854,7 @@
       </p:sp>
       <p:sp>
         <p:nvSpPr>
-          <p:cNvPr id="8" name="Footer Placeholder 7">
-            <a:extLst>
-              <a:ext uri="{FF2B5EF4-FFF2-40B4-BE49-F238E27FC236}">
-                <a16:creationId xmlns:a16="http://schemas.microsoft.com/office/drawing/2014/main" id="{F4A04F45-33CB-2673-52BB-A0D09614C734}"/>
-              </a:ext>
-            </a:extLst>
-          </p:cNvPr>
+          <p:cNvPr id="8" name="Footer Placeholder 7"/>
           <p:cNvSpPr>
             <a:spLocks noGrp="1"/>
           </p:cNvSpPr>
@@ -1848,13 +1873,7 @@
       </p:sp>
       <p:sp>
         <p:nvSpPr>
-          <p:cNvPr id="9" name="Slide Number Placeholder 8">
-            <a:extLst>
-              <a:ext uri="{FF2B5EF4-FFF2-40B4-BE49-F238E27FC236}">
-                <a16:creationId xmlns:a16="http://schemas.microsoft.com/office/drawing/2014/main" id="{339669E9-7B45-AA91-7465-7440F65C9E0A}"/>
-              </a:ext>
-            </a:extLst>
-          </p:cNvPr>
+          <p:cNvPr id="9" name="Slide Number Placeholder 8"/>
           <p:cNvSpPr>
             <a:spLocks noGrp="1"/>
           </p:cNvSpPr>
@@ -1878,7 +1897,7 @@
     </p:spTree>
     <p:extLst>
       <p:ext uri="{BB962C8B-B14F-4D97-AF65-F5344CB8AC3E}">
-        <p14:creationId xmlns:p14="http://schemas.microsoft.com/office/powerpoint/2010/main" val="2201956037"/>
+        <p14:creationId xmlns:p14="http://schemas.microsoft.com/office/powerpoint/2010/main" val="3335083767"/>
       </p:ext>
     </p:extLst>
   </p:cSld>
@@ -1907,13 +1926,7 @@
       </p:grpSpPr>
       <p:sp>
         <p:nvSpPr>
-          <p:cNvPr id="2" name="Title 1">
-            <a:extLst>
-              <a:ext uri="{FF2B5EF4-FFF2-40B4-BE49-F238E27FC236}">
-                <a16:creationId xmlns:a16="http://schemas.microsoft.com/office/drawing/2014/main" id="{4092023A-2142-2212-5C42-EE49EAB780EE}"/>
-              </a:ext>
-            </a:extLst>
-          </p:cNvPr>
+          <p:cNvPr id="6" name="Title 5"/>
           <p:cNvSpPr>
             <a:spLocks noGrp="1"/>
           </p:cNvSpPr>
@@ -1930,18 +1943,13 @@
               <a:rPr lang="en-US"/>
               <a:t>Click to edit Master title style</a:t>
             </a:r>
-          </a:p>
-        </p:txBody>
-      </p:sp>
-      <p:sp>
-        <p:nvSpPr>
-          <p:cNvPr id="3" name="Date Placeholder 2">
-            <a:extLst>
-              <a:ext uri="{FF2B5EF4-FFF2-40B4-BE49-F238E27FC236}">
-                <a16:creationId xmlns:a16="http://schemas.microsoft.com/office/drawing/2014/main" id="{E0AE4008-5060-A7CD-B7CC-39EF015332D1}"/>
-              </a:ext>
-            </a:extLst>
-          </p:cNvPr>
+            <a:endParaRPr lang="en-US" dirty="0"/>
+          </a:p>
+        </p:txBody>
+      </p:sp>
+      <p:sp>
+        <p:nvSpPr>
+          <p:cNvPr id="3" name="Date Placeholder 2"/>
           <p:cNvSpPr>
             <a:spLocks noGrp="1"/>
           </p:cNvSpPr>
@@ -1964,13 +1972,7 @@
       </p:sp>
       <p:sp>
         <p:nvSpPr>
-          <p:cNvPr id="4" name="Footer Placeholder 3">
-            <a:extLst>
-              <a:ext uri="{FF2B5EF4-FFF2-40B4-BE49-F238E27FC236}">
-                <a16:creationId xmlns:a16="http://schemas.microsoft.com/office/drawing/2014/main" id="{CB0E19D6-4CDA-FAE1-CB32-BD0000719EA1}"/>
-              </a:ext>
-            </a:extLst>
-          </p:cNvPr>
+          <p:cNvPr id="4" name="Footer Placeholder 3"/>
           <p:cNvSpPr>
             <a:spLocks noGrp="1"/>
           </p:cNvSpPr>
@@ -1989,13 +1991,7 @@
       </p:sp>
       <p:sp>
         <p:nvSpPr>
-          <p:cNvPr id="5" name="Slide Number Placeholder 4">
-            <a:extLst>
-              <a:ext uri="{FF2B5EF4-FFF2-40B4-BE49-F238E27FC236}">
-                <a16:creationId xmlns:a16="http://schemas.microsoft.com/office/drawing/2014/main" id="{0111D967-1DD5-0C6E-9120-3E1DF3991AE0}"/>
-              </a:ext>
-            </a:extLst>
-          </p:cNvPr>
+          <p:cNvPr id="5" name="Slide Number Placeholder 4"/>
           <p:cNvSpPr>
             <a:spLocks noGrp="1"/>
           </p:cNvSpPr>
@@ -2019,7 +2015,7 @@
     </p:spTree>
     <p:extLst>
       <p:ext uri="{BB962C8B-B14F-4D97-AF65-F5344CB8AC3E}">
-        <p14:creationId xmlns:p14="http://schemas.microsoft.com/office/powerpoint/2010/main" val="1379745653"/>
+        <p14:creationId xmlns:p14="http://schemas.microsoft.com/office/powerpoint/2010/main" val="4019538059"/>
       </p:ext>
     </p:extLst>
   </p:cSld>
@@ -2048,13 +2044,7 @@
       </p:grpSpPr>
       <p:sp>
         <p:nvSpPr>
-          <p:cNvPr id="2" name="Date Placeholder 1">
-            <a:extLst>
-              <a:ext uri="{FF2B5EF4-FFF2-40B4-BE49-F238E27FC236}">
-                <a16:creationId xmlns:a16="http://schemas.microsoft.com/office/drawing/2014/main" id="{157D422F-E9BD-AB73-21D7-E8C4D3A051E7}"/>
-              </a:ext>
-            </a:extLst>
-          </p:cNvPr>
+          <p:cNvPr id="2" name="Date Placeholder 1"/>
           <p:cNvSpPr>
             <a:spLocks noGrp="1"/>
           </p:cNvSpPr>
@@ -2077,13 +2067,7 @@
       </p:sp>
       <p:sp>
         <p:nvSpPr>
-          <p:cNvPr id="3" name="Footer Placeholder 2">
-            <a:extLst>
-              <a:ext uri="{FF2B5EF4-FFF2-40B4-BE49-F238E27FC236}">
-                <a16:creationId xmlns:a16="http://schemas.microsoft.com/office/drawing/2014/main" id="{CCDD4061-8E73-2A25-62F8-1166E0EBCBD5}"/>
-              </a:ext>
-            </a:extLst>
-          </p:cNvPr>
+          <p:cNvPr id="3" name="Footer Placeholder 2"/>
           <p:cNvSpPr>
             <a:spLocks noGrp="1"/>
           </p:cNvSpPr>
@@ -2102,13 +2086,7 @@
       </p:sp>
       <p:sp>
         <p:nvSpPr>
-          <p:cNvPr id="4" name="Slide Number Placeholder 3">
-            <a:extLst>
-              <a:ext uri="{FF2B5EF4-FFF2-40B4-BE49-F238E27FC236}">
-                <a16:creationId xmlns:a16="http://schemas.microsoft.com/office/drawing/2014/main" id="{6267BFB0-FE27-3C97-BA1F-72DB7440B6B8}"/>
-              </a:ext>
-            </a:extLst>
-          </p:cNvPr>
+          <p:cNvPr id="4" name="Slide Number Placeholder 3"/>
           <p:cNvSpPr>
             <a:spLocks noGrp="1"/>
           </p:cNvSpPr>
@@ -2132,7 +2110,7 @@
     </p:spTree>
     <p:extLst>
       <p:ext uri="{BB962C8B-B14F-4D97-AF65-F5344CB8AC3E}">
-        <p14:creationId xmlns:p14="http://schemas.microsoft.com/office/powerpoint/2010/main" val="3110954448"/>
+        <p14:creationId xmlns:p14="http://schemas.microsoft.com/office/powerpoint/2010/main" val="3895243842"/>
       </p:ext>
     </p:extLst>
   </p:cSld>
@@ -2161,31 +2139,69 @@
       </p:grpSpPr>
       <p:sp>
         <p:nvSpPr>
-          <p:cNvPr id="2" name="Title 1">
-            <a:extLst>
-              <a:ext uri="{FF2B5EF4-FFF2-40B4-BE49-F238E27FC236}">
-                <a16:creationId xmlns:a16="http://schemas.microsoft.com/office/drawing/2014/main" id="{7F893922-0C4B-36F9-C9D6-C7D48953848E}"/>
-              </a:ext>
-            </a:extLst>
-          </p:cNvPr>
-          <p:cNvSpPr>
-            <a:spLocks noGrp="1"/>
-          </p:cNvSpPr>
-          <p:nvPr>
-            <p:ph type="title"/>
-          </p:nvPr>
+          <p:cNvPr id="2" name="Rectangle 1"/>
+          <p:cNvSpPr/>
+          <p:nvPr/>
         </p:nvSpPr>
         <p:spPr>
           <a:xfrm>
-            <a:off x="839788" y="457200"/>
-            <a:ext cx="3932237" cy="1600200"/>
+            <a:off x="7620000" y="0"/>
+            <a:ext cx="4572000" cy="6858000"/>
+          </a:xfrm>
+          <a:prstGeom prst="rect">
+            <a:avLst/>
+          </a:prstGeom>
+          <a:ln>
+            <a:noFill/>
+          </a:ln>
+        </p:spPr>
+        <p:style>
+          <a:lnRef idx="2">
+            <a:schemeClr val="accent1">
+              <a:shade val="50000"/>
+            </a:schemeClr>
+          </a:lnRef>
+          <a:fillRef idx="1">
+            <a:schemeClr val="accent1"/>
+          </a:fillRef>
+          <a:effectRef idx="0">
+            <a:schemeClr val="accent1"/>
+          </a:effectRef>
+          <a:fontRef idx="minor">
+            <a:schemeClr val="lt1"/>
+          </a:fontRef>
+        </p:style>
+      </p:sp>
+      <p:sp>
+        <p:nvSpPr>
+          <p:cNvPr id="9" name="Title 8"/>
+          <p:cNvSpPr>
+            <a:spLocks noGrp="1"/>
+          </p:cNvSpPr>
+          <p:nvPr>
+            <p:ph type="title"/>
+          </p:nvPr>
+        </p:nvSpPr>
+        <p:spPr>
+          <a:xfrm>
+            <a:off x="8261404" y="542282"/>
+            <a:ext cx="3383280" cy="1920240"/>
           </a:xfrm>
         </p:spPr>
         <p:txBody>
-          <a:bodyPr anchor="b"/>
+          <a:bodyPr anchor="b">
+            <a:noAutofit/>
+          </a:bodyPr>
           <a:lstStyle>
             <a:lvl1pPr>
-              <a:defRPr sz="3200"/>
+              <a:lnSpc>
+                <a:spcPct val="85000"/>
+              </a:lnSpc>
+              <a:defRPr sz="4000">
+                <a:solidFill>
+                  <a:srgbClr val="FFFFFF"/>
+                </a:solidFill>
+              </a:defRPr>
             </a:lvl1pPr>
           </a:lstStyle>
           <a:p>
@@ -2193,18 +2209,13 @@
               <a:rPr lang="en-US"/>
               <a:t>Click to edit Master title style</a:t>
             </a:r>
-          </a:p>
-        </p:txBody>
-      </p:sp>
-      <p:sp>
-        <p:nvSpPr>
-          <p:cNvPr id="3" name="Content Placeholder 2">
-            <a:extLst>
-              <a:ext uri="{FF2B5EF4-FFF2-40B4-BE49-F238E27FC236}">
-                <a16:creationId xmlns:a16="http://schemas.microsoft.com/office/drawing/2014/main" id="{AFC47C0B-3F73-E792-C854-4FF11CB1D697}"/>
-              </a:ext>
-            </a:extLst>
-          </p:cNvPr>
+            <a:endParaRPr lang="en-US" dirty="0"/>
+          </a:p>
+        </p:txBody>
+      </p:sp>
+      <p:sp>
+        <p:nvSpPr>
+          <p:cNvPr id="3" name="Content Placeholder 2"/>
           <p:cNvSpPr>
             <a:spLocks noGrp="1"/>
           </p:cNvSpPr>
@@ -2214,8 +2225,8 @@
         </p:nvSpPr>
         <p:spPr>
           <a:xfrm>
-            <a:off x="5183188" y="987425"/>
-            <a:ext cx="6172200" cy="4873625"/>
+            <a:off x="762000" y="762000"/>
+            <a:ext cx="6096000" cy="4572000"/>
           </a:xfrm>
         </p:spPr>
         <p:txBody>
@@ -2283,18 +2294,13 @@
               <a:rPr lang="en-US"/>
               <a:t>Fifth level</a:t>
             </a:r>
-          </a:p>
-        </p:txBody>
-      </p:sp>
-      <p:sp>
-        <p:nvSpPr>
-          <p:cNvPr id="4" name="Text Placeholder 3">
-            <a:extLst>
-              <a:ext uri="{FF2B5EF4-FFF2-40B4-BE49-F238E27FC236}">
-                <a16:creationId xmlns:a16="http://schemas.microsoft.com/office/drawing/2014/main" id="{81B742E6-1977-3286-E1BC-DC7D96973ECE}"/>
-              </a:ext>
-            </a:extLst>
-          </p:cNvPr>
+            <a:endParaRPr lang="en-US" dirty="0"/>
+          </a:p>
+        </p:txBody>
+      </p:sp>
+      <p:sp>
+        <p:nvSpPr>
+          <p:cNvPr id="4" name="Text Placeholder 3"/>
           <p:cNvSpPr>
             <a:spLocks noGrp="1"/>
           </p:cNvSpPr>
@@ -2304,52 +2310,87 @@
         </p:nvSpPr>
         <p:spPr>
           <a:xfrm>
-            <a:off x="839788" y="2057400"/>
-            <a:ext cx="3932237" cy="3811588"/>
+            <a:off x="8275982" y="2511813"/>
+            <a:ext cx="3398520" cy="3126987"/>
           </a:xfrm>
         </p:spPr>
         <p:txBody>
-          <a:bodyPr/>
+          <a:bodyPr>
+            <a:normAutofit/>
+          </a:bodyPr>
           <a:lstStyle>
-            <a:lvl1pPr marL="0" indent="0">
-              <a:buNone/>
-              <a:defRPr sz="1600"/>
+            <a:lvl1pPr marL="0" marR="0" indent="0" algn="l" defTabSz="914400" rtl="0" eaLnBrk="1" fontAlgn="auto" latinLnBrk="0" hangingPunct="1">
+              <a:lnSpc>
+                <a:spcPct val="100000"/>
+              </a:lnSpc>
+              <a:spcBef>
+                <a:spcPts val="1200"/>
+              </a:spcBef>
+              <a:spcAft>
+                <a:spcPts val="0"/>
+              </a:spcAft>
+              <a:buClrTx/>
+              <a:buSzTx/>
+              <a:buFontTx/>
+              <a:buNone/>
+              <a:tabLst/>
+              <a:defRPr sz="1800">
+                <a:solidFill>
+                  <a:srgbClr val="262626"/>
+                </a:solidFill>
+              </a:defRPr>
             </a:lvl1pPr>
             <a:lvl2pPr marL="457200" indent="0">
               <a:buNone/>
-              <a:defRPr sz="1400"/>
+              <a:defRPr sz="1200"/>
             </a:lvl2pPr>
             <a:lvl3pPr marL="914400" indent="0">
               <a:buNone/>
-              <a:defRPr sz="1200"/>
+              <a:defRPr sz="1000"/>
             </a:lvl3pPr>
             <a:lvl4pPr marL="1371600" indent="0">
               <a:buNone/>
-              <a:defRPr sz="1000"/>
+              <a:defRPr sz="900"/>
             </a:lvl4pPr>
             <a:lvl5pPr marL="1828800" indent="0">
               <a:buNone/>
-              <a:defRPr sz="1000"/>
+              <a:defRPr sz="900"/>
             </a:lvl5pPr>
             <a:lvl6pPr marL="2286000" indent="0">
               <a:buNone/>
-              <a:defRPr sz="1000"/>
+              <a:defRPr sz="900"/>
             </a:lvl6pPr>
             <a:lvl7pPr marL="2743200" indent="0">
               <a:buNone/>
-              <a:defRPr sz="1000"/>
+              <a:defRPr sz="900"/>
             </a:lvl7pPr>
             <a:lvl8pPr marL="3200400" indent="0">
               <a:buNone/>
-              <a:defRPr sz="1000"/>
+              <a:defRPr sz="900"/>
             </a:lvl8pPr>
             <a:lvl9pPr marL="3657600" indent="0">
               <a:buNone/>
-              <a:defRPr sz="1000"/>
+              <a:defRPr sz="900"/>
             </a:lvl9pPr>
           </a:lstStyle>
           <a:p>
-            <a:pPr lvl="0"/>
+            <a:pPr marL="0" marR="0" lvl="0" indent="0" algn="l" defTabSz="914400" rtl="0" eaLnBrk="1" fontAlgn="auto" latinLnBrk="0" hangingPunct="1">
+              <a:lnSpc>
+                <a:spcPct val="100000"/>
+              </a:lnSpc>
+              <a:spcBef>
+                <a:spcPts val="1400"/>
+              </a:spcBef>
+              <a:spcAft>
+                <a:spcPts val="0"/>
+              </a:spcAft>
+              <a:buClrTx/>
+              <a:buSzTx/>
+              <a:buFontTx/>
+              <a:buNone/>
+              <a:tabLst/>
+              <a:defRPr/>
+            </a:pPr>
             <a:r>
               <a:rPr lang="en-US"/>
               <a:t>Click to edit Master text styles</a:t>
@@ -2359,13 +2400,7 @@
       </p:sp>
       <p:sp>
         <p:nvSpPr>
-          <p:cNvPr id="5" name="Date Placeholder 4">
-            <a:extLst>
-              <a:ext uri="{FF2B5EF4-FFF2-40B4-BE49-F238E27FC236}">
-                <a16:creationId xmlns:a16="http://schemas.microsoft.com/office/drawing/2014/main" id="{05E11950-D385-CC55-F528-6432AD643D77}"/>
-              </a:ext>
-            </a:extLst>
-          </p:cNvPr>
+          <p:cNvPr id="5" name="Date Placeholder 4"/>
           <p:cNvSpPr>
             <a:spLocks noGrp="1"/>
           </p:cNvSpPr>
@@ -2388,13 +2423,7 @@
       </p:sp>
       <p:sp>
         <p:nvSpPr>
-          <p:cNvPr id="6" name="Footer Placeholder 5">
-            <a:extLst>
-              <a:ext uri="{FF2B5EF4-FFF2-40B4-BE49-F238E27FC236}">
-                <a16:creationId xmlns:a16="http://schemas.microsoft.com/office/drawing/2014/main" id="{7B4568BC-A59C-A473-2E8C-E6F8A43D5A23}"/>
-              </a:ext>
-            </a:extLst>
-          </p:cNvPr>
+          <p:cNvPr id="6" name="Footer Placeholder 5"/>
           <p:cNvSpPr>
             <a:spLocks noGrp="1"/>
           </p:cNvSpPr>
@@ -2413,13 +2442,7 @@
       </p:sp>
       <p:sp>
         <p:nvSpPr>
-          <p:cNvPr id="7" name="Slide Number Placeholder 6">
-            <a:extLst>
-              <a:ext uri="{FF2B5EF4-FFF2-40B4-BE49-F238E27FC236}">
-                <a16:creationId xmlns:a16="http://schemas.microsoft.com/office/drawing/2014/main" id="{5779D134-79E4-88C1-CFF1-8E994CE90085}"/>
-              </a:ext>
-            </a:extLst>
-          </p:cNvPr>
+          <p:cNvPr id="7" name="Slide Number Placeholder 6"/>
           <p:cNvSpPr>
             <a:spLocks noGrp="1"/>
           </p:cNvSpPr>
@@ -2430,7 +2453,17 @@
         <p:spPr/>
         <p:txBody>
           <a:bodyPr/>
-          <a:lstStyle/>
+          <a:lstStyle>
+            <a:lvl1pPr>
+              <a:defRPr>
+                <a:solidFill>
+                  <a:srgbClr val="FFFFFF">
+                    <a:alpha val="20000"/>
+                  </a:srgbClr>
+                </a:solidFill>
+              </a:defRPr>
+            </a:lvl1pPr>
+          </a:lstStyle>
           <a:p>
             <a:fld id="{DB9C368E-87AE-4D7F-8683-F6614C0BECD7}" type="slidenum">
               <a:rPr lang="en-US" smtClean="0"/>
@@ -2443,7 +2476,7 @@
     </p:spTree>
     <p:extLst>
       <p:ext uri="{BB962C8B-B14F-4D97-AF65-F5344CB8AC3E}">
-        <p14:creationId xmlns:p14="http://schemas.microsoft.com/office/powerpoint/2010/main" val="121495761"/>
+        <p14:creationId xmlns:p14="http://schemas.microsoft.com/office/powerpoint/2010/main" val="1817189135"/>
       </p:ext>
     </p:extLst>
   </p:cSld>
@@ -2456,6 +2489,14 @@
 <file path=ppt/slideLayouts/slideLayout9.xml><?xml version="1.0" encoding="utf-8"?>
 <p:sldLayout xmlns:a="http://schemas.openxmlformats.org/drawingml/2006/main" xmlns:r="http://schemas.openxmlformats.org/officeDocument/2006/relationships" xmlns:p="http://schemas.openxmlformats.org/presentationml/2006/main" type="picTx" preserve="1">
   <p:cSld name="Picture with Caption">
+    <p:bg>
+      <p:bgPr>
+        <a:solidFill>
+          <a:schemeClr val="accent1"/>
+        </a:solidFill>
+        <a:effectLst/>
+      </p:bgPr>
+    </p:bg>
     <p:spTree>
       <p:nvGrpSpPr>
         <p:cNvPr id="1" name=""/>
@@ -2472,13 +2513,7 @@
       </p:grpSpPr>
       <p:sp>
         <p:nvSpPr>
-          <p:cNvPr id="2" name="Title 1">
-            <a:extLst>
-              <a:ext uri="{FF2B5EF4-FFF2-40B4-BE49-F238E27FC236}">
-                <a16:creationId xmlns:a16="http://schemas.microsoft.com/office/drawing/2014/main" id="{6FB0913D-D4BF-01B4-D261-7A7F193250DF}"/>
-              </a:ext>
-            </a:extLst>
-          </p:cNvPr>
+          <p:cNvPr id="2" name="Title 1"/>
           <p:cNvSpPr>
             <a:spLocks noGrp="1"/>
           </p:cNvSpPr>
@@ -2488,15 +2523,21 @@
         </p:nvSpPr>
         <p:spPr>
           <a:xfrm>
-            <a:off x="839788" y="457200"/>
-            <a:ext cx="3932237" cy="1600200"/>
+            <a:off x="649224" y="5418667"/>
+            <a:ext cx="10780776" cy="613283"/>
           </a:xfrm>
         </p:spPr>
         <p:txBody>
-          <a:bodyPr anchor="b"/>
+          <a:bodyPr anchor="b">
+            <a:normAutofit/>
+          </a:bodyPr>
           <a:lstStyle>
             <a:lvl1pPr>
-              <a:defRPr sz="3200"/>
+              <a:defRPr sz="3200" b="0">
+                <a:solidFill>
+                  <a:srgbClr val="FFFFFF"/>
+                </a:solidFill>
+              </a:defRPr>
             </a:lvl1pPr>
           </a:lstStyle>
           <a:p>
@@ -2504,20 +2545,15 @@
               <a:rPr lang="en-US"/>
               <a:t>Click to edit Master title style</a:t>
             </a:r>
-          </a:p>
-        </p:txBody>
-      </p:sp>
-      <p:sp>
-        <p:nvSpPr>
-          <p:cNvPr id="3" name="Picture Placeholder 2">
-            <a:extLst>
-              <a:ext uri="{FF2B5EF4-FFF2-40B4-BE49-F238E27FC236}">
-                <a16:creationId xmlns:a16="http://schemas.microsoft.com/office/drawing/2014/main" id="{64373CBF-DA68-7049-0DE3-215D8DD4FA2B}"/>
-              </a:ext>
-            </a:extLst>
-          </p:cNvPr>
-          <p:cNvSpPr>
-            <a:spLocks noGrp="1"/>
+            <a:endParaRPr lang="en-US" dirty="0"/>
+          </a:p>
+        </p:txBody>
+      </p:sp>
+      <p:sp>
+        <p:nvSpPr>
+          <p:cNvPr id="3" name="Picture Placeholder 2"/>
+          <p:cNvSpPr>
+            <a:spLocks noGrp="1" noChangeAspect="1"/>
           </p:cNvSpPr>
           <p:nvPr>
             <p:ph type="pic" idx="1"/>
@@ -2525,16 +2561,32 @@
         </p:nvSpPr>
         <p:spPr>
           <a:xfrm>
-            <a:off x="5183188" y="987425"/>
-            <a:ext cx="6172200" cy="4873625"/>
+            <a:off x="0" y="0"/>
+            <a:ext cx="12192000" cy="5330952"/>
           </a:xfrm>
+          <a:solidFill>
+            <a:schemeClr val="accent1">
+              <a:lumMod val="20000"/>
+              <a:lumOff val="80000"/>
+            </a:schemeClr>
+          </a:solidFill>
         </p:spPr>
         <p:txBody>
-          <a:bodyPr/>
+          <a:bodyPr anchor="t"/>
           <a:lstStyle>
-            <a:lvl1pPr marL="0" indent="0">
-              <a:buNone/>
-              <a:defRPr sz="3200"/>
+            <a:lvl1pPr marL="0" indent="0" algn="ctr">
+              <a:spcBef>
+                <a:spcPts val="800"/>
+              </a:spcBef>
+              <a:buNone/>
+              <a:defRPr sz="3200">
+                <a:solidFill>
+                  <a:schemeClr val="tx1">
+                    <a:lumMod val="75000"/>
+                    <a:lumOff val="25000"/>
+                  </a:schemeClr>
+                </a:solidFill>
+              </a:defRPr>
             </a:lvl1pPr>
             <a:lvl2pPr marL="457200" indent="0">
               <a:buNone/>
@@ -2570,19 +2622,17 @@
             </a:lvl9pPr>
           </a:lstStyle>
           <a:p>
-            <a:endParaRPr lang="en-US"/>
-          </a:p>
-        </p:txBody>
-      </p:sp>
-      <p:sp>
-        <p:nvSpPr>
-          <p:cNvPr id="4" name="Text Placeholder 3">
-            <a:extLst>
-              <a:ext uri="{FF2B5EF4-FFF2-40B4-BE49-F238E27FC236}">
-                <a16:creationId xmlns:a16="http://schemas.microsoft.com/office/drawing/2014/main" id="{48DB5697-BB9E-69A5-0AE2-6B9742FDDB8F}"/>
-              </a:ext>
-            </a:extLst>
-          </p:cNvPr>
+            <a:r>
+              <a:rPr lang="en-US"/>
+              <a:t>Click icon to add picture</a:t>
+            </a:r>
+            <a:endParaRPr lang="en-US" dirty="0"/>
+          </a:p>
+        </p:txBody>
+      </p:sp>
+      <p:sp>
+        <p:nvSpPr>
+          <p:cNvPr id="4" name="Text Placeholder 3"/>
           <p:cNvSpPr>
             <a:spLocks noGrp="1"/>
           </p:cNvSpPr>
@@ -2592,79 +2642,92 @@
         </p:nvSpPr>
         <p:spPr>
           <a:xfrm>
-            <a:off x="839788" y="2057400"/>
-            <a:ext cx="3932237" cy="3811588"/>
+            <a:off x="676656" y="5909735"/>
+            <a:ext cx="9229344" cy="533400"/>
           </a:xfrm>
         </p:spPr>
         <p:txBody>
+          <a:bodyPr>
+            <a:normAutofit/>
+          </a:bodyPr>
+          <a:lstStyle>
+            <a:lvl1pPr marL="0" indent="0">
+              <a:lnSpc>
+                <a:spcPct val="90000"/>
+              </a:lnSpc>
+              <a:buNone/>
+              <a:defRPr sz="1400">
+                <a:solidFill>
+                  <a:srgbClr val="262626"/>
+                </a:solidFill>
+              </a:defRPr>
+            </a:lvl1pPr>
+            <a:lvl2pPr marL="457200" indent="0">
+              <a:buNone/>
+              <a:defRPr sz="1200"/>
+            </a:lvl2pPr>
+            <a:lvl3pPr marL="914400" indent="0">
+              <a:buNone/>
+              <a:defRPr sz="1000"/>
+            </a:lvl3pPr>
+            <a:lvl4pPr marL="1371600" indent="0">
+              <a:buNone/>
+              <a:defRPr sz="900"/>
+            </a:lvl4pPr>
+            <a:lvl5pPr marL="1828800" indent="0">
+              <a:buNone/>
+              <a:defRPr sz="900"/>
+            </a:lvl5pPr>
+            <a:lvl6pPr marL="2286000" indent="0">
+              <a:buNone/>
+              <a:defRPr sz="900"/>
+            </a:lvl6pPr>
+            <a:lvl7pPr marL="2743200" indent="0">
+              <a:buNone/>
+              <a:defRPr sz="900"/>
+            </a:lvl7pPr>
+            <a:lvl8pPr marL="3200400" indent="0">
+              <a:buNone/>
+              <a:defRPr sz="900"/>
+            </a:lvl8pPr>
+            <a:lvl9pPr marL="3657600" indent="0">
+              <a:buNone/>
+              <a:defRPr sz="900"/>
+            </a:lvl9pPr>
+          </a:lstStyle>
+          <a:p>
+            <a:pPr lvl="0"/>
+            <a:r>
+              <a:rPr lang="en-US"/>
+              <a:t>Click to edit Master text styles</a:t>
+            </a:r>
+          </a:p>
+        </p:txBody>
+      </p:sp>
+      <p:sp>
+        <p:nvSpPr>
+          <p:cNvPr id="12" name="Date Placeholder 11"/>
+          <p:cNvSpPr>
+            <a:spLocks noGrp="1"/>
+          </p:cNvSpPr>
+          <p:nvPr>
+            <p:ph type="dt" sz="half" idx="10"/>
+          </p:nvPr>
+        </p:nvSpPr>
+        <p:spPr/>
+        <p:txBody>
           <a:bodyPr/>
           <a:lstStyle>
-            <a:lvl1pPr marL="0" indent="0">
-              <a:buNone/>
-              <a:defRPr sz="1600"/>
+            <a:lvl1pPr>
+              <a:defRPr>
+                <a:solidFill>
+                  <a:srgbClr val="FFFFFF">
+                    <a:alpha val="80000"/>
+                  </a:srgbClr>
+                </a:solidFill>
+              </a:defRPr>
             </a:lvl1pPr>
-            <a:lvl2pPr marL="457200" indent="0">
-              <a:buNone/>
-              <a:defRPr sz="1400"/>
-            </a:lvl2pPr>
-            <a:lvl3pPr marL="914400" indent="0">
-              <a:buNone/>
-              <a:defRPr sz="1200"/>
-            </a:lvl3pPr>
-            <a:lvl4pPr marL="1371600" indent="0">
-              <a:buNone/>
-              <a:defRPr sz="1000"/>
-            </a:lvl4pPr>
-            <a:lvl5pPr marL="1828800" indent="0">
-              <a:buNone/>
-              <a:defRPr sz="1000"/>
-            </a:lvl5pPr>
-            <a:lvl6pPr marL="2286000" indent="0">
-              <a:buNone/>
-              <a:defRPr sz="1000"/>
-            </a:lvl6pPr>
-            <a:lvl7pPr marL="2743200" indent="0">
-              <a:buNone/>
-              <a:defRPr sz="1000"/>
-            </a:lvl7pPr>
-            <a:lvl8pPr marL="3200400" indent="0">
-              <a:buNone/>
-              <a:defRPr sz="1000"/>
-            </a:lvl8pPr>
-            <a:lvl9pPr marL="3657600" indent="0">
-              <a:buNone/>
-              <a:defRPr sz="1000"/>
-            </a:lvl9pPr>
           </a:lstStyle>
-          <a:p>
-            <a:pPr lvl="0"/>
-            <a:r>
-              <a:rPr lang="en-US"/>
-              <a:t>Click to edit Master text styles</a:t>
-            </a:r>
-          </a:p>
-        </p:txBody>
-      </p:sp>
-      <p:sp>
-        <p:nvSpPr>
-          <p:cNvPr id="5" name="Date Placeholder 4">
-            <a:extLst>
-              <a:ext uri="{FF2B5EF4-FFF2-40B4-BE49-F238E27FC236}">
-                <a16:creationId xmlns:a16="http://schemas.microsoft.com/office/drawing/2014/main" id="{17C9037A-960A-35D5-3DBA-E6A890A1DEAB}"/>
-              </a:ext>
-            </a:extLst>
-          </p:cNvPr>
-          <p:cNvSpPr>
-            <a:spLocks noGrp="1"/>
-          </p:cNvSpPr>
-          <p:nvPr>
-            <p:ph type="dt" sz="half" idx="10"/>
-          </p:nvPr>
-        </p:nvSpPr>
-        <p:spPr/>
-        <p:txBody>
-          <a:bodyPr/>
-          <a:lstStyle/>
           <a:p>
             <a:fld id="{A38B8067-2507-4D51-B3E4-3075824564BF}" type="datetimeFigureOut">
               <a:rPr lang="en-US" smtClean="0"/>
@@ -2676,13 +2739,7 @@
       </p:sp>
       <p:sp>
         <p:nvSpPr>
-          <p:cNvPr id="6" name="Footer Placeholder 5">
-            <a:extLst>
-              <a:ext uri="{FF2B5EF4-FFF2-40B4-BE49-F238E27FC236}">
-                <a16:creationId xmlns:a16="http://schemas.microsoft.com/office/drawing/2014/main" id="{AA69E18E-2089-2E6A-7076-DE57EC4EC2C0}"/>
-              </a:ext>
-            </a:extLst>
-          </p:cNvPr>
+          <p:cNvPr id="13" name="Footer Placeholder 12"/>
           <p:cNvSpPr>
             <a:spLocks noGrp="1"/>
           </p:cNvSpPr>
@@ -2693,21 +2750,25 @@
         <p:spPr/>
         <p:txBody>
           <a:bodyPr/>
-          <a:lstStyle/>
-          <a:p>
-            <a:endParaRPr lang="en-US"/>
-          </a:p>
-        </p:txBody>
-      </p:sp>
-      <p:sp>
-        <p:nvSpPr>
-          <p:cNvPr id="7" name="Slide Number Placeholder 6">
-            <a:extLst>
-              <a:ext uri="{FF2B5EF4-FFF2-40B4-BE49-F238E27FC236}">
-                <a16:creationId xmlns:a16="http://schemas.microsoft.com/office/drawing/2014/main" id="{205F10F2-3AB2-8BC8-B179-1152889ECE61}"/>
-              </a:ext>
-            </a:extLst>
-          </p:cNvPr>
+          <a:lstStyle>
+            <a:lvl1pPr>
+              <a:defRPr>
+                <a:solidFill>
+                  <a:srgbClr val="FFFFFF">
+                    <a:alpha val="80000"/>
+                  </a:srgbClr>
+                </a:solidFill>
+              </a:defRPr>
+            </a:lvl1pPr>
+          </a:lstStyle>
+          <a:p>
+            <a:endParaRPr lang="en-US" dirty="0"/>
+          </a:p>
+        </p:txBody>
+      </p:sp>
+      <p:sp>
+        <p:nvSpPr>
+          <p:cNvPr id="14" name="Slide Number Placeholder 13"/>
           <p:cNvSpPr>
             <a:spLocks noGrp="1"/>
           </p:cNvSpPr>
@@ -2718,7 +2779,17 @@
         <p:spPr/>
         <p:txBody>
           <a:bodyPr/>
-          <a:lstStyle/>
+          <a:lstStyle>
+            <a:lvl1pPr>
+              <a:defRPr>
+                <a:solidFill>
+                  <a:srgbClr val="FFFFFF">
+                    <a:alpha val="25000"/>
+                  </a:srgbClr>
+                </a:solidFill>
+              </a:defRPr>
+            </a:lvl1pPr>
+          </a:lstStyle>
           <a:p>
             <a:fld id="{DB9C368E-87AE-4D7F-8683-F6614C0BECD7}" type="slidenum">
               <a:rPr lang="en-US" smtClean="0"/>
@@ -2731,12 +2802,12 @@
     </p:spTree>
     <p:extLst>
       <p:ext uri="{BB962C8B-B14F-4D97-AF65-F5344CB8AC3E}">
-        <p14:creationId xmlns:p14="http://schemas.microsoft.com/office/powerpoint/2010/main" val="4246898268"/>
+        <p14:creationId xmlns:p14="http://schemas.microsoft.com/office/powerpoint/2010/main" val="3183531820"/>
       </p:ext>
     </p:extLst>
   </p:cSld>
   <p:clrMapOvr>
-    <a:masterClrMapping/>
+    <a:overrideClrMapping bg1="lt1" tx1="dk1" bg2="lt2" tx2="dk2" accent1="accent1" accent2="accent2" accent3="accent3" accent4="accent4" accent5="accent5" accent6="accent6" hlink="hlink" folHlink="folHlink"/>
   </p:clrMapOvr>
 </p:sldLayout>
 </file>
@@ -2765,13 +2836,7 @@
       </p:grpSpPr>
       <p:sp>
         <p:nvSpPr>
-          <p:cNvPr id="2" name="Title Placeholder 1">
-            <a:extLst>
-              <a:ext uri="{FF2B5EF4-FFF2-40B4-BE49-F238E27FC236}">
-                <a16:creationId xmlns:a16="http://schemas.microsoft.com/office/drawing/2014/main" id="{24B65DC9-6FA4-CFBE-B7CC-1C88A997E09D}"/>
-              </a:ext>
-            </a:extLst>
-          </p:cNvPr>
+          <p:cNvPr id="2" name="Title Placeholder 1"/>
           <p:cNvSpPr>
             <a:spLocks noGrp="1"/>
           </p:cNvSpPr>
@@ -2781,8 +2846,8 @@
         </p:nvSpPr>
         <p:spPr>
           <a:xfrm>
-            <a:off x="838200" y="365125"/>
-            <a:ext cx="10515600" cy="1325563"/>
+            <a:off x="657224" y="499533"/>
+            <a:ext cx="10772775" cy="1658198"/>
           </a:xfrm>
           <a:prstGeom prst="rect">
             <a:avLst/>
@@ -2798,18 +2863,13 @@
               <a:rPr lang="en-US"/>
               <a:t>Click to edit Master title style</a:t>
             </a:r>
-          </a:p>
-        </p:txBody>
-      </p:sp>
-      <p:sp>
-        <p:nvSpPr>
-          <p:cNvPr id="3" name="Text Placeholder 2">
-            <a:extLst>
-              <a:ext uri="{FF2B5EF4-FFF2-40B4-BE49-F238E27FC236}">
-                <a16:creationId xmlns:a16="http://schemas.microsoft.com/office/drawing/2014/main" id="{73C74833-E926-66E5-A795-DCDA175BFEC5}"/>
-              </a:ext>
-            </a:extLst>
-          </p:cNvPr>
+            <a:endParaRPr lang="en-US" dirty="0"/>
+          </a:p>
+        </p:txBody>
+      </p:sp>
+      <p:sp>
+        <p:nvSpPr>
+          <p:cNvPr id="3" name="Text Placeholder 2"/>
           <p:cNvSpPr>
             <a:spLocks noGrp="1"/>
           </p:cNvSpPr>
@@ -2819,8 +2879,8 @@
         </p:nvSpPr>
         <p:spPr>
           <a:xfrm>
-            <a:off x="838200" y="1825625"/>
-            <a:ext cx="10515600" cy="4351338"/>
+            <a:off x="676656" y="2011680"/>
+            <a:ext cx="10753725" cy="3766185"/>
           </a:xfrm>
           <a:prstGeom prst="rect">
             <a:avLst/>
@@ -2865,18 +2925,13 @@
               <a:rPr lang="en-US"/>
               <a:t>Fifth level</a:t>
             </a:r>
-          </a:p>
-        </p:txBody>
-      </p:sp>
-      <p:sp>
-        <p:nvSpPr>
-          <p:cNvPr id="4" name="Date Placeholder 3">
-            <a:extLst>
-              <a:ext uri="{FF2B5EF4-FFF2-40B4-BE49-F238E27FC236}">
-                <a16:creationId xmlns:a16="http://schemas.microsoft.com/office/drawing/2014/main" id="{666B0A18-66FA-107F-2032-CB3E1A16A767}"/>
-              </a:ext>
-            </a:extLst>
-          </p:cNvPr>
+            <a:endParaRPr lang="en-US" dirty="0"/>
+          </a:p>
+        </p:txBody>
+      </p:sp>
+      <p:sp>
+        <p:nvSpPr>
+          <p:cNvPr id="4" name="Date Placeholder 3"/>
           <p:cNvSpPr>
             <a:spLocks noGrp="1"/>
           </p:cNvSpPr>
@@ -2886,8 +2941,8 @@
         </p:nvSpPr>
         <p:spPr>
           <a:xfrm>
-            <a:off x="838200" y="6356350"/>
-            <a:ext cx="2743200" cy="365125"/>
+            <a:off x="685800" y="6412447"/>
+            <a:ext cx="4114800" cy="228600"/>
           </a:xfrm>
           <a:prstGeom prst="rect">
             <a:avLst/>
@@ -2897,10 +2952,10 @@
           <a:bodyPr vert="horz" lIns="91440" tIns="45720" rIns="91440" bIns="45720" rtlCol="0" anchor="ctr"/>
           <a:lstStyle>
             <a:lvl1pPr algn="l">
-              <a:defRPr sz="1200">
+              <a:defRPr sz="950">
                 <a:solidFill>
                   <a:schemeClr val="tx1">
-                    <a:tint val="75000"/>
+                    <a:alpha val="80000"/>
                   </a:schemeClr>
                 </a:solidFill>
               </a:defRPr>
@@ -2917,13 +2972,7 @@
       </p:sp>
       <p:sp>
         <p:nvSpPr>
-          <p:cNvPr id="5" name="Footer Placeholder 4">
-            <a:extLst>
-              <a:ext uri="{FF2B5EF4-FFF2-40B4-BE49-F238E27FC236}">
-                <a16:creationId xmlns:a16="http://schemas.microsoft.com/office/drawing/2014/main" id="{1F71D97E-E313-6F6B-BA96-0293AEE86D4B}"/>
-              </a:ext>
-            </a:extLst>
-          </p:cNvPr>
+          <p:cNvPr id="5" name="Footer Placeholder 4"/>
           <p:cNvSpPr>
             <a:spLocks noGrp="1"/>
           </p:cNvSpPr>
@@ -2933,8 +2982,8 @@
         </p:nvSpPr>
         <p:spPr>
           <a:xfrm>
-            <a:off x="4038600" y="6356350"/>
-            <a:ext cx="4114800" cy="365125"/>
+            <a:off x="685800" y="6554697"/>
+            <a:ext cx="5029200" cy="228600"/>
           </a:xfrm>
           <a:prstGeom prst="rect">
             <a:avLst/>
@@ -2943,11 +2992,11 @@
         <p:txBody>
           <a:bodyPr vert="horz" lIns="91440" tIns="45720" rIns="91440" bIns="45720" rtlCol="0" anchor="ctr"/>
           <a:lstStyle>
-            <a:lvl1pPr algn="ctr">
-              <a:defRPr sz="1200">
+            <a:lvl1pPr algn="l">
+              <a:defRPr sz="950" cap="all" baseline="0">
                 <a:solidFill>
                   <a:schemeClr val="tx1">
-                    <a:tint val="75000"/>
+                    <a:alpha val="80000"/>
                   </a:schemeClr>
                 </a:solidFill>
               </a:defRPr>
@@ -2960,13 +3009,7 @@
       </p:sp>
       <p:sp>
         <p:nvSpPr>
-          <p:cNvPr id="6" name="Slide Number Placeholder 5">
-            <a:extLst>
-              <a:ext uri="{FF2B5EF4-FFF2-40B4-BE49-F238E27FC236}">
-                <a16:creationId xmlns:a16="http://schemas.microsoft.com/office/drawing/2014/main" id="{C02BA343-52C0-658C-580F-36CD142C17AF}"/>
-              </a:ext>
-            </a:extLst>
-          </p:cNvPr>
+          <p:cNvPr id="6" name="Slide Number Placeholder 5"/>
           <p:cNvSpPr>
             <a:spLocks noGrp="1"/>
           </p:cNvSpPr>
@@ -2976,23 +3019,27 @@
         </p:nvSpPr>
         <p:spPr>
           <a:xfrm>
-            <a:off x="8610600" y="6356350"/>
-            <a:ext cx="2743200" cy="365125"/>
+            <a:off x="8763926" y="5876412"/>
+            <a:ext cx="2926080" cy="1397039"/>
           </a:xfrm>
           <a:prstGeom prst="rect">
             <a:avLst/>
           </a:prstGeom>
         </p:spPr>
         <p:txBody>
-          <a:bodyPr vert="horz" lIns="91440" tIns="45720" rIns="91440" bIns="45720" rtlCol="0" anchor="ctr"/>
+          <a:bodyPr vert="horz" lIns="91440" tIns="45720" rIns="91440" bIns="45720" rtlCol="0" anchor="b"/>
           <a:lstStyle>
             <a:lvl1pPr algn="r">
-              <a:defRPr sz="1200">
+              <a:defRPr sz="10300" b="0">
+                <a:ln>
+                  <a:noFill/>
+                </a:ln>
                 <a:solidFill>
-                  <a:schemeClr val="tx1">
-                    <a:tint val="75000"/>
+                  <a:schemeClr val="accent1">
+                    <a:alpha val="25000"/>
                   </a:schemeClr>
                 </a:solidFill>
+                <a:latin typeface="+mj-lt"/>
               </a:defRPr>
             </a:lvl1pPr>
           </a:lstStyle>
@@ -3008,37 +3055,37 @@
     </p:spTree>
     <p:extLst>
       <p:ext uri="{BB962C8B-B14F-4D97-AF65-F5344CB8AC3E}">
-        <p14:creationId xmlns:p14="http://schemas.microsoft.com/office/powerpoint/2010/main" val="1679182482"/>
+        <p14:creationId xmlns:p14="http://schemas.microsoft.com/office/powerpoint/2010/main" val="4199954811"/>
       </p:ext>
     </p:extLst>
   </p:cSld>
   <p:clrMap bg1="lt1" tx1="dk1" bg2="lt2" tx2="dk2" accent1="accent1" accent2="accent2" accent3="accent3" accent4="accent4" accent5="accent5" accent6="accent6" hlink="hlink" folHlink="folHlink"/>
   <p:sldLayoutIdLst>
-    <p:sldLayoutId id="2147483649" r:id="rId1"/>
-    <p:sldLayoutId id="2147483650" r:id="rId2"/>
-    <p:sldLayoutId id="2147483651" r:id="rId3"/>
-    <p:sldLayoutId id="2147483652" r:id="rId4"/>
-    <p:sldLayoutId id="2147483653" r:id="rId5"/>
-    <p:sldLayoutId id="2147483654" r:id="rId6"/>
-    <p:sldLayoutId id="2147483655" r:id="rId7"/>
-    <p:sldLayoutId id="2147483656" r:id="rId8"/>
-    <p:sldLayoutId id="2147483657" r:id="rId9"/>
-    <p:sldLayoutId id="2147483658" r:id="rId10"/>
-    <p:sldLayoutId id="2147483659" r:id="rId11"/>
+    <p:sldLayoutId id="2147483911" r:id="rId1"/>
+    <p:sldLayoutId id="2147483912" r:id="rId2"/>
+    <p:sldLayoutId id="2147483913" r:id="rId3"/>
+    <p:sldLayoutId id="2147483914" r:id="rId4"/>
+    <p:sldLayoutId id="2147483915" r:id="rId5"/>
+    <p:sldLayoutId id="2147483916" r:id="rId6"/>
+    <p:sldLayoutId id="2147483917" r:id="rId7"/>
+    <p:sldLayoutId id="2147483918" r:id="rId8"/>
+    <p:sldLayoutId id="2147483919" r:id="rId9"/>
+    <p:sldLayoutId id="2147483920" r:id="rId10"/>
+    <p:sldLayoutId id="2147483921" r:id="rId11"/>
   </p:sldLayoutIdLst>
   <p:txStyles>
     <p:titleStyle>
       <a:lvl1pPr algn="l" defTabSz="914400" rtl="0" eaLnBrk="1" latinLnBrk="0" hangingPunct="1">
         <a:lnSpc>
-          <a:spcPct val="90000"/>
+          <a:spcPct val="85000"/>
         </a:lnSpc>
         <a:spcBef>
           <a:spcPct val="0"/>
         </a:spcBef>
         <a:buNone/>
-        <a:defRPr sz="4400" kern="1200">
+        <a:defRPr sz="5400" kern="1200" spc="-120" baseline="0">
           <a:solidFill>
-            <a:schemeClr val="tx1"/>
+            <a:schemeClr val="accent1"/>
           </a:solidFill>
           <a:latin typeface="+mj-lt"/>
           <a:ea typeface="+mj-ea"/>
@@ -3047,162 +3094,189 @@
       </a:lvl1pPr>
     </p:titleStyle>
     <p:bodyStyle>
-      <a:lvl1pPr marL="228600" indent="-228600" algn="l" defTabSz="914400" rtl="0" eaLnBrk="1" latinLnBrk="0" hangingPunct="1">
+      <a:lvl1pPr marL="91440" indent="-91440" algn="l" defTabSz="914400" rtl="0" eaLnBrk="1" latinLnBrk="0" hangingPunct="1">
         <a:lnSpc>
-          <a:spcPct val="90000"/>
+          <a:spcPct val="85000"/>
         </a:lnSpc>
         <a:spcBef>
-          <a:spcPts val="1000"/>
+          <a:spcPts val="1300"/>
         </a:spcBef>
-        <a:buFont typeface="Arial" panose="020B0604020202020204" pitchFamily="34" charset="0"/>
-        <a:buChar char="•"/>
-        <a:defRPr sz="2800" kern="1200">
+        <a:buFont typeface="Arial" pitchFamily="34" charset="0"/>
+        <a:buChar char=" "/>
+        <a:defRPr sz="2400" kern="1200">
           <a:solidFill>
-            <a:schemeClr val="tx1"/>
+            <a:schemeClr val="tx1">
+              <a:lumMod val="85000"/>
+              <a:lumOff val="15000"/>
+            </a:schemeClr>
           </a:solidFill>
           <a:latin typeface="+mn-lt"/>
           <a:ea typeface="+mn-ea"/>
           <a:cs typeface="+mn-cs"/>
         </a:defRPr>
       </a:lvl1pPr>
-      <a:lvl2pPr marL="685800" indent="-228600" algn="l" defTabSz="914400" rtl="0" eaLnBrk="1" latinLnBrk="0" hangingPunct="1">
+      <a:lvl2pPr marL="347472" indent="-342900" algn="l" defTabSz="914400" rtl="0" eaLnBrk="1" latinLnBrk="0" hangingPunct="1">
         <a:lnSpc>
-          <a:spcPct val="90000"/>
+          <a:spcPct val="85000"/>
         </a:lnSpc>
         <a:spcBef>
-          <a:spcPts val="500"/>
+          <a:spcPts val="600"/>
         </a:spcBef>
-        <a:buFont typeface="Arial" panose="020B0604020202020204" pitchFamily="34" charset="0"/>
-        <a:buChar char="•"/>
+        <a:buFont typeface="Arial" pitchFamily="34" charset="0"/>
+        <a:buChar char=" "/>
         <a:defRPr sz="2400" kern="1200">
           <a:solidFill>
-            <a:schemeClr val="tx1"/>
+            <a:schemeClr val="tx1">
+              <a:lumMod val="85000"/>
+              <a:lumOff val="15000"/>
+            </a:schemeClr>
           </a:solidFill>
           <a:latin typeface="+mn-lt"/>
           <a:ea typeface="+mn-ea"/>
           <a:cs typeface="+mn-cs"/>
         </a:defRPr>
       </a:lvl2pPr>
-      <a:lvl3pPr marL="1143000" indent="-228600" algn="l" defTabSz="914400" rtl="0" eaLnBrk="1" latinLnBrk="0" hangingPunct="1">
+      <a:lvl3pPr marL="548640" indent="-548640" algn="l" defTabSz="914400" rtl="0" eaLnBrk="1" latinLnBrk="0" hangingPunct="1">
         <a:lnSpc>
-          <a:spcPct val="90000"/>
+          <a:spcPct val="85000"/>
         </a:lnSpc>
         <a:spcBef>
-          <a:spcPts val="500"/>
+          <a:spcPts val="600"/>
         </a:spcBef>
-        <a:buFont typeface="Arial" panose="020B0604020202020204" pitchFamily="34" charset="0"/>
-        <a:buChar char="•"/>
-        <a:defRPr sz="2000" kern="1200">
+        <a:buFont typeface="Arial" pitchFamily="34" charset="0"/>
+        <a:buChar char=" "/>
+        <a:defRPr sz="2000" i="1" kern="1200">
           <a:solidFill>
-            <a:schemeClr val="tx1"/>
+            <a:schemeClr val="tx1">
+              <a:lumMod val="85000"/>
+              <a:lumOff val="15000"/>
+            </a:schemeClr>
           </a:solidFill>
           <a:latin typeface="+mn-lt"/>
           <a:ea typeface="+mn-ea"/>
           <a:cs typeface="+mn-cs"/>
         </a:defRPr>
       </a:lvl3pPr>
-      <a:lvl4pPr marL="1600200" indent="-228600" algn="l" defTabSz="914400" rtl="0" eaLnBrk="1" latinLnBrk="0" hangingPunct="1">
+      <a:lvl4pPr marL="822960" indent="-822960" algn="l" defTabSz="914400" rtl="0" eaLnBrk="1" latinLnBrk="0" hangingPunct="1">
         <a:lnSpc>
-          <a:spcPct val="90000"/>
+          <a:spcPct val="85000"/>
         </a:lnSpc>
         <a:spcBef>
-          <a:spcPts val="500"/>
+          <a:spcPts val="600"/>
         </a:spcBef>
-        <a:buFont typeface="Arial" panose="020B0604020202020204" pitchFamily="34" charset="0"/>
-        <a:buChar char="•"/>
+        <a:buFont typeface="Arial" pitchFamily="34" charset="0"/>
+        <a:buChar char=" "/>
         <a:defRPr sz="1800" kern="1200">
           <a:solidFill>
-            <a:schemeClr val="tx1"/>
+            <a:schemeClr val="tx1">
+              <a:lumMod val="85000"/>
+              <a:lumOff val="15000"/>
+            </a:schemeClr>
           </a:solidFill>
           <a:latin typeface="+mn-lt"/>
           <a:ea typeface="+mn-ea"/>
           <a:cs typeface="+mn-cs"/>
         </a:defRPr>
       </a:lvl4pPr>
-      <a:lvl5pPr marL="2057400" indent="-228600" algn="l" defTabSz="914400" rtl="0" eaLnBrk="1" latinLnBrk="0" hangingPunct="1">
+      <a:lvl5pPr marL="1097280" indent="-1097280" algn="l" defTabSz="914400" rtl="0" eaLnBrk="1" latinLnBrk="0" hangingPunct="1">
         <a:lnSpc>
-          <a:spcPct val="90000"/>
+          <a:spcPct val="85000"/>
         </a:lnSpc>
         <a:spcBef>
-          <a:spcPts val="500"/>
+          <a:spcPts val="600"/>
         </a:spcBef>
-        <a:buFont typeface="Arial" panose="020B0604020202020204" pitchFamily="34" charset="0"/>
-        <a:buChar char="•"/>
+        <a:buFont typeface="Arial" pitchFamily="34" charset="0"/>
+        <a:buChar char=" "/>
         <a:defRPr sz="1800" kern="1200">
           <a:solidFill>
-            <a:schemeClr val="tx1"/>
+            <a:schemeClr val="tx1">
+              <a:lumMod val="85000"/>
+              <a:lumOff val="15000"/>
+            </a:schemeClr>
           </a:solidFill>
           <a:latin typeface="+mn-lt"/>
           <a:ea typeface="+mn-ea"/>
           <a:cs typeface="+mn-cs"/>
         </a:defRPr>
       </a:lvl5pPr>
-      <a:lvl6pPr marL="2514600" indent="-228600" algn="l" defTabSz="914400" rtl="0" eaLnBrk="1" latinLnBrk="0" hangingPunct="1">
+      <a:lvl6pPr marL="1200000" indent="-228600" algn="l" defTabSz="914400" rtl="0" eaLnBrk="1" latinLnBrk="0" hangingPunct="1">
         <a:lnSpc>
-          <a:spcPct val="90000"/>
+          <a:spcPct val="85000"/>
         </a:lnSpc>
         <a:spcBef>
-          <a:spcPts val="500"/>
+          <a:spcPts val="600"/>
         </a:spcBef>
-        <a:buFont typeface="Arial" panose="020B0604020202020204" pitchFamily="34" charset="0"/>
-        <a:buChar char="•"/>
+        <a:buFont typeface="Arial" pitchFamily="34" charset="0"/>
+        <a:buChar char=" "/>
         <a:defRPr sz="1800" kern="1200">
           <a:solidFill>
-            <a:schemeClr val="tx1"/>
+            <a:schemeClr val="tx1">
+              <a:lumMod val="85000"/>
+              <a:lumOff val="15000"/>
+            </a:schemeClr>
           </a:solidFill>
           <a:latin typeface="+mn-lt"/>
           <a:ea typeface="+mn-ea"/>
           <a:cs typeface="+mn-cs"/>
         </a:defRPr>
       </a:lvl6pPr>
-      <a:lvl7pPr marL="2971800" indent="-228600" algn="l" defTabSz="914400" rtl="0" eaLnBrk="1" latinLnBrk="0" hangingPunct="1">
+      <a:lvl7pPr marL="1400000" indent="-228600" algn="l" defTabSz="914400" rtl="0" eaLnBrk="1" latinLnBrk="0" hangingPunct="1">
         <a:lnSpc>
-          <a:spcPct val="90000"/>
+          <a:spcPct val="85000"/>
         </a:lnSpc>
         <a:spcBef>
-          <a:spcPts val="500"/>
+          <a:spcPts val="600"/>
         </a:spcBef>
-        <a:buFont typeface="Arial" panose="020B0604020202020204" pitchFamily="34" charset="0"/>
-        <a:buChar char="•"/>
+        <a:buFont typeface="Arial" pitchFamily="34" charset="0"/>
+        <a:buChar char=" "/>
         <a:defRPr sz="1800" kern="1200">
           <a:solidFill>
-            <a:schemeClr val="tx1"/>
+            <a:schemeClr val="tx1">
+              <a:lumMod val="85000"/>
+              <a:lumOff val="15000"/>
+            </a:schemeClr>
           </a:solidFill>
           <a:latin typeface="+mn-lt"/>
           <a:ea typeface="+mn-ea"/>
           <a:cs typeface="+mn-cs"/>
         </a:defRPr>
       </a:lvl7pPr>
-      <a:lvl8pPr marL="3429000" indent="-228600" algn="l" defTabSz="914400" rtl="0" eaLnBrk="1" latinLnBrk="0" hangingPunct="1">
+      <a:lvl8pPr marL="1600000" indent="-228600" algn="l" defTabSz="914400" rtl="0" eaLnBrk="1" latinLnBrk="0" hangingPunct="1">
         <a:lnSpc>
-          <a:spcPct val="90000"/>
+          <a:spcPct val="85000"/>
         </a:lnSpc>
         <a:spcBef>
-          <a:spcPts val="500"/>
+          <a:spcPts val="600"/>
         </a:spcBef>
-        <a:buFont typeface="Arial" panose="020B0604020202020204" pitchFamily="34" charset="0"/>
-        <a:buChar char="•"/>
+        <a:buFont typeface="Arial" pitchFamily="34" charset="0"/>
+        <a:buChar char=" "/>
         <a:defRPr sz="1800" kern="1200">
           <a:solidFill>
-            <a:schemeClr val="tx1"/>
+            <a:schemeClr val="tx1">
+              <a:lumMod val="85000"/>
+              <a:lumOff val="15000"/>
+            </a:schemeClr>
           </a:solidFill>
           <a:latin typeface="+mn-lt"/>
           <a:ea typeface="+mn-ea"/>
           <a:cs typeface="+mn-cs"/>
         </a:defRPr>
       </a:lvl8pPr>
-      <a:lvl9pPr marL="3886200" indent="-228600" algn="l" defTabSz="914400" rtl="0" eaLnBrk="1" latinLnBrk="0" hangingPunct="1">
+      <a:lvl9pPr marL="1800000" indent="-228600" algn="l" defTabSz="914400" rtl="0" eaLnBrk="1" latinLnBrk="0" hangingPunct="1">
         <a:lnSpc>
-          <a:spcPct val="90000"/>
+          <a:spcPct val="85000"/>
         </a:lnSpc>
         <a:spcBef>
-          <a:spcPts val="500"/>
+          <a:spcPts val="600"/>
         </a:spcBef>
-        <a:buFont typeface="Arial" panose="020B0604020202020204" pitchFamily="34" charset="0"/>
-        <a:buChar char="•"/>
+        <a:buFont typeface="Arial" pitchFamily="34" charset="0"/>
+        <a:buChar char=" "/>
         <a:defRPr sz="1800" kern="1200">
           <a:solidFill>
-            <a:schemeClr val="tx1"/>
+            <a:schemeClr val="tx1">
+              <a:lumMod val="85000"/>
+              <a:lumOff val="15000"/>
+            </a:schemeClr>
           </a:solidFill>
           <a:latin typeface="+mn-lt"/>
           <a:ea typeface="+mn-ea"/>
@@ -3331,7 +3405,7 @@
           <p:cNvPr id="2" name="Title 1">
             <a:extLst>
               <a:ext uri="{FF2B5EF4-FFF2-40B4-BE49-F238E27FC236}">
-                <a16:creationId xmlns:a16="http://schemas.microsoft.com/office/drawing/2014/main" id="{7D2CE31C-4A02-B7D0-9237-C50B9DE8A49D}"/>
+                <a16:creationId xmlns:a16="http://schemas.microsoft.com/office/drawing/2014/main" id="{7B6B2440-FD6F-A6E4-1697-149A61924BA9}"/>
               </a:ext>
             </a:extLst>
           </p:cNvPr>
@@ -3339,24 +3413,38 @@
             <a:spLocks noGrp="1"/>
           </p:cNvSpPr>
           <p:nvPr>
-            <p:ph type="ctrTitle"/>
-          </p:nvPr>
-        </p:nvSpPr>
-        <p:spPr/>
-        <p:txBody>
-          <a:bodyPr/>
-          <a:lstStyle/>
-          <a:p>
-            <a:endParaRPr lang="en-US" dirty="0"/>
-          </a:p>
-        </p:txBody>
-      </p:sp>
-      <p:sp>
-        <p:nvSpPr>
-          <p:cNvPr id="3" name="Subtitle 2">
+            <p:ph type="title"/>
+          </p:nvPr>
+        </p:nvSpPr>
+        <p:spPr>
+          <a:xfrm>
+            <a:off x="838200" y="365125"/>
+            <a:ext cx="10515600" cy="1732616"/>
+          </a:xfrm>
+        </p:spPr>
+        <p:txBody>
+          <a:bodyPr>
+            <a:normAutofit/>
+          </a:bodyPr>
+          <a:lstStyle/>
+          <a:p>
+            <a:pPr algn="ctr"/>
+            <a:r>
+              <a:rPr lang="en-US" sz="5400" b="1" dirty="0">
+                <a:latin typeface="Times New Roman" panose="02020603050405020304" pitchFamily="18" charset="0"/>
+                <a:cs typeface="Times New Roman" panose="02020603050405020304" pitchFamily="18" charset="0"/>
+              </a:rPr>
+              <a:t>Aviation Data Analysis</a:t>
+            </a:r>
+          </a:p>
+        </p:txBody>
+      </p:sp>
+      <p:sp>
+        <p:nvSpPr>
+          <p:cNvPr id="3" name="Content Placeholder 2">
             <a:extLst>
               <a:ext uri="{FF2B5EF4-FFF2-40B4-BE49-F238E27FC236}">
-                <a16:creationId xmlns:a16="http://schemas.microsoft.com/office/drawing/2014/main" id="{1E2702EB-B3CE-39C9-8DB4-21222D4F480F}"/>
+                <a16:creationId xmlns:a16="http://schemas.microsoft.com/office/drawing/2014/main" id="{7FCDC0C3-82D3-B799-C862-B74D2C7434AD}"/>
               </a:ext>
             </a:extLst>
           </p:cNvPr>
@@ -3364,22 +3452,588 @@
             <a:spLocks noGrp="1"/>
           </p:cNvSpPr>
           <p:nvPr>
-            <p:ph type="subTitle" idx="1"/>
-          </p:nvPr>
-        </p:nvSpPr>
-        <p:spPr/>
-        <p:txBody>
-          <a:bodyPr/>
-          <a:lstStyle/>
-          <a:p>
-            <a:endParaRPr lang="en-US"/>
+            <p:ph idx="1"/>
+          </p:nvPr>
+        </p:nvSpPr>
+        <p:spPr>
+          <a:xfrm>
+            <a:off x="838200" y="2205317"/>
+            <a:ext cx="10515600" cy="3971645"/>
+          </a:xfrm>
+        </p:spPr>
+        <p:txBody>
+          <a:bodyPr>
+            <a:normAutofit/>
+          </a:bodyPr>
+          <a:lstStyle/>
+          <a:p>
+            <a:pPr marL="0" indent="0" algn="ctr">
+              <a:buNone/>
+            </a:pPr>
+            <a:r>
+              <a:rPr lang="en-US" sz="3200" dirty="0">
+                <a:latin typeface="Times New Roman" panose="02020603050405020304" pitchFamily="18" charset="0"/>
+                <a:cs typeface="Times New Roman" panose="02020603050405020304" pitchFamily="18" charset="0"/>
+              </a:rPr>
+              <a:t>Student: Franciscar Ndanu </a:t>
+            </a:r>
+            <a:r>
+              <a:rPr lang="en-US" sz="3200" dirty="0" err="1">
+                <a:latin typeface="Times New Roman" panose="02020603050405020304" pitchFamily="18" charset="0"/>
+                <a:cs typeface="Times New Roman" panose="02020603050405020304" pitchFamily="18" charset="0"/>
+              </a:rPr>
+              <a:t>Mutie</a:t>
+            </a:r>
+            <a:endParaRPr lang="en-US" sz="3200" dirty="0">
+              <a:latin typeface="Times New Roman" panose="02020603050405020304" pitchFamily="18" charset="0"/>
+              <a:cs typeface="Times New Roman" panose="02020603050405020304" pitchFamily="18" charset="0"/>
+            </a:endParaRPr>
+          </a:p>
+          <a:p>
+            <a:pPr marL="0" indent="0" algn="ctr">
+              <a:buNone/>
+            </a:pPr>
+            <a:r>
+              <a:rPr lang="en-US" sz="3200" dirty="0">
+                <a:latin typeface="Times New Roman" panose="02020603050405020304" pitchFamily="18" charset="0"/>
+                <a:cs typeface="Times New Roman" panose="02020603050405020304" pitchFamily="18" charset="0"/>
+              </a:rPr>
+              <a:t>Class: DSF-PT08P1</a:t>
+            </a:r>
           </a:p>
         </p:txBody>
       </p:sp>
     </p:spTree>
     <p:extLst>
       <p:ext uri="{BB962C8B-B14F-4D97-AF65-F5344CB8AC3E}">
-        <p14:creationId xmlns:p14="http://schemas.microsoft.com/office/powerpoint/2010/main" val="3881305370"/>
+        <p14:creationId xmlns:p14="http://schemas.microsoft.com/office/powerpoint/2010/main" val="3448672516"/>
+      </p:ext>
+    </p:extLst>
+  </p:cSld>
+  <p:clrMapOvr>
+    <a:masterClrMapping/>
+  </p:clrMapOvr>
+</p:sld>
+</file>
+
+<file path=ppt/slides/slide10.xml><?xml version="1.0" encoding="utf-8"?>
+<p:sld xmlns:a="http://schemas.openxmlformats.org/drawingml/2006/main" xmlns:r="http://schemas.openxmlformats.org/officeDocument/2006/relationships" xmlns:p="http://schemas.openxmlformats.org/presentationml/2006/main">
+  <p:cSld>
+    <p:spTree>
+      <p:nvGrpSpPr>
+        <p:cNvPr id="1" name=""/>
+        <p:cNvGrpSpPr/>
+        <p:nvPr/>
+      </p:nvGrpSpPr>
+      <p:grpSpPr>
+        <a:xfrm>
+          <a:off x="0" y="0"/>
+          <a:ext cx="0" cy="0"/>
+          <a:chOff x="0" y="0"/>
+          <a:chExt cx="0" cy="0"/>
+        </a:xfrm>
+      </p:grpSpPr>
+      <p:sp>
+        <p:nvSpPr>
+          <p:cNvPr id="2" name="Title 1">
+            <a:extLst>
+              <a:ext uri="{FF2B5EF4-FFF2-40B4-BE49-F238E27FC236}">
+                <a16:creationId xmlns:a16="http://schemas.microsoft.com/office/drawing/2014/main" id="{C914B5F4-5236-E3D4-F581-36D5149E80EF}"/>
+              </a:ext>
+            </a:extLst>
+          </p:cNvPr>
+          <p:cNvSpPr>
+            <a:spLocks noGrp="1"/>
+          </p:cNvSpPr>
+          <p:nvPr>
+            <p:ph type="title"/>
+          </p:nvPr>
+        </p:nvSpPr>
+        <p:spPr>
+          <a:xfrm>
+            <a:off x="1451579" y="443754"/>
+            <a:ext cx="9603275" cy="739588"/>
+          </a:xfrm>
+        </p:spPr>
+        <p:txBody>
+          <a:bodyPr>
+            <a:normAutofit fontScale="90000"/>
+          </a:bodyPr>
+          <a:lstStyle/>
+          <a:p>
+            <a:r>
+              <a:rPr lang="en-US" b="1" dirty="0">
+                <a:latin typeface="Times New Roman" panose="02020603050405020304" pitchFamily="18" charset="0"/>
+                <a:cs typeface="Times New Roman" panose="02020603050405020304" pitchFamily="18" charset="0"/>
+              </a:rPr>
+              <a:t>Key Findings</a:t>
+            </a:r>
+          </a:p>
+        </p:txBody>
+      </p:sp>
+      <p:sp>
+        <p:nvSpPr>
+          <p:cNvPr id="3" name="Content Placeholder 2">
+            <a:extLst>
+              <a:ext uri="{FF2B5EF4-FFF2-40B4-BE49-F238E27FC236}">
+                <a16:creationId xmlns:a16="http://schemas.microsoft.com/office/drawing/2014/main" id="{4D547E03-25A9-F1DA-8BF9-9A285F244150}"/>
+              </a:ext>
+            </a:extLst>
+          </p:cNvPr>
+          <p:cNvSpPr>
+            <a:spLocks noGrp="1"/>
+          </p:cNvSpPr>
+          <p:nvPr>
+            <p:ph idx="1"/>
+          </p:nvPr>
+        </p:nvSpPr>
+        <p:spPr>
+          <a:xfrm>
+            <a:off x="753762" y="1183342"/>
+            <a:ext cx="10301093" cy="5365739"/>
+          </a:xfrm>
+        </p:spPr>
+        <p:txBody>
+          <a:bodyPr>
+            <a:noAutofit/>
+          </a:bodyPr>
+          <a:lstStyle/>
+          <a:p>
+            <a:pPr>
+              <a:buFont typeface="Wingdings" panose="05000000000000000000" pitchFamily="2" charset="2"/>
+              <a:buChar char="v"/>
+            </a:pPr>
+            <a:r>
+              <a:rPr lang="en-US" sz="2600" dirty="0">
+                <a:latin typeface="Times New Roman" panose="02020603050405020304" pitchFamily="18" charset="0"/>
+                <a:cs typeface="Times New Roman" panose="02020603050405020304" pitchFamily="18" charset="0"/>
+              </a:rPr>
+              <a:t>Based on the analysis, Air, </a:t>
+            </a:r>
+            <a:r>
+              <a:rPr lang="en-US" sz="2600" dirty="0" err="1">
+                <a:latin typeface="Times New Roman" panose="02020603050405020304" pitchFamily="18" charset="0"/>
+                <a:cs typeface="Times New Roman" panose="02020603050405020304" pitchFamily="18" charset="0"/>
+              </a:rPr>
+              <a:t>Bellanca</a:t>
+            </a:r>
+            <a:r>
+              <a:rPr lang="en-US" sz="2600" dirty="0">
+                <a:latin typeface="Times New Roman" panose="02020603050405020304" pitchFamily="18" charset="0"/>
+                <a:cs typeface="Times New Roman" panose="02020603050405020304" pitchFamily="18" charset="0"/>
+              </a:rPr>
+              <a:t>, Robinson, Grumman and  Mooney, aircraft makes show consistently lower injury rates compared to others</a:t>
+            </a:r>
+          </a:p>
+          <a:p>
+            <a:pPr>
+              <a:buFont typeface="Wingdings" panose="05000000000000000000" pitchFamily="2" charset="2"/>
+              <a:buChar char="v"/>
+            </a:pPr>
+            <a:r>
+              <a:rPr lang="en-US" sz="2600" dirty="0">
+                <a:latin typeface="Times New Roman" panose="02020603050405020304" pitchFamily="18" charset="0"/>
+                <a:cs typeface="Times New Roman" panose="02020603050405020304" pitchFamily="18" charset="0"/>
+              </a:rPr>
+              <a:t>Common causes: </a:t>
+            </a:r>
+          </a:p>
+          <a:p>
+            <a:pPr marL="891540" lvl="4" indent="-342900">
+              <a:buFont typeface="Wingdings" panose="05000000000000000000" pitchFamily="2" charset="2"/>
+              <a:buChar char="§"/>
+            </a:pPr>
+            <a:r>
+              <a:rPr lang="en-US" sz="2600" dirty="0">
+                <a:latin typeface="Times New Roman" panose="02020603050405020304" pitchFamily="18" charset="0"/>
+                <a:cs typeface="Times New Roman" panose="02020603050405020304" pitchFamily="18" charset="0"/>
+              </a:rPr>
+              <a:t>Personal flights were observed to have higher injury rates followed by instructional flights. </a:t>
+            </a:r>
+          </a:p>
+          <a:p>
+            <a:pPr marL="891540" lvl="4" indent="-342900">
+              <a:buFont typeface="Wingdings" panose="05000000000000000000" pitchFamily="2" charset="2"/>
+              <a:buChar char="§"/>
+            </a:pPr>
+            <a:r>
+              <a:rPr lang="en-US" sz="2600" dirty="0">
+                <a:latin typeface="Times New Roman" panose="02020603050405020304" pitchFamily="18" charset="0"/>
+                <a:cs typeface="Times New Roman" panose="02020603050405020304" pitchFamily="18" charset="0"/>
+              </a:rPr>
+              <a:t>A majority of accidents occur under Visual Meteorological Conditions (VMC) rather than Instrument Meteorological Conditions (IMC) or Unknown conditions.</a:t>
+            </a:r>
+          </a:p>
+          <a:p>
+            <a:pPr lvl="2">
+              <a:buFont typeface="Wingdings" panose="05000000000000000000" pitchFamily="2" charset="2"/>
+              <a:buChar char="v"/>
+            </a:pPr>
+            <a:endParaRPr lang="en-US" sz="2600" dirty="0">
+              <a:latin typeface="Times New Roman" panose="02020603050405020304" pitchFamily="18" charset="0"/>
+              <a:cs typeface="Times New Roman" panose="02020603050405020304" pitchFamily="18" charset="0"/>
+            </a:endParaRPr>
+          </a:p>
+          <a:p>
+            <a:pPr>
+              <a:buFont typeface="Wingdings" panose="05000000000000000000" pitchFamily="2" charset="2"/>
+              <a:buChar char="v"/>
+            </a:pPr>
+            <a:r>
+              <a:rPr lang="en-US" sz="2600" dirty="0">
+                <a:latin typeface="Times New Roman" panose="02020603050405020304" pitchFamily="18" charset="0"/>
+                <a:cs typeface="Times New Roman" panose="02020603050405020304" pitchFamily="18" charset="0"/>
+              </a:rPr>
+              <a:t>The geographical analysis of injury severity highlights states where aviation-related accidents and injuries are more frequent. Certain areas show higher injury rates, potentially due to environmental conditions, air traffic, or regulatory differences.</a:t>
+            </a:r>
+          </a:p>
+          <a:p>
+            <a:endParaRPr lang="en-US" dirty="0">
+              <a:latin typeface="Times New Roman" panose="02020603050405020304" pitchFamily="18" charset="0"/>
+              <a:cs typeface="Times New Roman" panose="02020603050405020304" pitchFamily="18" charset="0"/>
+            </a:endParaRPr>
+          </a:p>
+          <a:p>
+            <a:endParaRPr lang="en-US" dirty="0">
+              <a:latin typeface="Times New Roman" panose="02020603050405020304" pitchFamily="18" charset="0"/>
+              <a:cs typeface="Times New Roman" panose="02020603050405020304" pitchFamily="18" charset="0"/>
+            </a:endParaRPr>
+          </a:p>
+        </p:txBody>
+      </p:sp>
+    </p:spTree>
+    <p:extLst>
+      <p:ext uri="{BB962C8B-B14F-4D97-AF65-F5344CB8AC3E}">
+        <p14:creationId xmlns:p14="http://schemas.microsoft.com/office/powerpoint/2010/main" val="3129107501"/>
+      </p:ext>
+    </p:extLst>
+  </p:cSld>
+  <p:clrMapOvr>
+    <a:masterClrMapping/>
+  </p:clrMapOvr>
+</p:sld>
+</file>
+
+<file path=ppt/slides/slide11.xml><?xml version="1.0" encoding="utf-8"?>
+<p:sld xmlns:a="http://schemas.openxmlformats.org/drawingml/2006/main" xmlns:r="http://schemas.openxmlformats.org/officeDocument/2006/relationships" xmlns:p="http://schemas.openxmlformats.org/presentationml/2006/main">
+  <p:cSld>
+    <p:spTree>
+      <p:nvGrpSpPr>
+        <p:cNvPr id="1" name=""/>
+        <p:cNvGrpSpPr/>
+        <p:nvPr/>
+      </p:nvGrpSpPr>
+      <p:grpSpPr>
+        <a:xfrm>
+          <a:off x="0" y="0"/>
+          <a:ext cx="0" cy="0"/>
+          <a:chOff x="0" y="0"/>
+          <a:chExt cx="0" cy="0"/>
+        </a:xfrm>
+      </p:grpSpPr>
+      <p:sp>
+        <p:nvSpPr>
+          <p:cNvPr id="2" name="Title 1">
+            <a:extLst>
+              <a:ext uri="{FF2B5EF4-FFF2-40B4-BE49-F238E27FC236}">
+                <a16:creationId xmlns:a16="http://schemas.microsoft.com/office/drawing/2014/main" id="{CA33AED9-7D2C-DA23-1725-0DDE42B042CC}"/>
+              </a:ext>
+            </a:extLst>
+          </p:cNvPr>
+          <p:cNvSpPr>
+            <a:spLocks noGrp="1"/>
+          </p:cNvSpPr>
+          <p:nvPr>
+            <p:ph type="title"/>
+          </p:nvPr>
+        </p:nvSpPr>
+        <p:spPr>
+          <a:xfrm>
+            <a:off x="838200" y="365126"/>
+            <a:ext cx="10515600" cy="710640"/>
+          </a:xfrm>
+        </p:spPr>
+        <p:txBody>
+          <a:bodyPr>
+            <a:normAutofit fontScale="90000"/>
+          </a:bodyPr>
+          <a:lstStyle/>
+          <a:p>
+            <a:r>
+              <a:rPr lang="en-US" b="1" dirty="0">
+                <a:latin typeface="Times New Roman" panose="02020603050405020304" pitchFamily="18" charset="0"/>
+                <a:cs typeface="Times New Roman" panose="02020603050405020304" pitchFamily="18" charset="0"/>
+              </a:rPr>
+              <a:t>Conclusions</a:t>
+            </a:r>
+          </a:p>
+        </p:txBody>
+      </p:sp>
+      <p:sp>
+        <p:nvSpPr>
+          <p:cNvPr id="3" name="Content Placeholder 2">
+            <a:extLst>
+              <a:ext uri="{FF2B5EF4-FFF2-40B4-BE49-F238E27FC236}">
+                <a16:creationId xmlns:a16="http://schemas.microsoft.com/office/drawing/2014/main" id="{FD0BA557-C9E6-463F-CE55-D1509E5B5BE4}"/>
+              </a:ext>
+            </a:extLst>
+          </p:cNvPr>
+          <p:cNvSpPr>
+            <a:spLocks noGrp="1"/>
+          </p:cNvSpPr>
+          <p:nvPr>
+            <p:ph idx="1"/>
+          </p:nvPr>
+        </p:nvSpPr>
+        <p:spPr>
+          <a:xfrm>
+            <a:off x="838200" y="1317812"/>
+            <a:ext cx="10515600" cy="4859151"/>
+          </a:xfrm>
+        </p:spPr>
+        <p:txBody>
+          <a:bodyPr>
+            <a:normAutofit/>
+          </a:bodyPr>
+          <a:lstStyle/>
+          <a:p>
+            <a:pPr marL="514350" indent="-514350">
+              <a:buFont typeface="+mj-lt"/>
+              <a:buAutoNum type="arabicPeriod"/>
+            </a:pPr>
+            <a:r>
+              <a:rPr lang="en-US" dirty="0">
+                <a:latin typeface="Times New Roman" panose="02020603050405020304" pitchFamily="18" charset="0"/>
+                <a:cs typeface="Times New Roman" panose="02020603050405020304" pitchFamily="18" charset="0"/>
+              </a:rPr>
+              <a:t>Focus on Low-Injury Aircraft Makes</a:t>
+            </a:r>
+          </a:p>
+          <a:p>
+            <a:pPr marL="514350" indent="-514350">
+              <a:buFont typeface="+mj-lt"/>
+              <a:buAutoNum type="arabicPeriod"/>
+            </a:pPr>
+            <a:r>
+              <a:rPr lang="en-US" dirty="0">
+                <a:latin typeface="Times New Roman" panose="02020603050405020304" pitchFamily="18" charset="0"/>
+                <a:cs typeface="Times New Roman" panose="02020603050405020304" pitchFamily="18" charset="0"/>
+              </a:rPr>
+              <a:t>Establish advanced training programs for pilots and any personnel affiliated to the aviation industry</a:t>
+            </a:r>
+          </a:p>
+          <a:p>
+            <a:pPr marL="514350" indent="-514350">
+              <a:buFont typeface="+mj-lt"/>
+              <a:buAutoNum type="arabicPeriod"/>
+            </a:pPr>
+            <a:r>
+              <a:rPr lang="en-US" dirty="0">
+                <a:latin typeface="Times New Roman" panose="02020603050405020304" pitchFamily="18" charset="0"/>
+                <a:cs typeface="Times New Roman" panose="02020603050405020304" pitchFamily="18" charset="0"/>
+              </a:rPr>
+              <a:t>Operate in regions with lower accident and injury rates. Avoid high-risk states, and prioritize markets where the probability of injury is lower. This can lower maintenance costs, increase safety compliance, and provide a smoother entry into the aviation market.</a:t>
+            </a:r>
+          </a:p>
+        </p:txBody>
+      </p:sp>
+    </p:spTree>
+    <p:extLst>
+      <p:ext uri="{BB962C8B-B14F-4D97-AF65-F5344CB8AC3E}">
+        <p14:creationId xmlns:p14="http://schemas.microsoft.com/office/powerpoint/2010/main" val="3512570928"/>
+      </p:ext>
+    </p:extLst>
+  </p:cSld>
+  <p:clrMapOvr>
+    <a:masterClrMapping/>
+  </p:clrMapOvr>
+</p:sld>
+</file>
+
+<file path=ppt/slides/slide12.xml><?xml version="1.0" encoding="utf-8"?>
+<p:sld xmlns:a="http://schemas.openxmlformats.org/drawingml/2006/main" xmlns:r="http://schemas.openxmlformats.org/officeDocument/2006/relationships" xmlns:p="http://schemas.openxmlformats.org/presentationml/2006/main">
+  <p:cSld>
+    <p:spTree>
+      <p:nvGrpSpPr>
+        <p:cNvPr id="1" name=""/>
+        <p:cNvGrpSpPr/>
+        <p:nvPr/>
+      </p:nvGrpSpPr>
+      <p:grpSpPr>
+        <a:xfrm>
+          <a:off x="0" y="0"/>
+          <a:ext cx="0" cy="0"/>
+          <a:chOff x="0" y="0"/>
+          <a:chExt cx="0" cy="0"/>
+        </a:xfrm>
+      </p:grpSpPr>
+      <p:sp>
+        <p:nvSpPr>
+          <p:cNvPr id="2" name="Title 1">
+            <a:extLst>
+              <a:ext uri="{FF2B5EF4-FFF2-40B4-BE49-F238E27FC236}">
+                <a16:creationId xmlns:a16="http://schemas.microsoft.com/office/drawing/2014/main" id="{157628EB-4321-D3CC-410B-348EDA8B3B8A}"/>
+              </a:ext>
+            </a:extLst>
+          </p:cNvPr>
+          <p:cNvSpPr>
+            <a:spLocks noGrp="1"/>
+          </p:cNvSpPr>
+          <p:nvPr>
+            <p:ph type="title"/>
+          </p:nvPr>
+        </p:nvSpPr>
+        <p:spPr>
+          <a:xfrm>
+            <a:off x="1210962" y="499533"/>
+            <a:ext cx="10219037" cy="674359"/>
+          </a:xfrm>
+        </p:spPr>
+        <p:txBody>
+          <a:bodyPr>
+            <a:normAutofit fontScale="90000"/>
+          </a:bodyPr>
+          <a:lstStyle/>
+          <a:p>
+            <a:r>
+              <a:rPr lang="en-US" b="1" dirty="0">
+                <a:latin typeface="Times New Roman" panose="02020603050405020304" pitchFamily="18" charset="0"/>
+                <a:cs typeface="Times New Roman" panose="02020603050405020304" pitchFamily="18" charset="0"/>
+              </a:rPr>
+              <a:t>Recommendations</a:t>
+            </a:r>
+          </a:p>
+        </p:txBody>
+      </p:sp>
+      <p:sp>
+        <p:nvSpPr>
+          <p:cNvPr id="3" name="Content Placeholder 2">
+            <a:extLst>
+              <a:ext uri="{FF2B5EF4-FFF2-40B4-BE49-F238E27FC236}">
+                <a16:creationId xmlns:a16="http://schemas.microsoft.com/office/drawing/2014/main" id="{1FBAD9A4-B64E-9681-5A70-B2E13D72E470}"/>
+              </a:ext>
+            </a:extLst>
+          </p:cNvPr>
+          <p:cNvSpPr>
+            <a:spLocks noGrp="1"/>
+          </p:cNvSpPr>
+          <p:nvPr>
+            <p:ph idx="1"/>
+          </p:nvPr>
+        </p:nvSpPr>
+        <p:spPr>
+          <a:xfrm>
+            <a:off x="838200" y="1532965"/>
+            <a:ext cx="10515600" cy="4643998"/>
+          </a:xfrm>
+        </p:spPr>
+        <p:txBody>
+          <a:bodyPr>
+            <a:normAutofit/>
+          </a:bodyPr>
+          <a:lstStyle/>
+          <a:p>
+            <a:r>
+              <a:rPr lang="en-US" dirty="0">
+                <a:latin typeface="Times New Roman" panose="02020603050405020304" pitchFamily="18" charset="0"/>
+                <a:cs typeface="Times New Roman" panose="02020603050405020304" pitchFamily="18" charset="0"/>
+              </a:rPr>
+              <a:t>Choose safer aircraft models based on lower injury rates.</a:t>
+            </a:r>
+          </a:p>
+          <a:p>
+            <a:r>
+              <a:rPr lang="en-US" dirty="0">
+                <a:latin typeface="Times New Roman" panose="02020603050405020304" pitchFamily="18" charset="0"/>
+                <a:cs typeface="Times New Roman" panose="02020603050405020304" pitchFamily="18" charset="0"/>
+              </a:rPr>
+              <a:t>Implement safety measures targeting common causes of injuries (e.g., weather, mechanical issues).</a:t>
+            </a:r>
+          </a:p>
+          <a:p>
+            <a:r>
+              <a:rPr lang="en-US" dirty="0">
+                <a:latin typeface="Times New Roman" panose="02020603050405020304" pitchFamily="18" charset="0"/>
+                <a:cs typeface="Times New Roman" panose="02020603050405020304" pitchFamily="18" charset="0"/>
+              </a:rPr>
+              <a:t>Focus operations in regions with lower injury risks to minimize exposure to accidents.</a:t>
+            </a:r>
+          </a:p>
+        </p:txBody>
+      </p:sp>
+    </p:spTree>
+    <p:extLst>
+      <p:ext uri="{BB962C8B-B14F-4D97-AF65-F5344CB8AC3E}">
+        <p14:creationId xmlns:p14="http://schemas.microsoft.com/office/powerpoint/2010/main" val="426327640"/>
+      </p:ext>
+    </p:extLst>
+  </p:cSld>
+  <p:clrMapOvr>
+    <a:masterClrMapping/>
+  </p:clrMapOvr>
+</p:sld>
+</file>
+
+<file path=ppt/slides/slide13.xml><?xml version="1.0" encoding="utf-8"?>
+<p:sld xmlns:a="http://schemas.openxmlformats.org/drawingml/2006/main" xmlns:r="http://schemas.openxmlformats.org/officeDocument/2006/relationships" xmlns:p="http://schemas.openxmlformats.org/presentationml/2006/main">
+  <p:cSld>
+    <p:spTree>
+      <p:nvGrpSpPr>
+        <p:cNvPr id="1" name=""/>
+        <p:cNvGrpSpPr/>
+        <p:nvPr/>
+      </p:nvGrpSpPr>
+      <p:grpSpPr>
+        <a:xfrm>
+          <a:off x="0" y="0"/>
+          <a:ext cx="0" cy="0"/>
+          <a:chOff x="0" y="0"/>
+          <a:chExt cx="0" cy="0"/>
+        </a:xfrm>
+      </p:grpSpPr>
+      <p:sp>
+        <p:nvSpPr>
+          <p:cNvPr id="2" name="Title 1">
+            <a:extLst>
+              <a:ext uri="{FF2B5EF4-FFF2-40B4-BE49-F238E27FC236}">
+                <a16:creationId xmlns:a16="http://schemas.microsoft.com/office/drawing/2014/main" id="{FA4B1066-C7EF-B1B6-89C5-B916FE72402E}"/>
+              </a:ext>
+            </a:extLst>
+          </p:cNvPr>
+          <p:cNvSpPr>
+            <a:spLocks noGrp="1"/>
+          </p:cNvSpPr>
+          <p:nvPr>
+            <p:ph type="title"/>
+          </p:nvPr>
+        </p:nvSpPr>
+        <p:spPr>
+          <a:xfrm>
+            <a:off x="630195" y="365125"/>
+            <a:ext cx="10723605" cy="5776183"/>
+          </a:xfrm>
+        </p:spPr>
+        <p:txBody>
+          <a:bodyPr>
+            <a:normAutofit/>
+          </a:bodyPr>
+          <a:lstStyle/>
+          <a:p>
+            <a:pPr algn="ctr"/>
+            <a:r>
+              <a:rPr lang="en-US" b="1" dirty="0">
+                <a:latin typeface="Times New Roman" panose="02020603050405020304" pitchFamily="18" charset="0"/>
+                <a:cs typeface="Times New Roman" panose="02020603050405020304" pitchFamily="18" charset="0"/>
+              </a:rPr>
+              <a:t>Thank You!</a:t>
+            </a:r>
+          </a:p>
+        </p:txBody>
+      </p:sp>
+    </p:spTree>
+    <p:extLst>
+      <p:ext uri="{BB962C8B-B14F-4D97-AF65-F5344CB8AC3E}">
+        <p14:creationId xmlns:p14="http://schemas.microsoft.com/office/powerpoint/2010/main" val="2020276160"/>
       </p:ext>
     </p:extLst>
   </p:cSld>
@@ -3411,7 +4065,7 @@
           <p:cNvPr id="2" name="Title 1">
             <a:extLst>
               <a:ext uri="{FF2B5EF4-FFF2-40B4-BE49-F238E27FC236}">
-                <a16:creationId xmlns:a16="http://schemas.microsoft.com/office/drawing/2014/main" id="{8A7290AB-FD98-7E09-5039-CCA472EEBAA6}"/>
+                <a16:creationId xmlns:a16="http://schemas.microsoft.com/office/drawing/2014/main" id="{7D2CE31C-4A02-B7D0-9237-C50B9DE8A49D}"/>
               </a:ext>
             </a:extLst>
           </p:cNvPr>
@@ -3422,24 +4076,35 @@
             <p:ph type="title"/>
           </p:nvPr>
         </p:nvSpPr>
-        <p:spPr/>
-        <p:txBody>
-          <a:bodyPr/>
-          <a:lstStyle/>
-          <a:p>
-            <a:r>
-              <a:rPr lang="en-US" dirty="0"/>
-              <a:t>Background</a:t>
-            </a:r>
-          </a:p>
-        </p:txBody>
-      </p:sp>
-      <p:sp>
-        <p:nvSpPr>
-          <p:cNvPr id="3" name="Content Placeholder 2">
+        <p:spPr>
+          <a:xfrm>
+            <a:off x="1484311" y="685800"/>
+            <a:ext cx="10018713" cy="1390135"/>
+          </a:xfrm>
+        </p:spPr>
+        <p:txBody>
+          <a:bodyPr>
+            <a:normAutofit/>
+          </a:bodyPr>
+          <a:lstStyle/>
+          <a:p>
+            <a:pPr algn="l"/>
+            <a:r>
+              <a:rPr lang="en-US" sz="4400" b="1" dirty="0">
+                <a:latin typeface="Times New Roman" panose="02020603050405020304" pitchFamily="18" charset="0"/>
+                <a:cs typeface="Times New Roman" panose="02020603050405020304" pitchFamily="18" charset="0"/>
+              </a:rPr>
+              <a:t>Overview</a:t>
+            </a:r>
+          </a:p>
+        </p:txBody>
+      </p:sp>
+      <p:sp>
+        <p:nvSpPr>
+          <p:cNvPr id="3" name="Subtitle 2">
             <a:extLst>
               <a:ext uri="{FF2B5EF4-FFF2-40B4-BE49-F238E27FC236}">
-                <a16:creationId xmlns:a16="http://schemas.microsoft.com/office/drawing/2014/main" id="{90D3E9B3-7F85-7945-58AB-2458086E59B5}"/>
+                <a16:creationId xmlns:a16="http://schemas.microsoft.com/office/drawing/2014/main" id="{1E2702EB-B3CE-39C9-8DB4-21222D4F480F}"/>
               </a:ext>
             </a:extLst>
           </p:cNvPr>
@@ -3450,14 +4115,113 @@
             <p:ph idx="1"/>
           </p:nvPr>
         </p:nvSpPr>
-        <p:spPr/>
-        <p:txBody>
-          <a:bodyPr/>
-          <a:lstStyle/>
-          <a:p>
-            <a:r>
-              <a:rPr lang="en-US" dirty="0"/>
-              <a:t>Your company is expanding in to new industries to diversify its portfolio. Specifically, they are interested in purchasing and operating airplanes for commercial and private enterprises, but do not know anything about the potential risks of aircraft. You are charged with determining which aircraft are the lowest risk for the company to start this new business endeavor. You must then translate your findings into actionable insights that the head of the new aviation division can use to help decide which aircraft to purchase.</a:t>
+        <p:spPr>
+          <a:xfrm>
+            <a:off x="1484310" y="1804087"/>
+            <a:ext cx="10018713" cy="3987114"/>
+          </a:xfrm>
+        </p:spPr>
+        <p:txBody>
+          <a:bodyPr>
+            <a:normAutofit/>
+          </a:bodyPr>
+          <a:lstStyle/>
+          <a:p>
+            <a:pPr marL="457200" indent="-457200" algn="l">
+              <a:buFont typeface="Wingdings" panose="05000000000000000000" pitchFamily="2" charset="2"/>
+              <a:buChar char="Ø"/>
+            </a:pPr>
+            <a:r>
+              <a:rPr lang="en-US" sz="2800" dirty="0">
+                <a:latin typeface="Times New Roman" panose="02020603050405020304" pitchFamily="18" charset="0"/>
+                <a:cs typeface="Times New Roman" panose="02020603050405020304" pitchFamily="18" charset="0"/>
+              </a:rPr>
+              <a:t>Background</a:t>
+            </a:r>
+          </a:p>
+          <a:p>
+            <a:pPr marL="457200" indent="-457200" algn="l">
+              <a:buFont typeface="Wingdings" panose="05000000000000000000" pitchFamily="2" charset="2"/>
+              <a:buChar char="Ø"/>
+            </a:pPr>
+            <a:r>
+              <a:rPr lang="en-US" sz="2800" dirty="0">
+                <a:latin typeface="Times New Roman" panose="02020603050405020304" pitchFamily="18" charset="0"/>
+                <a:cs typeface="Times New Roman" panose="02020603050405020304" pitchFamily="18" charset="0"/>
+              </a:rPr>
+              <a:t>Problem Statement</a:t>
+            </a:r>
+          </a:p>
+          <a:p>
+            <a:pPr marL="457200" indent="-457200" algn="l">
+              <a:buFont typeface="Wingdings" panose="05000000000000000000" pitchFamily="2" charset="2"/>
+              <a:buChar char="Ø"/>
+            </a:pPr>
+            <a:r>
+              <a:rPr lang="en-US" sz="2800" dirty="0">
+                <a:latin typeface="Times New Roman" panose="02020603050405020304" pitchFamily="18" charset="0"/>
+                <a:cs typeface="Times New Roman" panose="02020603050405020304" pitchFamily="18" charset="0"/>
+              </a:rPr>
+              <a:t>Key Questions</a:t>
+            </a:r>
+          </a:p>
+          <a:p>
+            <a:pPr marL="457200" indent="-457200" algn="l">
+              <a:buFont typeface="Wingdings" panose="05000000000000000000" pitchFamily="2" charset="2"/>
+              <a:buChar char="Ø"/>
+            </a:pPr>
+            <a:r>
+              <a:rPr lang="en-US" sz="2800" dirty="0">
+                <a:latin typeface="Times New Roman" panose="02020603050405020304" pitchFamily="18" charset="0"/>
+                <a:cs typeface="Times New Roman" panose="02020603050405020304" pitchFamily="18" charset="0"/>
+              </a:rPr>
+              <a:t>Data </a:t>
+            </a:r>
+            <a:r>
+              <a:rPr lang="en-US" sz="3300" dirty="0">
+                <a:latin typeface="Times New Roman" panose="02020603050405020304" pitchFamily="18" charset="0"/>
+                <a:cs typeface="Times New Roman" panose="02020603050405020304" pitchFamily="18" charset="0"/>
+              </a:rPr>
+              <a:t>Understanding</a:t>
+            </a:r>
+          </a:p>
+          <a:p>
+            <a:pPr marL="457200" indent="-457200" algn="l">
+              <a:buFont typeface="Wingdings" panose="05000000000000000000" pitchFamily="2" charset="2"/>
+              <a:buChar char="Ø"/>
+            </a:pPr>
+            <a:r>
+              <a:rPr lang="en-US" sz="2800" dirty="0">
+                <a:latin typeface="Times New Roman" panose="02020603050405020304" pitchFamily="18" charset="0"/>
+                <a:cs typeface="Times New Roman" panose="02020603050405020304" pitchFamily="18" charset="0"/>
+              </a:rPr>
+              <a:t>Visualizations</a:t>
+            </a:r>
+          </a:p>
+          <a:p>
+            <a:pPr marL="457200" indent="-457200" algn="l">
+              <a:buFont typeface="Wingdings" panose="05000000000000000000" pitchFamily="2" charset="2"/>
+              <a:buChar char="Ø"/>
+            </a:pPr>
+            <a:r>
+              <a:rPr lang="en-US" sz="2800" dirty="0">
+                <a:latin typeface="Times New Roman" panose="02020603050405020304" pitchFamily="18" charset="0"/>
+                <a:cs typeface="Times New Roman" panose="02020603050405020304" pitchFamily="18" charset="0"/>
+              </a:rPr>
+              <a:t>Conclusions</a:t>
+            </a:r>
+          </a:p>
+          <a:p>
+            <a:pPr marL="457200" indent="-457200" algn="l">
+              <a:buFont typeface="Wingdings" panose="05000000000000000000" pitchFamily="2" charset="2"/>
+              <a:buChar char="Ø"/>
+            </a:pPr>
+            <a:r>
+              <a:rPr lang="en-US" sz="2800" dirty="0">
+                <a:latin typeface="Times New Roman" panose="02020603050405020304" pitchFamily="18" charset="0"/>
+                <a:cs typeface="Times New Roman" panose="02020603050405020304" pitchFamily="18" charset="0"/>
+              </a:rPr>
+              <a:t>Recommendations</a:t>
             </a:r>
           </a:p>
         </p:txBody>
@@ -3465,7 +4229,7 @@
     </p:spTree>
     <p:extLst>
       <p:ext uri="{BB962C8B-B14F-4D97-AF65-F5344CB8AC3E}">
-        <p14:creationId xmlns:p14="http://schemas.microsoft.com/office/powerpoint/2010/main" val="1842300421"/>
+        <p14:creationId xmlns:p14="http://schemas.microsoft.com/office/powerpoint/2010/main" val="3881305370"/>
       </p:ext>
     </p:extLst>
   </p:cSld>
@@ -3497,7 +4261,7 @@
           <p:cNvPr id="2" name="Title 1">
             <a:extLst>
               <a:ext uri="{FF2B5EF4-FFF2-40B4-BE49-F238E27FC236}">
-                <a16:creationId xmlns:a16="http://schemas.microsoft.com/office/drawing/2014/main" id="{429A8732-57A7-B04A-B08D-CEF35A80BEB7}"/>
+                <a16:creationId xmlns:a16="http://schemas.microsoft.com/office/drawing/2014/main" id="{8A7290AB-FD98-7E09-5039-CCA472EEBAA6}"/>
               </a:ext>
             </a:extLst>
           </p:cNvPr>
@@ -3508,14 +4272,25 @@
             <p:ph type="title"/>
           </p:nvPr>
         </p:nvSpPr>
-        <p:spPr/>
-        <p:txBody>
-          <a:bodyPr/>
-          <a:lstStyle/>
-          <a:p>
-            <a:r>
-              <a:rPr lang="en-US" dirty="0"/>
-              <a:t>Problem Statement</a:t>
+        <p:spPr>
+          <a:xfrm>
+            <a:off x="1668162" y="401594"/>
+            <a:ext cx="10018713" cy="1130643"/>
+          </a:xfrm>
+        </p:spPr>
+        <p:txBody>
+          <a:bodyPr>
+            <a:normAutofit/>
+          </a:bodyPr>
+          <a:lstStyle/>
+          <a:p>
+            <a:pPr algn="l"/>
+            <a:r>
+              <a:rPr lang="en-US" sz="4400" b="1" dirty="0">
+                <a:latin typeface="Times New Roman" panose="02020603050405020304" pitchFamily="18" charset="0"/>
+                <a:cs typeface="Times New Roman" panose="02020603050405020304" pitchFamily="18" charset="0"/>
+              </a:rPr>
+              <a:t>Background</a:t>
             </a:r>
           </a:p>
         </p:txBody>
@@ -3525,7 +4300,7 @@
           <p:cNvPr id="3" name="Content Placeholder 2">
             <a:extLst>
               <a:ext uri="{FF2B5EF4-FFF2-40B4-BE49-F238E27FC236}">
-                <a16:creationId xmlns:a16="http://schemas.microsoft.com/office/drawing/2014/main" id="{EB46C6F6-48EC-4712-650B-F624294E3F19}"/>
+                <a16:creationId xmlns:a16="http://schemas.microsoft.com/office/drawing/2014/main" id="{90D3E9B3-7F85-7945-58AB-2458086E59B5}"/>
               </a:ext>
             </a:extLst>
           </p:cNvPr>
@@ -3536,19 +4311,35 @@
             <p:ph idx="1"/>
           </p:nvPr>
         </p:nvSpPr>
-        <p:spPr/>
-        <p:txBody>
-          <a:bodyPr/>
-          <a:lstStyle/>
-          <a:p>
-            <a:endParaRPr lang="en-US"/>
+        <p:spPr>
+          <a:xfrm>
+            <a:off x="1668162" y="1816443"/>
+            <a:ext cx="9834862" cy="4201298"/>
+          </a:xfrm>
+        </p:spPr>
+        <p:txBody>
+          <a:bodyPr>
+            <a:normAutofit/>
+          </a:bodyPr>
+          <a:lstStyle/>
+          <a:p>
+            <a:pPr marL="0" indent="0">
+              <a:buNone/>
+            </a:pPr>
+            <a:r>
+              <a:rPr lang="en-US" sz="2800" dirty="0">
+                <a:latin typeface="Times New Roman" panose="02020603050405020304" pitchFamily="18" charset="0"/>
+                <a:cs typeface="Times New Roman" panose="02020603050405020304" pitchFamily="18" charset="0"/>
+              </a:rPr>
+              <a:t>Your company is expanding in to new industries to diversify its portfolio. Specifically, they are interested in purchasing and operating airplanes for commercial and private enterprises, but do not know anything about the potential risks of aircraft. You are charged with determining which aircraft are the lowest risk for the company to start this new business endeavor. You must then translate your findings into actionable insights that the head of the new aviation division can use to help decide which aircraft to purchase.</a:t>
+            </a:r>
           </a:p>
         </p:txBody>
       </p:sp>
     </p:spTree>
     <p:extLst>
       <p:ext uri="{BB962C8B-B14F-4D97-AF65-F5344CB8AC3E}">
-        <p14:creationId xmlns:p14="http://schemas.microsoft.com/office/powerpoint/2010/main" val="2568592004"/>
+        <p14:creationId xmlns:p14="http://schemas.microsoft.com/office/powerpoint/2010/main" val="1842300421"/>
       </p:ext>
     </p:extLst>
   </p:cSld>
@@ -3575,45 +4366,77 @@
           <a:chExt cx="0" cy="0"/>
         </a:xfrm>
       </p:grpSpPr>
-      <p:pic>
-        <p:nvPicPr>
-          <p:cNvPr id="7" name="Content Placeholder 6">
+      <p:sp>
+        <p:nvSpPr>
+          <p:cNvPr id="2" name="Title 1">
             <a:extLst>
               <a:ext uri="{FF2B5EF4-FFF2-40B4-BE49-F238E27FC236}">
-                <a16:creationId xmlns:a16="http://schemas.microsoft.com/office/drawing/2014/main" id="{651918CC-86C6-CA16-3309-F5011A26F52A}"/>
+                <a16:creationId xmlns:a16="http://schemas.microsoft.com/office/drawing/2014/main" id="{429A8732-57A7-B04A-B08D-CEF35A80BEB7}"/>
               </a:ext>
             </a:extLst>
           </p:cNvPr>
-          <p:cNvPicPr>
-            <a:picLocks noGrp="1" noChangeAspect="1"/>
-          </p:cNvPicPr>
-          <p:nvPr>
-            <p:ph idx="1"/>
-          </p:nvPr>
-        </p:nvPicPr>
-        <p:blipFill>
-          <a:blip r:embed="rId2">
+          <p:cNvSpPr>
+            <a:spLocks noGrp="1"/>
+          </p:cNvSpPr>
+          <p:nvPr>
+            <p:ph type="title"/>
+          </p:nvPr>
+        </p:nvSpPr>
+        <p:spPr/>
+        <p:txBody>
+          <a:bodyPr>
+            <a:normAutofit/>
+          </a:bodyPr>
+          <a:lstStyle/>
+          <a:p>
+            <a:pPr algn="l"/>
+            <a:r>
+              <a:rPr lang="en-US" sz="4400" b="1" dirty="0">
+                <a:latin typeface="Times New Roman" panose="02020603050405020304" pitchFamily="18" charset="0"/>
+                <a:cs typeface="Times New Roman" panose="02020603050405020304" pitchFamily="18" charset="0"/>
+              </a:rPr>
+              <a:t>Problem Statement</a:t>
+            </a:r>
+          </a:p>
+        </p:txBody>
+      </p:sp>
+      <p:sp>
+        <p:nvSpPr>
+          <p:cNvPr id="3" name="Content Placeholder 2">
             <a:extLst>
-              <a:ext uri="{28A0092B-C50C-407E-A947-70E740481C1C}">
-                <a14:useLocalDpi xmlns:a14="http://schemas.microsoft.com/office/drawing/2010/main" val="0"/>
+              <a:ext uri="{FF2B5EF4-FFF2-40B4-BE49-F238E27FC236}">
+                <a16:creationId xmlns:a16="http://schemas.microsoft.com/office/drawing/2014/main" id="{EB46C6F6-48EC-4712-650B-F624294E3F19}"/>
               </a:ext>
             </a:extLst>
-          </a:blip>
-          <a:stretch>
-            <a:fillRect/>
-          </a:stretch>
-        </p:blipFill>
+          </p:cNvPr>
+          <p:cNvSpPr>
+            <a:spLocks noGrp="1"/>
+          </p:cNvSpPr>
+          <p:nvPr>
+            <p:ph idx="1"/>
+          </p:nvPr>
+        </p:nvSpPr>
         <p:spPr>
           <a:xfrm>
-            <a:off x="1489084" y="337259"/>
-            <a:ext cx="8528975" cy="6345558"/>
+            <a:off x="1484310" y="2273643"/>
+            <a:ext cx="10018713" cy="3517557"/>
           </a:xfrm>
         </p:spPr>
-      </p:pic>
+        <p:txBody>
+          <a:bodyPr/>
+          <a:lstStyle/>
+          <a:p>
+            <a:endParaRPr lang="en-US" dirty="0">
+              <a:latin typeface="Times New Roman" panose="02020603050405020304" pitchFamily="18" charset="0"/>
+              <a:cs typeface="Times New Roman" panose="02020603050405020304" pitchFamily="18" charset="0"/>
+            </a:endParaRPr>
+          </a:p>
+        </p:txBody>
+      </p:sp>
     </p:spTree>
     <p:extLst>
       <p:ext uri="{BB962C8B-B14F-4D97-AF65-F5344CB8AC3E}">
-        <p14:creationId xmlns:p14="http://schemas.microsoft.com/office/powerpoint/2010/main" val="1502294814"/>
+        <p14:creationId xmlns:p14="http://schemas.microsoft.com/office/powerpoint/2010/main" val="2568592004"/>
       </p:ext>
     </p:extLst>
   </p:cSld>
@@ -3640,45 +4463,112 @@
           <a:chExt cx="0" cy="0"/>
         </a:xfrm>
       </p:grpSpPr>
-      <p:pic>
-        <p:nvPicPr>
-          <p:cNvPr id="5" name="Content Placeholder 4">
+      <p:sp>
+        <p:nvSpPr>
+          <p:cNvPr id="2" name="Title 1">
             <a:extLst>
               <a:ext uri="{FF2B5EF4-FFF2-40B4-BE49-F238E27FC236}">
-                <a16:creationId xmlns:a16="http://schemas.microsoft.com/office/drawing/2014/main" id="{E88200E9-2BCF-E37D-9EF0-7BE62E268A91}"/>
+                <a16:creationId xmlns:a16="http://schemas.microsoft.com/office/drawing/2014/main" id="{8E4D6FC1-3803-BAD3-9072-1C54121C7AE1}"/>
               </a:ext>
             </a:extLst>
           </p:cNvPr>
-          <p:cNvPicPr>
-            <a:picLocks noGrp="1" noChangeAspect="1"/>
-          </p:cNvPicPr>
-          <p:nvPr>
-            <p:ph idx="1"/>
-          </p:nvPr>
-        </p:nvPicPr>
-        <p:blipFill>
-          <a:blip r:embed="rId2">
+          <p:cNvSpPr>
+            <a:spLocks noGrp="1"/>
+          </p:cNvSpPr>
+          <p:nvPr>
+            <p:ph type="title"/>
+          </p:nvPr>
+        </p:nvSpPr>
+        <p:spPr/>
+        <p:txBody>
+          <a:bodyPr>
+            <a:normAutofit/>
+          </a:bodyPr>
+          <a:lstStyle/>
+          <a:p>
+            <a:pPr algn="l"/>
+            <a:r>
+              <a:rPr lang="en-US" sz="4400" b="1" dirty="0">
+                <a:latin typeface="Times New Roman" panose="02020603050405020304" pitchFamily="18" charset="0"/>
+                <a:cs typeface="Times New Roman" panose="02020603050405020304" pitchFamily="18" charset="0"/>
+              </a:rPr>
+              <a:t>Key Questions</a:t>
+            </a:r>
+          </a:p>
+        </p:txBody>
+      </p:sp>
+      <p:sp>
+        <p:nvSpPr>
+          <p:cNvPr id="3" name="Content Placeholder 2">
             <a:extLst>
-              <a:ext uri="{28A0092B-C50C-407E-A947-70E740481C1C}">
-                <a14:useLocalDpi xmlns:a14="http://schemas.microsoft.com/office/drawing/2010/main" val="0"/>
+              <a:ext uri="{FF2B5EF4-FFF2-40B4-BE49-F238E27FC236}">
+                <a16:creationId xmlns:a16="http://schemas.microsoft.com/office/drawing/2014/main" id="{441DE90A-6276-B0B6-635E-7B906F18ADBF}"/>
               </a:ext>
             </a:extLst>
-          </a:blip>
-          <a:stretch>
-            <a:fillRect/>
-          </a:stretch>
-        </p:blipFill>
+          </p:cNvPr>
+          <p:cNvSpPr>
+            <a:spLocks noGrp="1"/>
+          </p:cNvSpPr>
+          <p:nvPr>
+            <p:ph idx="1"/>
+          </p:nvPr>
+        </p:nvSpPr>
         <p:spPr>
           <a:xfrm>
-            <a:off x="270900" y="213990"/>
-            <a:ext cx="11280123" cy="6524179"/>
+            <a:off x="1484310" y="2125363"/>
+            <a:ext cx="10018713" cy="3665838"/>
           </a:xfrm>
         </p:spPr>
-      </p:pic>
+        <p:txBody>
+          <a:bodyPr>
+            <a:normAutofit/>
+          </a:bodyPr>
+          <a:lstStyle/>
+          <a:p>
+            <a:pPr marL="514350" indent="-514350">
+              <a:buFont typeface="+mj-lt"/>
+              <a:buAutoNum type="arabicPeriod"/>
+            </a:pPr>
+            <a:r>
+              <a:rPr lang="en-US" sz="2800" dirty="0">
+                <a:latin typeface="Times New Roman" panose="02020603050405020304" pitchFamily="18" charset="0"/>
+                <a:cs typeface="Times New Roman" panose="02020603050405020304" pitchFamily="18" charset="0"/>
+              </a:rPr>
+              <a:t>Which aircraft makes are associated with the fewest total injuries in recorded accidents?</a:t>
+            </a:r>
+          </a:p>
+          <a:p>
+            <a:pPr marL="514350" indent="-514350">
+              <a:buFont typeface="+mj-lt"/>
+              <a:buAutoNum type="arabicPeriod"/>
+            </a:pPr>
+            <a:r>
+              <a:rPr lang="en-US" sz="2800" dirty="0">
+                <a:latin typeface="Times New Roman" panose="02020603050405020304" pitchFamily="18" charset="0"/>
+                <a:cs typeface="Times New Roman" panose="02020603050405020304" pitchFamily="18" charset="0"/>
+              </a:rPr>
+              <a:t> What are the most common causes of aviation accidents?</a:t>
+            </a:r>
+          </a:p>
+          <a:p>
+            <a:pPr marL="514350" indent="-514350">
+              <a:buFont typeface="+mj-lt"/>
+              <a:buAutoNum type="arabicPeriod"/>
+            </a:pPr>
+            <a:r>
+              <a:rPr lang="en-US" sz="2800" dirty="0">
+                <a:latin typeface="Times New Roman" panose="02020603050405020304" pitchFamily="18" charset="0"/>
+                <a:cs typeface="Times New Roman" panose="02020603050405020304" pitchFamily="18" charset="0"/>
+              </a:rPr>
+              <a:t> Which regions  are associated with higher risks?</a:t>
+            </a:r>
+          </a:p>
+        </p:txBody>
+      </p:sp>
     </p:spTree>
     <p:extLst>
       <p:ext uri="{BB962C8B-B14F-4D97-AF65-F5344CB8AC3E}">
-        <p14:creationId xmlns:p14="http://schemas.microsoft.com/office/powerpoint/2010/main" val="3171337219"/>
+        <p14:creationId xmlns:p14="http://schemas.microsoft.com/office/powerpoint/2010/main" val="1448520707"/>
       </p:ext>
     </p:extLst>
   </p:cSld>
@@ -3705,12 +4595,245 @@
           <a:chExt cx="0" cy="0"/>
         </a:xfrm>
       </p:grpSpPr>
+      <p:sp>
+        <p:nvSpPr>
+          <p:cNvPr id="2" name="Title 1">
+            <a:extLst>
+              <a:ext uri="{FF2B5EF4-FFF2-40B4-BE49-F238E27FC236}">
+                <a16:creationId xmlns:a16="http://schemas.microsoft.com/office/drawing/2014/main" id="{547B94A6-1E0F-777A-063F-8F2013B307DC}"/>
+              </a:ext>
+            </a:extLst>
+          </p:cNvPr>
+          <p:cNvSpPr>
+            <a:spLocks noGrp="1"/>
+          </p:cNvSpPr>
+          <p:nvPr>
+            <p:ph type="title"/>
+          </p:nvPr>
+        </p:nvSpPr>
+        <p:spPr>
+          <a:xfrm>
+            <a:off x="1742303" y="1"/>
+            <a:ext cx="9760722" cy="815546"/>
+          </a:xfrm>
+        </p:spPr>
+        <p:txBody>
+          <a:bodyPr>
+            <a:normAutofit/>
+          </a:bodyPr>
+          <a:lstStyle/>
+          <a:p>
+            <a:pPr algn="l"/>
+            <a:r>
+              <a:rPr lang="en-US" sz="4400" b="1" dirty="0">
+                <a:latin typeface="Times New Roman" panose="02020603050405020304" pitchFamily="18" charset="0"/>
+                <a:cs typeface="Times New Roman" panose="02020603050405020304" pitchFamily="18" charset="0"/>
+              </a:rPr>
+              <a:t>Data Understanding</a:t>
+            </a:r>
+          </a:p>
+        </p:txBody>
+      </p:sp>
+      <p:sp>
+        <p:nvSpPr>
+          <p:cNvPr id="3" name="Content Placeholder 2">
+            <a:extLst>
+              <a:ext uri="{FF2B5EF4-FFF2-40B4-BE49-F238E27FC236}">
+                <a16:creationId xmlns:a16="http://schemas.microsoft.com/office/drawing/2014/main" id="{E6F709CA-056B-1460-24FB-0B63CECBA0DE}"/>
+              </a:ext>
+            </a:extLst>
+          </p:cNvPr>
+          <p:cNvSpPr>
+            <a:spLocks noGrp="1"/>
+          </p:cNvSpPr>
+          <p:nvPr>
+            <p:ph idx="1"/>
+          </p:nvPr>
+        </p:nvSpPr>
+        <p:spPr>
+          <a:xfrm>
+            <a:off x="1618736" y="1000897"/>
+            <a:ext cx="9884288" cy="5857101"/>
+          </a:xfrm>
+        </p:spPr>
+        <p:txBody>
+          <a:bodyPr>
+            <a:noAutofit/>
+          </a:bodyPr>
+          <a:lstStyle/>
+          <a:p>
+            <a:r>
+              <a:rPr lang="en-US" dirty="0">
+                <a:latin typeface="Times New Roman" panose="02020603050405020304" pitchFamily="18" charset="0"/>
+                <a:cs typeface="Times New Roman" panose="02020603050405020304" pitchFamily="18" charset="0"/>
+              </a:rPr>
+              <a:t>Data from National Transportation Safety Board that includes aviation accident data from 1962 to 2023 about civil aviation accidents and in the United States.</a:t>
+            </a:r>
+          </a:p>
+          <a:p>
+            <a:r>
+              <a:rPr lang="en-US" dirty="0">
+                <a:latin typeface="Times New Roman" panose="02020603050405020304" pitchFamily="18" charset="0"/>
+                <a:cs typeface="Times New Roman" panose="02020603050405020304" pitchFamily="18" charset="0"/>
+              </a:rPr>
+              <a:t>Data cleaning using pandas </a:t>
+            </a:r>
+          </a:p>
+          <a:p>
+            <a:r>
+              <a:rPr lang="en-US" dirty="0">
+                <a:latin typeface="Times New Roman" panose="02020603050405020304" pitchFamily="18" charset="0"/>
+                <a:cs typeface="Times New Roman" panose="02020603050405020304" pitchFamily="18" charset="0"/>
+              </a:rPr>
+              <a:t>The following fields were used for analysis</a:t>
+            </a:r>
+          </a:p>
+          <a:p>
+            <a:pPr lvl="1"/>
+            <a:r>
+              <a:rPr lang="en-US" sz="2400" dirty="0">
+                <a:latin typeface="Times New Roman" panose="02020603050405020304" pitchFamily="18" charset="0"/>
+                <a:cs typeface="Times New Roman" panose="02020603050405020304" pitchFamily="18" charset="0"/>
+              </a:rPr>
+              <a:t>Aircraft Make</a:t>
+            </a:r>
+          </a:p>
+          <a:p>
+            <a:pPr lvl="1"/>
+            <a:r>
+              <a:rPr lang="en-US" sz="2400" dirty="0">
+                <a:latin typeface="Times New Roman" panose="02020603050405020304" pitchFamily="18" charset="0"/>
+                <a:cs typeface="Times New Roman" panose="02020603050405020304" pitchFamily="18" charset="0"/>
+              </a:rPr>
+              <a:t>Aircraft category</a:t>
+            </a:r>
+          </a:p>
+          <a:p>
+            <a:pPr lvl="1"/>
+            <a:r>
+              <a:rPr lang="en-US" sz="2400" dirty="0">
+                <a:latin typeface="Times New Roman" panose="02020603050405020304" pitchFamily="18" charset="0"/>
+                <a:cs typeface="Times New Roman" panose="02020603050405020304" pitchFamily="18" charset="0"/>
+              </a:rPr>
+              <a:t>Number of fatalities/injuries</a:t>
+            </a:r>
+          </a:p>
+          <a:p>
+            <a:pPr lvl="1"/>
+            <a:r>
+              <a:rPr lang="en-US" sz="2400" dirty="0">
+                <a:latin typeface="Times New Roman" panose="02020603050405020304" pitchFamily="18" charset="0"/>
+                <a:cs typeface="Times New Roman" panose="02020603050405020304" pitchFamily="18" charset="0"/>
+              </a:rPr>
+              <a:t>Weather Condition</a:t>
+            </a:r>
+          </a:p>
+          <a:p>
+            <a:pPr lvl="1"/>
+            <a:r>
+              <a:rPr lang="en-US" sz="2400" dirty="0">
+                <a:latin typeface="Times New Roman" panose="02020603050405020304" pitchFamily="18" charset="0"/>
+                <a:cs typeface="Times New Roman" panose="02020603050405020304" pitchFamily="18" charset="0"/>
+              </a:rPr>
+              <a:t>Amateur Built</a:t>
+            </a:r>
+          </a:p>
+          <a:p>
+            <a:pPr lvl="1"/>
+            <a:r>
+              <a:rPr lang="en-US" sz="2400" dirty="0">
+                <a:latin typeface="Times New Roman" panose="02020603050405020304" pitchFamily="18" charset="0"/>
+                <a:cs typeface="Times New Roman" panose="02020603050405020304" pitchFamily="18" charset="0"/>
+              </a:rPr>
+              <a:t>Location(State)</a:t>
+            </a:r>
+          </a:p>
+          <a:p>
+            <a:pPr lvl="1"/>
+            <a:r>
+              <a:rPr lang="en-US" sz="2400" dirty="0">
+                <a:latin typeface="Times New Roman" panose="02020603050405020304" pitchFamily="18" charset="0"/>
+                <a:cs typeface="Times New Roman" panose="02020603050405020304" pitchFamily="18" charset="0"/>
+              </a:rPr>
+              <a:t>Purpose of flight</a:t>
+            </a:r>
+          </a:p>
+        </p:txBody>
+      </p:sp>
+    </p:spTree>
+    <p:extLst>
+      <p:ext uri="{BB962C8B-B14F-4D97-AF65-F5344CB8AC3E}">
+        <p14:creationId xmlns:p14="http://schemas.microsoft.com/office/powerpoint/2010/main" val="2610757620"/>
+      </p:ext>
+    </p:extLst>
+  </p:cSld>
+  <p:clrMapOvr>
+    <a:masterClrMapping/>
+  </p:clrMapOvr>
+</p:sld>
+</file>
+
+<file path=ppt/slides/slide7.xml><?xml version="1.0" encoding="utf-8"?>
+<p:sld xmlns:a="http://schemas.openxmlformats.org/drawingml/2006/main" xmlns:r="http://schemas.openxmlformats.org/officeDocument/2006/relationships" xmlns:p="http://schemas.openxmlformats.org/presentationml/2006/main">
+  <p:cSld>
+    <p:spTree>
+      <p:nvGrpSpPr>
+        <p:cNvPr id="1" name=""/>
+        <p:cNvGrpSpPr/>
+        <p:nvPr/>
+      </p:nvGrpSpPr>
+      <p:grpSpPr>
+        <a:xfrm>
+          <a:off x="0" y="0"/>
+          <a:ext cx="0" cy="0"/>
+          <a:chOff x="0" y="0"/>
+          <a:chExt cx="0" cy="0"/>
+        </a:xfrm>
+      </p:grpSpPr>
+      <p:sp>
+        <p:nvSpPr>
+          <p:cNvPr id="6" name="Title 5">
+            <a:extLst>
+              <a:ext uri="{FF2B5EF4-FFF2-40B4-BE49-F238E27FC236}">
+                <a16:creationId xmlns:a16="http://schemas.microsoft.com/office/drawing/2014/main" id="{5A5098EA-D929-8673-9D42-C6B997FA5CB2}"/>
+              </a:ext>
+            </a:extLst>
+          </p:cNvPr>
+          <p:cNvSpPr>
+            <a:spLocks noGrp="1"/>
+          </p:cNvSpPr>
+          <p:nvPr>
+            <p:ph type="title"/>
+          </p:nvPr>
+        </p:nvSpPr>
+        <p:spPr>
+          <a:xfrm>
+            <a:off x="1013255" y="247135"/>
+            <a:ext cx="10041600" cy="1208173"/>
+          </a:xfrm>
+        </p:spPr>
+        <p:txBody>
+          <a:bodyPr>
+            <a:normAutofit fontScale="90000"/>
+          </a:bodyPr>
+          <a:lstStyle/>
+          <a:p>
+            <a:r>
+              <a:rPr lang="en-US" b="1" dirty="0">
+                <a:latin typeface="Times New Roman" panose="02020603050405020304" pitchFamily="18" charset="0"/>
+                <a:cs typeface="Times New Roman" panose="02020603050405020304" pitchFamily="18" charset="0"/>
+              </a:rPr>
+              <a:t>Top 5 Aircraft Makes with lower Injuries</a:t>
+            </a:r>
+          </a:p>
+        </p:txBody>
+      </p:sp>
       <p:pic>
         <p:nvPicPr>
           <p:cNvPr id="5" name="Content Placeholder 4">
             <a:extLst>
               <a:ext uri="{FF2B5EF4-FFF2-40B4-BE49-F238E27FC236}">
-                <a16:creationId xmlns:a16="http://schemas.microsoft.com/office/drawing/2014/main" id="{68F4E07E-8C5C-6D9C-2839-819735A1D218}"/>
+                <a16:creationId xmlns:a16="http://schemas.microsoft.com/office/drawing/2014/main" id="{AE61A006-26E5-4ED6-92ED-BCA55BEFA633}"/>
               </a:ext>
             </a:extLst>
           </p:cNvPr>
@@ -3735,9 +4858,289 @@
         </p:blipFill>
         <p:spPr>
           <a:xfrm>
-            <a:off x="672353" y="0"/>
-            <a:ext cx="9762565" cy="6477965"/>
+            <a:off x="1804086" y="1455309"/>
+            <a:ext cx="8326425" cy="4958433"/>
           </a:xfrm>
+        </p:spPr>
+      </p:pic>
+    </p:spTree>
+    <p:extLst>
+      <p:ext uri="{BB962C8B-B14F-4D97-AF65-F5344CB8AC3E}">
+        <p14:creationId xmlns:p14="http://schemas.microsoft.com/office/powerpoint/2010/main" val="1502294814"/>
+      </p:ext>
+    </p:extLst>
+  </p:cSld>
+  <p:clrMapOvr>
+    <a:masterClrMapping/>
+  </p:clrMapOvr>
+</p:sld>
+</file>
+
+<file path=ppt/slides/slide8.xml><?xml version="1.0" encoding="utf-8"?>
+<p:sld xmlns:a="http://schemas.openxmlformats.org/drawingml/2006/main" xmlns:r="http://schemas.openxmlformats.org/officeDocument/2006/relationships" xmlns:p="http://schemas.openxmlformats.org/presentationml/2006/main">
+  <p:cSld>
+    <p:spTree>
+      <p:nvGrpSpPr>
+        <p:cNvPr id="1" name=""/>
+        <p:cNvGrpSpPr/>
+        <p:nvPr/>
+      </p:nvGrpSpPr>
+      <p:grpSpPr>
+        <a:xfrm>
+          <a:off x="0" y="0"/>
+          <a:ext cx="0" cy="0"/>
+          <a:chOff x="0" y="0"/>
+          <a:chExt cx="0" cy="0"/>
+        </a:xfrm>
+      </p:grpSpPr>
+      <p:sp>
+        <p:nvSpPr>
+          <p:cNvPr id="2" name="Title 1">
+            <a:extLst>
+              <a:ext uri="{FF2B5EF4-FFF2-40B4-BE49-F238E27FC236}">
+                <a16:creationId xmlns:a16="http://schemas.microsoft.com/office/drawing/2014/main" id="{F4DD6CE2-5905-FD23-88C7-05496F0C1246}"/>
+              </a:ext>
+            </a:extLst>
+          </p:cNvPr>
+          <p:cNvSpPr>
+            <a:spLocks noGrp="1"/>
+          </p:cNvSpPr>
+          <p:nvPr>
+            <p:ph type="title"/>
+          </p:nvPr>
+        </p:nvSpPr>
+        <p:spPr>
+          <a:xfrm>
+            <a:off x="1581664" y="241241"/>
+            <a:ext cx="9473189" cy="726947"/>
+          </a:xfrm>
+        </p:spPr>
+        <p:txBody>
+          <a:bodyPr>
+            <a:noAutofit/>
+          </a:bodyPr>
+          <a:lstStyle/>
+          <a:p>
+            <a:pPr algn="l"/>
+            <a:r>
+              <a:rPr lang="en-US" sz="4400" b="1" dirty="0">
+                <a:latin typeface="Times New Roman" panose="02020603050405020304" pitchFamily="18" charset="0"/>
+                <a:cs typeface="Times New Roman" panose="02020603050405020304" pitchFamily="18" charset="0"/>
+              </a:rPr>
+              <a:t>Aviation Accidents</a:t>
+            </a:r>
+          </a:p>
+        </p:txBody>
+      </p:sp>
+      <p:pic>
+        <p:nvPicPr>
+          <p:cNvPr id="5" name="Content Placeholder 4">
+            <a:extLst>
+              <a:ext uri="{FF2B5EF4-FFF2-40B4-BE49-F238E27FC236}">
+                <a16:creationId xmlns:a16="http://schemas.microsoft.com/office/drawing/2014/main" id="{E88200E9-2BCF-E37D-9EF0-7BE62E268A91}"/>
+              </a:ext>
+            </a:extLst>
+          </p:cNvPr>
+          <p:cNvPicPr>
+            <a:picLocks noGrp="1" noChangeAspect="1"/>
+          </p:cNvPicPr>
+          <p:nvPr>
+            <p:ph idx="1"/>
+          </p:nvPr>
+        </p:nvPicPr>
+        <p:blipFill>
+          <a:blip r:embed="rId2">
+            <a:extLst>
+              <a:ext uri="{28A0092B-C50C-407E-A947-70E740481C1C}">
+                <a14:useLocalDpi xmlns:a14="http://schemas.microsoft.com/office/drawing/2010/main" val="0"/>
+              </a:ext>
+            </a:extLst>
+          </a:blip>
+          <a:stretch>
+            <a:fillRect/>
+          </a:stretch>
+        </p:blipFill>
+        <p:spPr>
+          <a:xfrm>
+            <a:off x="1488600" y="1206142"/>
+            <a:ext cx="8116785" cy="4694573"/>
+          </a:xfrm>
+        </p:spPr>
+      </p:pic>
+      <p:pic>
+        <p:nvPicPr>
+          <p:cNvPr id="4" name="Picture 3">
+            <a:extLst>
+              <a:ext uri="{FF2B5EF4-FFF2-40B4-BE49-F238E27FC236}">
+                <a16:creationId xmlns:a16="http://schemas.microsoft.com/office/drawing/2014/main" id="{714C1C5A-0AF9-955F-3F05-5A4EB32BED1B}"/>
+              </a:ext>
+            </a:extLst>
+          </p:cNvPr>
+          <p:cNvPicPr>
+            <a:picLocks noChangeAspect="1"/>
+          </p:cNvPicPr>
+          <p:nvPr/>
+        </p:nvPicPr>
+        <p:blipFill>
+          <a:blip r:embed="rId3">
+            <a:extLst>
+              <a:ext uri="{28A0092B-C50C-407E-A947-70E740481C1C}">
+                <a14:useLocalDpi xmlns:a14="http://schemas.microsoft.com/office/drawing/2010/main" val="0"/>
+              </a:ext>
+            </a:extLst>
+          </a:blip>
+          <a:stretch>
+            <a:fillRect/>
+          </a:stretch>
+        </p:blipFill>
+        <p:spPr>
+          <a:xfrm>
+            <a:off x="9716596" y="1206141"/>
+            <a:ext cx="2299383" cy="4694573"/>
+          </a:xfrm>
+          <a:prstGeom prst="rect">
+            <a:avLst/>
+          </a:prstGeom>
+        </p:spPr>
+      </p:pic>
+    </p:spTree>
+    <p:extLst>
+      <p:ext uri="{BB962C8B-B14F-4D97-AF65-F5344CB8AC3E}">
+        <p14:creationId xmlns:p14="http://schemas.microsoft.com/office/powerpoint/2010/main" val="3171337219"/>
+      </p:ext>
+    </p:extLst>
+  </p:cSld>
+  <p:clrMapOvr>
+    <a:masterClrMapping/>
+  </p:clrMapOvr>
+</p:sld>
+</file>
+
+<file path=ppt/slides/slide9.xml><?xml version="1.0" encoding="utf-8"?>
+<p:sld xmlns:a="http://schemas.openxmlformats.org/drawingml/2006/main" xmlns:r="http://schemas.openxmlformats.org/officeDocument/2006/relationships" xmlns:p="http://schemas.openxmlformats.org/presentationml/2006/main">
+  <p:cSld>
+    <p:spTree>
+      <p:nvGrpSpPr>
+        <p:cNvPr id="1" name=""/>
+        <p:cNvGrpSpPr/>
+        <p:nvPr/>
+      </p:nvGrpSpPr>
+      <p:grpSpPr>
+        <a:xfrm>
+          <a:off x="0" y="0"/>
+          <a:ext cx="0" cy="0"/>
+          <a:chOff x="0" y="0"/>
+          <a:chExt cx="0" cy="0"/>
+        </a:xfrm>
+      </p:grpSpPr>
+      <p:sp>
+        <p:nvSpPr>
+          <p:cNvPr id="2" name="Title 1">
+            <a:extLst>
+              <a:ext uri="{FF2B5EF4-FFF2-40B4-BE49-F238E27FC236}">
+                <a16:creationId xmlns:a16="http://schemas.microsoft.com/office/drawing/2014/main" id="{B8C40663-7B3A-3FC4-A839-304CD6214B4A}"/>
+              </a:ext>
+            </a:extLst>
+          </p:cNvPr>
+          <p:cNvSpPr>
+            <a:spLocks noGrp="1"/>
+          </p:cNvSpPr>
+          <p:nvPr>
+            <p:ph type="title"/>
+          </p:nvPr>
+        </p:nvSpPr>
+        <p:spPr>
+          <a:xfrm>
+            <a:off x="1841156" y="107576"/>
+            <a:ext cx="9512643" cy="833718"/>
+          </a:xfrm>
+        </p:spPr>
+        <p:txBody>
+          <a:bodyPr>
+            <a:normAutofit/>
+          </a:bodyPr>
+          <a:lstStyle/>
+          <a:p>
+            <a:pPr algn="l"/>
+            <a:r>
+              <a:rPr lang="en-US" sz="4400" b="1" dirty="0">
+                <a:latin typeface="Times New Roman" panose="02020603050405020304" pitchFamily="18" charset="0"/>
+                <a:cs typeface="Times New Roman" panose="02020603050405020304" pitchFamily="18" charset="0"/>
+              </a:rPr>
+              <a:t>Regions Associated with higher risks</a:t>
+            </a:r>
+          </a:p>
+        </p:txBody>
+      </p:sp>
+      <p:pic>
+        <p:nvPicPr>
+          <p:cNvPr id="5" name="Content Placeholder 4">
+            <a:extLst>
+              <a:ext uri="{FF2B5EF4-FFF2-40B4-BE49-F238E27FC236}">
+                <a16:creationId xmlns:a16="http://schemas.microsoft.com/office/drawing/2014/main" id="{68F4E07E-8C5C-6D9C-2839-819735A1D218}"/>
+              </a:ext>
+            </a:extLst>
+          </p:cNvPr>
+          <p:cNvPicPr>
+            <a:picLocks noGrp="1" noChangeAspect="1"/>
+          </p:cNvPicPr>
+          <p:nvPr>
+            <p:ph idx="1"/>
+          </p:nvPr>
+        </p:nvPicPr>
+        <p:blipFill>
+          <a:blip r:embed="rId2">
+            <a:extLst>
+              <a:ext uri="{28A0092B-C50C-407E-A947-70E740481C1C}">
+                <a14:useLocalDpi xmlns:a14="http://schemas.microsoft.com/office/drawing/2010/main" val="0"/>
+              </a:ext>
+            </a:extLst>
+          </a:blip>
+          <a:stretch>
+            <a:fillRect/>
+          </a:stretch>
+        </p:blipFill>
+        <p:spPr>
+          <a:xfrm>
+            <a:off x="837202" y="1383957"/>
+            <a:ext cx="5642513" cy="3744097"/>
+          </a:xfrm>
+        </p:spPr>
+      </p:pic>
+      <p:pic>
+        <p:nvPicPr>
+          <p:cNvPr id="4" name="Picture 3">
+            <a:extLst>
+              <a:ext uri="{FF2B5EF4-FFF2-40B4-BE49-F238E27FC236}">
+                <a16:creationId xmlns:a16="http://schemas.microsoft.com/office/drawing/2014/main" id="{75221665-C77A-01F8-858E-7A55997A2B51}"/>
+              </a:ext>
+            </a:extLst>
+          </p:cNvPr>
+          <p:cNvPicPr>
+            <a:picLocks noChangeAspect="1"/>
+          </p:cNvPicPr>
+          <p:nvPr/>
+        </p:nvPicPr>
+        <p:blipFill>
+          <a:blip r:embed="rId3">
+            <a:extLst>
+              <a:ext uri="{28A0092B-C50C-407E-A947-70E740481C1C}">
+                <a14:useLocalDpi xmlns:a14="http://schemas.microsoft.com/office/drawing/2010/main" val="0"/>
+              </a:ext>
+            </a:extLst>
+          </a:blip>
+          <a:stretch>
+            <a:fillRect/>
+          </a:stretch>
+        </p:blipFill>
+        <p:spPr>
+          <a:xfrm>
+            <a:off x="6393826" y="1569309"/>
+            <a:ext cx="5717698" cy="3286896"/>
+          </a:xfrm>
+          <a:prstGeom prst="rect">
+            <a:avLst/>
+          </a:prstGeom>
         </p:spPr>
       </p:pic>
     </p:spTree>
@@ -3754,9 +5157,9 @@
 </file>
 
 <file path=ppt/theme/theme1.xml><?xml version="1.0" encoding="utf-8"?>
-<a:theme xmlns:a="http://schemas.openxmlformats.org/drawingml/2006/main" name="Office Theme">
+<a:theme xmlns:a="http://schemas.openxmlformats.org/drawingml/2006/main" name="Metropolitan">
   <a:themeElements>
-    <a:clrScheme name="Office">
+    <a:clrScheme name="Metropolitan">
       <a:dk1>
         <a:sysClr val="windowText" lastClr="000000"/>
       </a:dk1>
@@ -3764,44 +5167,44 @@
         <a:sysClr val="window" lastClr="FFFFFF"/>
       </a:lt1>
       <a:dk2>
-        <a:srgbClr val="44546A"/>
+        <a:srgbClr val="471101"/>
       </a:dk2>
       <a:lt2>
-        <a:srgbClr val="E7E6E6"/>
+        <a:srgbClr val="E7E8E2"/>
       </a:lt2>
       <a:accent1>
-        <a:srgbClr val="4472C4"/>
+        <a:srgbClr val="A6B727"/>
       </a:accent1>
       <a:accent2>
-        <a:srgbClr val="ED7D31"/>
+        <a:srgbClr val="F04304"/>
       </a:accent2>
       <a:accent3>
-        <a:srgbClr val="A5A5A5"/>
+        <a:srgbClr val="EF8606"/>
       </a:accent3>
       <a:accent4>
-        <a:srgbClr val="FFC000"/>
+        <a:srgbClr val="F2C100"/>
       </a:accent4>
       <a:accent5>
-        <a:srgbClr val="5B9BD5"/>
+        <a:srgbClr val="A65001"/>
       </a:accent5>
       <a:accent6>
-        <a:srgbClr val="70AD47"/>
+        <a:srgbClr val="BA9585"/>
       </a:accent6>
       <a:hlink>
-        <a:srgbClr val="0563C1"/>
+        <a:srgbClr val="00B0F0"/>
       </a:hlink>
       <a:folHlink>
-        <a:srgbClr val="954F72"/>
+        <a:srgbClr val="7F7F7F"/>
       </a:folHlink>
     </a:clrScheme>
-    <a:fontScheme name="Office">
+    <a:fontScheme name="Metropolitan">
       <a:majorFont>
         <a:latin typeface="Calibri Light" panose="020F0302020204030204"/>
         <a:ea typeface=""/>
         <a:cs typeface=""/>
-        <a:font script="Jpan" typeface="游ゴシック Light"/>
+        <a:font script="Jpan" typeface="ＭＳ Ｐゴシック"/>
         <a:font script="Hang" typeface="맑은 고딕"/>
-        <a:font script="Hans" typeface="等线 Light"/>
+        <a:font script="Hans" typeface="宋体"/>
         <a:font script="Hant" typeface="新細明體"/>
         <a:font script="Arab" typeface="Times New Roman"/>
         <a:font script="Hebr" typeface="Times New Roman"/>
@@ -3829,39 +5232,22 @@
         <a:font script="Viet" typeface="Times New Roman"/>
         <a:font script="Uigh" typeface="Microsoft Uighur"/>
         <a:font script="Geor" typeface="Sylfaen"/>
-        <a:font script="Armn" typeface="Arial"/>
-        <a:font script="Bugi" typeface="Leelawadee UI"/>
-        <a:font script="Bopo" typeface="Microsoft JhengHei"/>
-        <a:font script="Java" typeface="Javanese Text"/>
-        <a:font script="Lisu" typeface="Segoe UI"/>
-        <a:font script="Mymr" typeface="Myanmar Text"/>
-        <a:font script="Nkoo" typeface="Ebrima"/>
-        <a:font script="Olck" typeface="Nirmala UI"/>
-        <a:font script="Osma" typeface="Ebrima"/>
-        <a:font script="Phag" typeface="Phagspa"/>
-        <a:font script="Syrn" typeface="Estrangelo Edessa"/>
-        <a:font script="Syrj" typeface="Estrangelo Edessa"/>
-        <a:font script="Syre" typeface="Estrangelo Edessa"/>
-        <a:font script="Sora" typeface="Nirmala UI"/>
-        <a:font script="Tale" typeface="Microsoft Tai Le"/>
-        <a:font script="Talu" typeface="Microsoft New Tai Lue"/>
-        <a:font script="Tfng" typeface="Ebrima"/>
       </a:majorFont>
       <a:minorFont>
-        <a:latin typeface="Calibri" panose="020F0502020204030204"/>
+        <a:latin typeface="Calibri Light" panose="020F0302020204030204"/>
         <a:ea typeface=""/>
         <a:cs typeface=""/>
-        <a:font script="Jpan" typeface="游ゴシック"/>
+        <a:font script="Jpan" typeface="ＭＳ Ｐゴシック"/>
         <a:font script="Hang" typeface="맑은 고딕"/>
-        <a:font script="Hans" typeface="等线"/>
+        <a:font script="Hans" typeface="宋体"/>
         <a:font script="Hant" typeface="新細明體"/>
-        <a:font script="Arab" typeface="Arial"/>
-        <a:font script="Hebr" typeface="Arial"/>
-        <a:font script="Thai" typeface="Cordia New"/>
+        <a:font script="Arab" typeface="Times New Roman"/>
+        <a:font script="Hebr" typeface="Times New Roman"/>
+        <a:font script="Thai" typeface="Angsana New"/>
         <a:font script="Ethi" typeface="Nyala"/>
         <a:font script="Beng" typeface="Vrinda"/>
         <a:font script="Gujr" typeface="Shruti"/>
-        <a:font script="Khmr" typeface="DaunPenh"/>
+        <a:font script="Khmr" typeface="MoolBoran"/>
         <a:font script="Knda" typeface="Tunga"/>
         <a:font script="Guru" typeface="Raavi"/>
         <a:font script="Cans" typeface="Euphemia"/>
@@ -3878,29 +5264,12 @@
         <a:font script="Laoo" typeface="DokChampa"/>
         <a:font script="Sinh" typeface="Iskoola Pota"/>
         <a:font script="Mong" typeface="Mongolian Baiti"/>
-        <a:font script="Viet" typeface="Arial"/>
+        <a:font script="Viet" typeface="Times New Roman"/>
         <a:font script="Uigh" typeface="Microsoft Uighur"/>
         <a:font script="Geor" typeface="Sylfaen"/>
-        <a:font script="Armn" typeface="Arial"/>
-        <a:font script="Bugi" typeface="Leelawadee UI"/>
-        <a:font script="Bopo" typeface="Microsoft JhengHei"/>
-        <a:font script="Java" typeface="Javanese Text"/>
-        <a:font script="Lisu" typeface="Segoe UI"/>
-        <a:font script="Mymr" typeface="Myanmar Text"/>
-        <a:font script="Nkoo" typeface="Ebrima"/>
-        <a:font script="Olck" typeface="Nirmala UI"/>
-        <a:font script="Osma" typeface="Ebrima"/>
-        <a:font script="Phag" typeface="Phagspa"/>
-        <a:font script="Syrn" typeface="Estrangelo Edessa"/>
-        <a:font script="Syrj" typeface="Estrangelo Edessa"/>
-        <a:font script="Syre" typeface="Estrangelo Edessa"/>
-        <a:font script="Sora" typeface="Nirmala UI"/>
-        <a:font script="Tale" typeface="Microsoft Tai Le"/>
-        <a:font script="Talu" typeface="Microsoft New Tai Lue"/>
-        <a:font script="Tfng" typeface="Ebrima"/>
       </a:minorFont>
     </a:fontScheme>
-    <a:fmtScheme name="Office">
+    <a:fmtScheme name="Metropolitan">
       <a:fillStyleLst>
         <a:solidFill>
           <a:schemeClr val="phClr"/>
@@ -3909,76 +5278,73 @@
           <a:gsLst>
             <a:gs pos="0">
               <a:schemeClr val="phClr">
+                <a:tint val="70000"/>
+                <a:satMod val="100000"/>
                 <a:lumMod val="110000"/>
-                <a:satMod val="105000"/>
-                <a:tint val="67000"/>
               </a:schemeClr>
             </a:gs>
             <a:gs pos="50000">
               <a:schemeClr val="phClr">
+                <a:tint val="75000"/>
+                <a:satMod val="101000"/>
                 <a:lumMod val="105000"/>
-                <a:satMod val="103000"/>
-                <a:tint val="73000"/>
               </a:schemeClr>
             </a:gs>
             <a:gs pos="100000">
               <a:schemeClr val="phClr">
+                <a:tint val="82000"/>
+                <a:satMod val="104000"/>
                 <a:lumMod val="105000"/>
-                <a:satMod val="109000"/>
-                <a:tint val="81000"/>
               </a:schemeClr>
             </a:gs>
           </a:gsLst>
-          <a:lin ang="5400000" scaled="0"/>
+          <a:lin ang="2700000" scaled="0"/>
         </a:gradFill>
         <a:gradFill rotWithShape="1">
           <a:gsLst>
             <a:gs pos="0">
               <a:schemeClr val="phClr">
-                <a:satMod val="103000"/>
+                <a:tint val="97000"/>
+                <a:satMod val="100000"/>
                 <a:lumMod val="102000"/>
-                <a:tint val="94000"/>
               </a:schemeClr>
             </a:gs>
             <a:gs pos="50000">
               <a:schemeClr val="phClr">
-                <a:satMod val="110000"/>
+                <a:shade val="100000"/>
+                <a:satMod val="100000"/>
                 <a:lumMod val="100000"/>
-                <a:shade val="100000"/>
               </a:schemeClr>
             </a:gs>
             <a:gs pos="100000">
               <a:schemeClr val="phClr">
+                <a:shade val="80000"/>
+                <a:satMod val="100000"/>
                 <a:lumMod val="99000"/>
-                <a:satMod val="120000"/>
-                <a:shade val="78000"/>
               </a:schemeClr>
             </a:gs>
           </a:gsLst>
-          <a:lin ang="5400000" scaled="0"/>
+          <a:lin ang="2700000" scaled="0"/>
         </a:gradFill>
       </a:fillStyleLst>
       <a:lnStyleLst>
-        <a:ln w="6350" cap="flat" cmpd="sng" algn="ctr">
+        <a:ln w="9525" cap="flat" cmpd="sng" algn="ctr">
           <a:solidFill>
             <a:schemeClr val="phClr"/>
           </a:solidFill>
           <a:prstDash val="solid"/>
-          <a:miter lim="800000"/>
         </a:ln>
         <a:ln w="12700" cap="flat" cmpd="sng" algn="ctr">
           <a:solidFill>
             <a:schemeClr val="phClr"/>
           </a:solidFill>
           <a:prstDash val="solid"/>
-          <a:miter lim="800000"/>
         </a:ln>
         <a:ln w="19050" cap="flat" cmpd="sng" algn="ctr">
           <a:solidFill>
             <a:schemeClr val="phClr"/>
           </a:solidFill>
           <a:prstDash val="solid"/>
-          <a:miter lim="800000"/>
         </a:ln>
       </a:lnStyleLst>
       <a:effectStyleLst>
@@ -4008,33 +5374,12 @@
             <a:satMod val="170000"/>
           </a:schemeClr>
         </a:solidFill>
-        <a:gradFill rotWithShape="1">
-          <a:gsLst>
-            <a:gs pos="0">
-              <a:schemeClr val="phClr">
-                <a:tint val="93000"/>
-                <a:satMod val="150000"/>
-                <a:shade val="98000"/>
-                <a:lumMod val="102000"/>
-              </a:schemeClr>
-            </a:gs>
-            <a:gs pos="50000">
-              <a:schemeClr val="phClr">
-                <a:tint val="98000"/>
-                <a:satMod val="130000"/>
-                <a:shade val="90000"/>
-                <a:lumMod val="103000"/>
-              </a:schemeClr>
-            </a:gs>
-            <a:gs pos="100000">
-              <a:schemeClr val="phClr">
-                <a:shade val="63000"/>
-                <a:satMod val="120000"/>
-              </a:schemeClr>
-            </a:gs>
-          </a:gsLst>
-          <a:lin ang="5400000" scaled="0"/>
-        </a:gradFill>
+        <a:solidFill>
+          <a:schemeClr val="phClr">
+            <a:shade val="95000"/>
+            <a:satMod val="170000"/>
+          </a:schemeClr>
+        </a:solidFill>
       </a:bgFillStyleLst>
     </a:fmtScheme>
   </a:themeElements>
@@ -4042,7 +5387,7 @@
   <a:extraClrSchemeLst/>
   <a:extLst>
     <a:ext uri="{05A4C25C-085E-4340-85A3-A5531E510DB2}">
-      <thm15:themeFamily xmlns:thm15="http://schemas.microsoft.com/office/thememl/2012/main" name="Office Theme" id="{62F939B6-93AF-4DB8-9C6B-D6C7DFDC589F}" vid="{4A3C46E8-61CC-4603-A589-7422A47A8E4A}"/>
+      <thm15:themeFamily xmlns:thm15="http://schemas.microsoft.com/office/thememl/2012/main" name="Metropolitan" id="{4C5440D6-04D2-4954-96CF-F251137069B2}" vid="{3A8A2BB7-7C5E-4EB2-B1F1-CFFF0F57E773}"/>
     </a:ext>
   </a:extLst>
 </a:theme>

--- a/Presentation.pptx
+++ b/Presentation.pptx
@@ -3551,8 +3551,8 @@
         </p:nvSpPr>
         <p:spPr>
           <a:xfrm>
-            <a:off x="1451579" y="443754"/>
-            <a:ext cx="9603275" cy="739588"/>
+            <a:off x="753763" y="308919"/>
+            <a:ext cx="10301092" cy="780293"/>
           </a:xfrm>
         </p:spPr>
         <p:txBody>
@@ -3589,8 +3589,8 @@
         </p:nvSpPr>
         <p:spPr>
           <a:xfrm>
-            <a:off x="753762" y="1183342"/>
-            <a:ext cx="10301093" cy="5365739"/>
+            <a:off x="645459" y="1089212"/>
+            <a:ext cx="10409396" cy="5768788"/>
           </a:xfrm>
         </p:spPr>
         <p:txBody>
@@ -3604,21 +3604,21 @@
               <a:buChar char="v"/>
             </a:pPr>
             <a:r>
-              <a:rPr lang="en-US" sz="2600" dirty="0">
+              <a:rPr lang="en-US" sz="2800" dirty="0">
                 <a:latin typeface="Times New Roman" panose="02020603050405020304" pitchFamily="18" charset="0"/>
                 <a:cs typeface="Times New Roman" panose="02020603050405020304" pitchFamily="18" charset="0"/>
               </a:rPr>
               <a:t>Based on the analysis, Air, </a:t>
             </a:r>
             <a:r>
-              <a:rPr lang="en-US" sz="2600" dirty="0" err="1">
+              <a:rPr lang="en-US" sz="2800" dirty="0" err="1">
                 <a:latin typeface="Times New Roman" panose="02020603050405020304" pitchFamily="18" charset="0"/>
                 <a:cs typeface="Times New Roman" panose="02020603050405020304" pitchFamily="18" charset="0"/>
               </a:rPr>
               <a:t>Bellanca</a:t>
             </a:r>
             <a:r>
-              <a:rPr lang="en-US" sz="2600" dirty="0">
+              <a:rPr lang="en-US" sz="2800" dirty="0">
                 <a:latin typeface="Times New Roman" panose="02020603050405020304" pitchFamily="18" charset="0"/>
                 <a:cs typeface="Times New Roman" panose="02020603050405020304" pitchFamily="18" charset="0"/>
               </a:rPr>
@@ -3631,7 +3631,7 @@
               <a:buChar char="v"/>
             </a:pPr>
             <a:r>
-              <a:rPr lang="en-US" sz="2600" dirty="0">
+              <a:rPr lang="en-US" sz="2800" dirty="0">
                 <a:latin typeface="Times New Roman" panose="02020603050405020304" pitchFamily="18" charset="0"/>
                 <a:cs typeface="Times New Roman" panose="02020603050405020304" pitchFamily="18" charset="0"/>
               </a:rPr>
@@ -3644,7 +3644,7 @@
               <a:buChar char="§"/>
             </a:pPr>
             <a:r>
-              <a:rPr lang="en-US" sz="2600" dirty="0">
+              <a:rPr lang="en-US" sz="2800" dirty="0">
                 <a:latin typeface="Times New Roman" panose="02020603050405020304" pitchFamily="18" charset="0"/>
                 <a:cs typeface="Times New Roman" panose="02020603050405020304" pitchFamily="18" charset="0"/>
               </a:rPr>
@@ -3657,7 +3657,7 @@
               <a:buChar char="§"/>
             </a:pPr>
             <a:r>
-              <a:rPr lang="en-US" sz="2600" dirty="0">
+              <a:rPr lang="en-US" sz="2800" dirty="0">
                 <a:latin typeface="Times New Roman" panose="02020603050405020304" pitchFamily="18" charset="0"/>
                 <a:cs typeface="Times New Roman" panose="02020603050405020304" pitchFamily="18" charset="0"/>
               </a:rPr>
@@ -3669,7 +3669,7 @@
               <a:buFont typeface="Wingdings" panose="05000000000000000000" pitchFamily="2" charset="2"/>
               <a:buChar char="v"/>
             </a:pPr>
-            <a:endParaRPr lang="en-US" sz="2600" dirty="0">
+            <a:endParaRPr lang="en-US" sz="2800" dirty="0">
               <a:latin typeface="Times New Roman" panose="02020603050405020304" pitchFamily="18" charset="0"/>
               <a:cs typeface="Times New Roman" panose="02020603050405020304" pitchFamily="18" charset="0"/>
             </a:endParaRPr>
@@ -3680,7 +3680,7 @@
               <a:buChar char="v"/>
             </a:pPr>
             <a:r>
-              <a:rPr lang="en-US" sz="2600" dirty="0">
+              <a:rPr lang="en-US" sz="2800" dirty="0">
                 <a:latin typeface="Times New Roman" panose="02020603050405020304" pitchFamily="18" charset="0"/>
                 <a:cs typeface="Times New Roman" panose="02020603050405020304" pitchFamily="18" charset="0"/>
               </a:rPr>
@@ -3802,7 +3802,7 @@
               <a:buAutoNum type="arabicPeriod"/>
             </a:pPr>
             <a:r>
-              <a:rPr lang="en-US" dirty="0">
+              <a:rPr lang="en-US" sz="2800" dirty="0">
                 <a:latin typeface="Times New Roman" panose="02020603050405020304" pitchFamily="18" charset="0"/>
                 <a:cs typeface="Times New Roman" panose="02020603050405020304" pitchFamily="18" charset="0"/>
               </a:rPr>
@@ -3815,7 +3815,7 @@
               <a:buAutoNum type="arabicPeriod"/>
             </a:pPr>
             <a:r>
-              <a:rPr lang="en-US" dirty="0">
+              <a:rPr lang="en-US" sz="2800" dirty="0">
                 <a:latin typeface="Times New Roman" panose="02020603050405020304" pitchFamily="18" charset="0"/>
                 <a:cs typeface="Times New Roman" panose="02020603050405020304" pitchFamily="18" charset="0"/>
               </a:rPr>
@@ -3828,7 +3828,7 @@
               <a:buAutoNum type="arabicPeriod"/>
             </a:pPr>
             <a:r>
-              <a:rPr lang="en-US" dirty="0">
+              <a:rPr lang="en-US" sz="2800" dirty="0">
                 <a:latin typeface="Times New Roman" panose="02020603050405020304" pitchFamily="18" charset="0"/>
                 <a:cs typeface="Times New Roman" panose="02020603050405020304" pitchFamily="18" charset="0"/>
               </a:rPr>
@@ -3933,8 +3933,12 @@
           </a:bodyPr>
           <a:lstStyle/>
           <a:p>
-            <a:r>
-              <a:rPr lang="en-US" dirty="0">
+            <a:pPr marL="514350" indent="-514350">
+              <a:buFont typeface="+mj-lt"/>
+              <a:buAutoNum type="arabicPeriod"/>
+            </a:pPr>
+            <a:r>
+              <a:rPr lang="en-US" sz="2800" dirty="0">
                 <a:latin typeface="Times New Roman" panose="02020603050405020304" pitchFamily="18" charset="0"/>
                 <a:cs typeface="Times New Roman" panose="02020603050405020304" pitchFamily="18" charset="0"/>
               </a:rPr>
@@ -3942,8 +3946,12 @@
             </a:r>
           </a:p>
           <a:p>
-            <a:r>
-              <a:rPr lang="en-US" dirty="0">
+            <a:pPr marL="514350" indent="-514350">
+              <a:buFont typeface="+mj-lt"/>
+              <a:buAutoNum type="arabicPeriod"/>
+            </a:pPr>
+            <a:r>
+              <a:rPr lang="en-US" sz="2800" dirty="0">
                 <a:latin typeface="Times New Roman" panose="02020603050405020304" pitchFamily="18" charset="0"/>
                 <a:cs typeface="Times New Roman" panose="02020603050405020304" pitchFamily="18" charset="0"/>
               </a:rPr>
@@ -3951,8 +3959,12 @@
             </a:r>
           </a:p>
           <a:p>
-            <a:r>
-              <a:rPr lang="en-US" dirty="0">
+            <a:pPr marL="514350" indent="-514350">
+              <a:buFont typeface="+mj-lt"/>
+              <a:buAutoNum type="arabicPeriod"/>
+            </a:pPr>
+            <a:r>
+              <a:rPr lang="en-US" sz="2800" dirty="0">
                 <a:latin typeface="Times New Roman" panose="02020603050405020304" pitchFamily="18" charset="0"/>
                 <a:cs typeface="Times New Roman" panose="02020603050405020304" pitchFamily="18" charset="0"/>
               </a:rPr>
@@ -4382,7 +4394,12 @@
             <p:ph type="title"/>
           </p:nvPr>
         </p:nvSpPr>
-        <p:spPr/>
+        <p:spPr>
+          <a:xfrm>
+            <a:off x="688977" y="499533"/>
+            <a:ext cx="10741022" cy="1181349"/>
+          </a:xfrm>
+        </p:spPr>
         <p:txBody>
           <a:bodyPr>
             <a:normAutofit/>
@@ -4418,18 +4435,28 @@
         </p:nvSpPr>
         <p:spPr>
           <a:xfrm>
-            <a:off x="1484310" y="2273643"/>
-            <a:ext cx="10018713" cy="3517557"/>
+            <a:off x="762002" y="1775013"/>
+            <a:ext cx="10741022" cy="4016188"/>
           </a:xfrm>
         </p:spPr>
         <p:txBody>
-          <a:bodyPr/>
-          <a:lstStyle/>
-          <a:p>
-            <a:endParaRPr lang="en-US" dirty="0">
-              <a:latin typeface="Times New Roman" panose="02020603050405020304" pitchFamily="18" charset="0"/>
-              <a:cs typeface="Times New Roman" panose="02020603050405020304" pitchFamily="18" charset="0"/>
-            </a:endParaRPr>
+          <a:bodyPr>
+            <a:normAutofit/>
+          </a:bodyPr>
+          <a:lstStyle/>
+          <a:p>
+            <a:pPr>
+              <a:lnSpc>
+                <a:spcPct val="100000"/>
+              </a:lnSpc>
+            </a:pPr>
+            <a:r>
+              <a:rPr lang="en-US" sz="2800" dirty="0">
+                <a:latin typeface="Times New Roman" panose="02020603050405020304" pitchFamily="18" charset="0"/>
+                <a:cs typeface="Times New Roman" panose="02020603050405020304" pitchFamily="18" charset="0"/>
+              </a:rPr>
+              <a:t>A company is expanding into the aviation industry by purchasing and operating aircraft for commercial and private enterprises. However, the leadership lacks knowledge about the potential risks. To ensure success, it is crucial to identify aircraft with the lowest risk. A detailed, data-driven assessment of different aircraft models is needed to help the aviation division make informed decisions aligned with the company's business goals.</a:t>
+            </a:r>
           </a:p>
         </p:txBody>
       </p:sp>
@@ -4652,8 +4679,8 @@
         </p:nvSpPr>
         <p:spPr>
           <a:xfrm>
-            <a:off x="1618736" y="1000897"/>
-            <a:ext cx="9884288" cy="5857101"/>
+            <a:off x="1169894" y="1000898"/>
+            <a:ext cx="10333130" cy="5588162"/>
           </a:xfrm>
         </p:spPr>
         <p:txBody>
@@ -4663,7 +4690,7 @@
           <a:lstStyle/>
           <a:p>
             <a:r>
-              <a:rPr lang="en-US" dirty="0">
+              <a:rPr lang="en-US" sz="2800" dirty="0">
                 <a:latin typeface="Times New Roman" panose="02020603050405020304" pitchFamily="18" charset="0"/>
                 <a:cs typeface="Times New Roman" panose="02020603050405020304" pitchFamily="18" charset="0"/>
               </a:rPr>
@@ -4672,7 +4699,7 @@
           </a:p>
           <a:p>
             <a:r>
-              <a:rPr lang="en-US" dirty="0">
+              <a:rPr lang="en-US" sz="2800" dirty="0">
                 <a:latin typeface="Times New Roman" panose="02020603050405020304" pitchFamily="18" charset="0"/>
                 <a:cs typeface="Times New Roman" panose="02020603050405020304" pitchFamily="18" charset="0"/>
               </a:rPr>
@@ -4681,7 +4708,7 @@
           </a:p>
           <a:p>
             <a:r>
-              <a:rPr lang="en-US" dirty="0">
+              <a:rPr lang="en-US" sz="2800" dirty="0">
                 <a:latin typeface="Times New Roman" panose="02020603050405020304" pitchFamily="18" charset="0"/>
                 <a:cs typeface="Times New Roman" panose="02020603050405020304" pitchFamily="18" charset="0"/>
               </a:rPr>
@@ -4691,7 +4718,7 @@
           <a:p>
             <a:pPr lvl="1"/>
             <a:r>
-              <a:rPr lang="en-US" sz="2400" dirty="0">
+              <a:rPr lang="en-US" sz="2800" dirty="0">
                 <a:latin typeface="Times New Roman" panose="02020603050405020304" pitchFamily="18" charset="0"/>
                 <a:cs typeface="Times New Roman" panose="02020603050405020304" pitchFamily="18" charset="0"/>
               </a:rPr>
@@ -4701,7 +4728,7 @@
           <a:p>
             <a:pPr lvl="1"/>
             <a:r>
-              <a:rPr lang="en-US" sz="2400" dirty="0">
+              <a:rPr lang="en-US" sz="2800" dirty="0">
                 <a:latin typeface="Times New Roman" panose="02020603050405020304" pitchFamily="18" charset="0"/>
                 <a:cs typeface="Times New Roman" panose="02020603050405020304" pitchFamily="18" charset="0"/>
               </a:rPr>
@@ -4711,7 +4738,7 @@
           <a:p>
             <a:pPr lvl="1"/>
             <a:r>
-              <a:rPr lang="en-US" sz="2400" dirty="0">
+              <a:rPr lang="en-US" sz="2800" dirty="0">
                 <a:latin typeface="Times New Roman" panose="02020603050405020304" pitchFamily="18" charset="0"/>
                 <a:cs typeface="Times New Roman" panose="02020603050405020304" pitchFamily="18" charset="0"/>
               </a:rPr>
@@ -4721,7 +4748,7 @@
           <a:p>
             <a:pPr lvl="1"/>
             <a:r>
-              <a:rPr lang="en-US" sz="2400" dirty="0">
+              <a:rPr lang="en-US" sz="2800" dirty="0">
                 <a:latin typeface="Times New Roman" panose="02020603050405020304" pitchFamily="18" charset="0"/>
                 <a:cs typeface="Times New Roman" panose="02020603050405020304" pitchFamily="18" charset="0"/>
               </a:rPr>
@@ -4731,7 +4758,7 @@
           <a:p>
             <a:pPr lvl="1"/>
             <a:r>
-              <a:rPr lang="en-US" sz="2400" dirty="0">
+              <a:rPr lang="en-US" sz="2800" dirty="0">
                 <a:latin typeface="Times New Roman" panose="02020603050405020304" pitchFamily="18" charset="0"/>
                 <a:cs typeface="Times New Roman" panose="02020603050405020304" pitchFamily="18" charset="0"/>
               </a:rPr>
@@ -4741,7 +4768,7 @@
           <a:p>
             <a:pPr lvl="1"/>
             <a:r>
-              <a:rPr lang="en-US" sz="2400" dirty="0">
+              <a:rPr lang="en-US" sz="2800" dirty="0">
                 <a:latin typeface="Times New Roman" panose="02020603050405020304" pitchFamily="18" charset="0"/>
                 <a:cs typeface="Times New Roman" panose="02020603050405020304" pitchFamily="18" charset="0"/>
               </a:rPr>
@@ -4751,7 +4778,7 @@
           <a:p>
             <a:pPr lvl="1"/>
             <a:r>
-              <a:rPr lang="en-US" sz="2400" dirty="0">
+              <a:rPr lang="en-US" sz="2800" dirty="0">
                 <a:latin typeface="Times New Roman" panose="02020603050405020304" pitchFamily="18" charset="0"/>
                 <a:cs typeface="Times New Roman" panose="02020603050405020304" pitchFamily="18" charset="0"/>
               </a:rPr>
@@ -4814,7 +4841,7 @@
         </p:spPr>
         <p:txBody>
           <a:bodyPr>
-            <a:normAutofit fontScale="90000"/>
+            <a:normAutofit/>
           </a:bodyPr>
           <a:lstStyle/>
           <a:p>
@@ -4823,17 +4850,17 @@
                 <a:latin typeface="Times New Roman" panose="02020603050405020304" pitchFamily="18" charset="0"/>
                 <a:cs typeface="Times New Roman" panose="02020603050405020304" pitchFamily="18" charset="0"/>
               </a:rPr>
-              <a:t>Top 5 Aircraft Makes with lower Injuries</a:t>
+              <a:t>Total Injuries by Make</a:t>
             </a:r>
           </a:p>
         </p:txBody>
       </p:sp>
       <p:pic>
         <p:nvPicPr>
-          <p:cNvPr id="5" name="Content Placeholder 4">
+          <p:cNvPr id="11" name="Content Placeholder 10">
             <a:extLst>
               <a:ext uri="{FF2B5EF4-FFF2-40B4-BE49-F238E27FC236}">
-                <a16:creationId xmlns:a16="http://schemas.microsoft.com/office/drawing/2014/main" id="{AE61A006-26E5-4ED6-92ED-BCA55BEFA633}"/>
+                <a16:creationId xmlns:a16="http://schemas.microsoft.com/office/drawing/2014/main" id="{460A9D86-DD76-E9D5-9D41-3F049001E8D9}"/>
               </a:ext>
             </a:extLst>
           </p:cNvPr>
@@ -4858,8 +4885,8 @@
         </p:blipFill>
         <p:spPr>
           <a:xfrm>
-            <a:off x="1804086" y="1455309"/>
-            <a:ext cx="8326425" cy="4958433"/>
+            <a:off x="758713" y="1455308"/>
+            <a:ext cx="10367220" cy="4985833"/>
           </a:xfrm>
         </p:spPr>
       </p:pic>
@@ -5074,10 +5101,10 @@
       </p:sp>
       <p:pic>
         <p:nvPicPr>
-          <p:cNvPr id="5" name="Content Placeholder 4">
+          <p:cNvPr id="8" name="Content Placeholder 7">
             <a:extLst>
               <a:ext uri="{FF2B5EF4-FFF2-40B4-BE49-F238E27FC236}">
-                <a16:creationId xmlns:a16="http://schemas.microsoft.com/office/drawing/2014/main" id="{68F4E07E-8C5C-6D9C-2839-819735A1D218}"/>
+                <a16:creationId xmlns:a16="http://schemas.microsoft.com/office/drawing/2014/main" id="{5F764496-88A9-6961-7D04-5937FD7FD66F}"/>
               </a:ext>
             </a:extLst>
           </p:cNvPr>
@@ -5102,45 +5129,9 @@
         </p:blipFill>
         <p:spPr>
           <a:xfrm>
-            <a:off x="837202" y="1383957"/>
-            <a:ext cx="5642513" cy="3744097"/>
+            <a:off x="893894" y="1129552"/>
+            <a:ext cx="11036299" cy="5311589"/>
           </a:xfrm>
-        </p:spPr>
-      </p:pic>
-      <p:pic>
-        <p:nvPicPr>
-          <p:cNvPr id="4" name="Picture 3">
-            <a:extLst>
-              <a:ext uri="{FF2B5EF4-FFF2-40B4-BE49-F238E27FC236}">
-                <a16:creationId xmlns:a16="http://schemas.microsoft.com/office/drawing/2014/main" id="{75221665-C77A-01F8-858E-7A55997A2B51}"/>
-              </a:ext>
-            </a:extLst>
-          </p:cNvPr>
-          <p:cNvPicPr>
-            <a:picLocks noChangeAspect="1"/>
-          </p:cNvPicPr>
-          <p:nvPr/>
-        </p:nvPicPr>
-        <p:blipFill>
-          <a:blip r:embed="rId3">
-            <a:extLst>
-              <a:ext uri="{28A0092B-C50C-407E-A947-70E740481C1C}">
-                <a14:useLocalDpi xmlns:a14="http://schemas.microsoft.com/office/drawing/2010/main" val="0"/>
-              </a:ext>
-            </a:extLst>
-          </a:blip>
-          <a:stretch>
-            <a:fillRect/>
-          </a:stretch>
-        </p:blipFill>
-        <p:spPr>
-          <a:xfrm>
-            <a:off x="6393826" y="1569309"/>
-            <a:ext cx="5717698" cy="3286896"/>
-          </a:xfrm>
-          <a:prstGeom prst="rect">
-            <a:avLst/>
-          </a:prstGeom>
         </p:spPr>
       </p:pic>
     </p:spTree>
